--- a/ressources/Soutenance.pptx
+++ b/ressources/Soutenance.pptx
@@ -5,27 +5,34 @@
     <p:sldMasterId id="2147483648" r:id="rId4"/>
   </p:sldMasterIdLst>
   <p:notesMasterIdLst>
-    <p:notesMasterId r:id="rId20"/>
+    <p:notesMasterId r:id="rId27"/>
   </p:notesMasterIdLst>
   <p:handoutMasterIdLst>
-    <p:handoutMasterId r:id="rId21"/>
+    <p:handoutMasterId r:id="rId28"/>
   </p:handoutMasterIdLst>
   <p:sldIdLst>
     <p:sldId id="256" r:id="rId5"/>
     <p:sldId id="258" r:id="rId6"/>
     <p:sldId id="257" r:id="rId7"/>
     <p:sldId id="286" r:id="rId8"/>
-    <p:sldId id="260" r:id="rId9"/>
-    <p:sldId id="261" r:id="rId10"/>
-    <p:sldId id="262" r:id="rId11"/>
-    <p:sldId id="283" r:id="rId12"/>
-    <p:sldId id="264" r:id="rId13"/>
-    <p:sldId id="266" r:id="rId14"/>
-    <p:sldId id="284" r:id="rId15"/>
-    <p:sldId id="267" r:id="rId16"/>
-    <p:sldId id="269" r:id="rId17"/>
-    <p:sldId id="268" r:id="rId18"/>
-    <p:sldId id="285" r:id="rId19"/>
+    <p:sldId id="287" r:id="rId9"/>
+    <p:sldId id="289" r:id="rId10"/>
+    <p:sldId id="290" r:id="rId11"/>
+    <p:sldId id="288" r:id="rId12"/>
+    <p:sldId id="260" r:id="rId13"/>
+    <p:sldId id="303" r:id="rId14"/>
+    <p:sldId id="291" r:id="rId15"/>
+    <p:sldId id="293" r:id="rId16"/>
+    <p:sldId id="292" r:id="rId17"/>
+    <p:sldId id="294" r:id="rId18"/>
+    <p:sldId id="295" r:id="rId19"/>
+    <p:sldId id="296" r:id="rId20"/>
+    <p:sldId id="300" r:id="rId21"/>
+    <p:sldId id="297" r:id="rId22"/>
+    <p:sldId id="302" r:id="rId23"/>
+    <p:sldId id="301" r:id="rId24"/>
+    <p:sldId id="267" r:id="rId25"/>
+    <p:sldId id="268" r:id="rId26"/>
   </p:sldIdLst>
   <p:sldSz cx="12192000" cy="6858000"/>
   <p:notesSz cx="6858000" cy="9144000"/>
@@ -146,917 +153,6 @@
 </p:presentation>
 </file>
 
-<file path=ppt/charts/chart1.xml><?xml version="1.0" encoding="utf-8"?>
-<c:chartSpace xmlns:c="http://schemas.openxmlformats.org/drawingml/2006/chart" xmlns:a="http://schemas.openxmlformats.org/drawingml/2006/main" xmlns:r="http://schemas.openxmlformats.org/officeDocument/2006/relationships" xmlns:c16r2="http://schemas.microsoft.com/office/drawing/2015/06/chart">
-  <c:date1904 val="0"/>
-  <c:lang val="fr-FR"/>
-  <c:roundedCorners val="0"/>
-  <mc:AlternateContent xmlns:mc="http://schemas.openxmlformats.org/markup-compatibility/2006">
-    <mc:Choice xmlns:c14="http://schemas.microsoft.com/office/drawing/2007/8/2/chart" Requires="c14">
-      <c14:style val="102"/>
-    </mc:Choice>
-    <mc:Fallback>
-      <c:style val="2"/>
-    </mc:Fallback>
-  </mc:AlternateContent>
-  <c:chart>
-    <c:autoTitleDeleted val="1"/>
-    <c:plotArea>
-      <c:layout/>
-      <c:barChart>
-        <c:barDir val="col"/>
-        <c:grouping val="clustered"/>
-        <c:varyColors val="0"/>
-        <c:ser>
-          <c:idx val="0"/>
-          <c:order val="0"/>
-          <c:tx>
-            <c:strRef>
-              <c:f>Sheet1!$B$1</c:f>
-              <c:strCache>
-                <c:ptCount val="1"/>
-                <c:pt idx="0">
-                  <c:v>Série 1</c:v>
-                </c:pt>
-              </c:strCache>
-            </c:strRef>
-          </c:tx>
-          <c:spPr>
-            <a:solidFill>
-              <a:schemeClr val="accent3"/>
-            </a:solidFill>
-            <a:ln>
-              <a:noFill/>
-            </a:ln>
-            <a:effectLst/>
-          </c:spPr>
-          <c:invertIfNegative val="0"/>
-          <c:dPt>
-            <c:idx val="1"/>
-            <c:invertIfNegative val="0"/>
-            <c:bubble3D val="0"/>
-            <c:spPr>
-              <a:pattFill prst="ltUpDiag">
-                <a:fgClr>
-                  <a:schemeClr val="accent1">
-                    <a:lumMod val="50000"/>
-                  </a:schemeClr>
-                </a:fgClr>
-                <a:bgClr>
-                  <a:schemeClr val="accent6"/>
-                </a:bgClr>
-              </a:pattFill>
-              <a:ln w="12700">
-                <a:solidFill>
-                  <a:schemeClr val="accent6">
-                    <a:lumMod val="60000"/>
-                    <a:lumOff val="40000"/>
-                  </a:schemeClr>
-                </a:solidFill>
-              </a:ln>
-              <a:effectLst/>
-            </c:spPr>
-            <c:extLst>
-              <c:ext xmlns:c16="http://schemas.microsoft.com/office/drawing/2014/chart" uri="{C3380CC4-5D6E-409C-BE32-E72D297353CC}">
-                <c16:uniqueId val="{00000001-73FB-9843-92B3-91A80E32B7C5}"/>
-              </c:ext>
-            </c:extLst>
-          </c:dPt>
-          <c:dPt>
-            <c:idx val="2"/>
-            <c:invertIfNegative val="0"/>
-            <c:bubble3D val="0"/>
-            <c:spPr>
-              <a:pattFill prst="ltUpDiag">
-                <a:fgClr>
-                  <a:schemeClr val="accent1">
-                    <a:lumMod val="50000"/>
-                  </a:schemeClr>
-                </a:fgClr>
-                <a:bgClr>
-                  <a:schemeClr val="accent3"/>
-                </a:bgClr>
-              </a:pattFill>
-              <a:ln w="12700">
-                <a:solidFill>
-                  <a:schemeClr val="accent3">
-                    <a:lumMod val="60000"/>
-                    <a:lumOff val="40000"/>
-                  </a:schemeClr>
-                </a:solidFill>
-              </a:ln>
-              <a:effectLst/>
-            </c:spPr>
-            <c:extLst>
-              <c:ext xmlns:c16="http://schemas.microsoft.com/office/drawing/2014/chart" uri="{C3380CC4-5D6E-409C-BE32-E72D297353CC}">
-                <c16:uniqueId val="{00000007-73FB-9843-92B3-91A80E32B7C5}"/>
-              </c:ext>
-            </c:extLst>
-          </c:dPt>
-          <c:dPt>
-            <c:idx val="3"/>
-            <c:invertIfNegative val="0"/>
-            <c:bubble3D val="0"/>
-            <c:spPr>
-              <a:pattFill prst="ltUpDiag">
-                <a:fgClr>
-                  <a:schemeClr val="accent1">
-                    <a:lumMod val="50000"/>
-                  </a:schemeClr>
-                </a:fgClr>
-                <a:bgClr>
-                  <a:schemeClr val="accent1">
-                    <a:lumMod val="60000"/>
-                    <a:lumOff val="40000"/>
-                  </a:schemeClr>
-                </a:bgClr>
-              </a:pattFill>
-              <a:ln w="12700">
-                <a:solidFill>
-                  <a:schemeClr val="accent1">
-                    <a:lumMod val="40000"/>
-                    <a:lumOff val="60000"/>
-                  </a:schemeClr>
-                </a:solidFill>
-              </a:ln>
-              <a:effectLst/>
-            </c:spPr>
-            <c:extLst>
-              <c:ext xmlns:c16="http://schemas.microsoft.com/office/drawing/2014/chart" uri="{C3380CC4-5D6E-409C-BE32-E72D297353CC}">
-                <c16:uniqueId val="{00000003-73FB-9843-92B3-91A80E32B7C5}"/>
-              </c:ext>
-            </c:extLst>
-          </c:dPt>
-          <c:dPt>
-            <c:idx val="4"/>
-            <c:invertIfNegative val="0"/>
-            <c:bubble3D val="0"/>
-            <c:spPr>
-              <a:pattFill prst="ltUpDiag">
-                <a:fgClr>
-                  <a:schemeClr val="accent1">
-                    <a:lumMod val="50000"/>
-                  </a:schemeClr>
-                </a:fgClr>
-                <a:bgClr>
-                  <a:schemeClr val="accent2"/>
-                </a:bgClr>
-              </a:pattFill>
-              <a:ln w="12700">
-                <a:solidFill>
-                  <a:schemeClr val="accent2">
-                    <a:lumMod val="60000"/>
-                    <a:lumOff val="40000"/>
-                  </a:schemeClr>
-                </a:solidFill>
-              </a:ln>
-              <a:effectLst/>
-            </c:spPr>
-            <c:extLst>
-              <c:ext xmlns:c16="http://schemas.microsoft.com/office/drawing/2014/chart" uri="{C3380CC4-5D6E-409C-BE32-E72D297353CC}">
-                <c16:uniqueId val="{00000005-73FB-9843-92B3-91A80E32B7C5}"/>
-              </c:ext>
-            </c:extLst>
-          </c:dPt>
-          <c:cat>
-            <c:strRef>
-              <c:f>Sheet1!$A$2:$A$6</c:f>
-              <c:strCache>
-                <c:ptCount val="5"/>
-                <c:pt idx="0">
-                  <c:v>20AA</c:v>
-                </c:pt>
-                <c:pt idx="1">
-                  <c:v>20AA</c:v>
-                </c:pt>
-                <c:pt idx="2">
-                  <c:v>20AA</c:v>
-                </c:pt>
-                <c:pt idx="3">
-                  <c:v>20AA</c:v>
-                </c:pt>
-                <c:pt idx="4">
-                  <c:v>20AA</c:v>
-                </c:pt>
-              </c:strCache>
-            </c:strRef>
-          </c:cat>
-          <c:val>
-            <c:numRef>
-              <c:f>Sheet1!$B$2:$B$6</c:f>
-              <c:numCache>
-                <c:formatCode>#,##0\ "€"</c:formatCode>
-                <c:ptCount val="5"/>
-                <c:pt idx="0">
-                  <c:v>0</c:v>
-                </c:pt>
-                <c:pt idx="1">
-                  <c:v>6750</c:v>
-                </c:pt>
-                <c:pt idx="2">
-                  <c:v>33750</c:v>
-                </c:pt>
-                <c:pt idx="3">
-                  <c:v>135000</c:v>
-                </c:pt>
-                <c:pt idx="4">
-                  <c:v>270000</c:v>
-                </c:pt>
-              </c:numCache>
-            </c:numRef>
-          </c:val>
-          <c:extLst>
-            <c:ext xmlns:c16="http://schemas.microsoft.com/office/drawing/2014/chart" uri="{C3380CC4-5D6E-409C-BE32-E72D297353CC}">
-              <c16:uniqueId val="{00000006-73FB-9843-92B3-91A80E32B7C5}"/>
-            </c:ext>
-          </c:extLst>
-        </c:ser>
-        <c:dLbls>
-          <c:showLegendKey val="0"/>
-          <c:showVal val="0"/>
-          <c:showCatName val="0"/>
-          <c:showSerName val="0"/>
-          <c:showPercent val="0"/>
-          <c:showBubbleSize val="0"/>
-        </c:dLbls>
-        <c:gapWidth val="24"/>
-        <c:axId val="1000041416"/>
-        <c:axId val="1000041744"/>
-      </c:barChart>
-      <c:catAx>
-        <c:axId val="1000041416"/>
-        <c:scaling>
-          <c:orientation val="minMax"/>
-        </c:scaling>
-        <c:delete val="0"/>
-        <c:axPos val="b"/>
-        <c:numFmt formatCode="General" sourceLinked="1"/>
-        <c:majorTickMark val="none"/>
-        <c:minorTickMark val="none"/>
-        <c:tickLblPos val="nextTo"/>
-        <c:spPr>
-          <a:noFill/>
-          <a:ln w="9525" cap="flat" cmpd="sng" algn="ctr">
-            <a:solidFill>
-              <a:schemeClr val="tx1">
-                <a:lumMod val="15000"/>
-                <a:lumOff val="85000"/>
-              </a:schemeClr>
-            </a:solidFill>
-            <a:round/>
-          </a:ln>
-          <a:effectLst/>
-        </c:spPr>
-        <c:txPr>
-          <a:bodyPr rot="-60000000" spcFirstLastPara="1" vertOverflow="ellipsis" vert="horz" wrap="square" anchor="ctr" anchorCtr="1"/>
-          <a:lstStyle/>
-          <a:p>
-            <a:pPr>
-              <a:defRPr sz="1197" b="0" i="0" u="none" strike="noStrike" kern="1200" baseline="0">
-                <a:solidFill>
-                  <a:schemeClr val="bg1"/>
-                </a:solidFill>
-                <a:latin typeface="+mn-lt"/>
-                <a:ea typeface="+mn-ea"/>
-                <a:cs typeface="+mn-cs"/>
-              </a:defRPr>
-            </a:pPr>
-            <a:endParaRPr lang="fr-FR"/>
-          </a:p>
-        </c:txPr>
-        <c:crossAx val="1000041744"/>
-        <c:crosses val="autoZero"/>
-        <c:auto val="1"/>
-        <c:lblAlgn val="ctr"/>
-        <c:lblOffset val="100"/>
-        <c:noMultiLvlLbl val="0"/>
-      </c:catAx>
-      <c:valAx>
-        <c:axId val="1000041744"/>
-        <c:scaling>
-          <c:orientation val="minMax"/>
-        </c:scaling>
-        <c:delete val="0"/>
-        <c:axPos val="l"/>
-        <c:numFmt formatCode="#,##0\ &quot;€&quot;" sourceLinked="1"/>
-        <c:majorTickMark val="none"/>
-        <c:minorTickMark val="none"/>
-        <c:tickLblPos val="nextTo"/>
-        <c:spPr>
-          <a:noFill/>
-          <a:ln>
-            <a:noFill/>
-          </a:ln>
-          <a:effectLst/>
-        </c:spPr>
-        <c:txPr>
-          <a:bodyPr rot="-60000000" spcFirstLastPara="1" vertOverflow="ellipsis" vert="horz" wrap="square" anchor="ctr" anchorCtr="1"/>
-          <a:lstStyle/>
-          <a:p>
-            <a:pPr>
-              <a:defRPr sz="1197" b="0" i="0" u="none" strike="noStrike" kern="1200" baseline="0">
-                <a:solidFill>
-                  <a:schemeClr val="bg1"/>
-                </a:solidFill>
-                <a:latin typeface="+mn-lt"/>
-                <a:ea typeface="+mn-ea"/>
-                <a:cs typeface="+mn-cs"/>
-              </a:defRPr>
-            </a:pPr>
-            <a:endParaRPr lang="fr-FR"/>
-          </a:p>
-        </c:txPr>
-        <c:crossAx val="1000041416"/>
-        <c:crosses val="autoZero"/>
-        <c:crossBetween val="between"/>
-      </c:valAx>
-      <c:spPr>
-        <a:noFill/>
-        <a:ln>
-          <a:noFill/>
-        </a:ln>
-        <a:effectLst/>
-      </c:spPr>
-    </c:plotArea>
-    <c:plotVisOnly val="1"/>
-    <c:dispBlanksAs val="gap"/>
-    <c:extLst>
-      <c:ext xmlns:c16r3="http://schemas.microsoft.com/office/drawing/2017/03/chart" uri="{56B9EC1D-385E-4148-901F-78D8002777C0}">
-        <c16r3:dataDisplayOptions16>
-          <c16r3:dispNaAsBlank val="1"/>
-        </c16r3:dataDisplayOptions16>
-      </c:ext>
-    </c:extLst>
-    <c:showDLblsOverMax val="0"/>
-  </c:chart>
-  <c:spPr>
-    <a:noFill/>
-    <a:ln>
-      <a:noFill/>
-    </a:ln>
-    <a:effectLst/>
-  </c:spPr>
-  <c:txPr>
-    <a:bodyPr/>
-    <a:lstStyle/>
-    <a:p>
-      <a:pPr>
-        <a:defRPr>
-          <a:latin typeface="+mn-lt"/>
-        </a:defRPr>
-      </a:pPr>
-      <a:endParaRPr lang="fr-FR"/>
-    </a:p>
-  </c:txPr>
-  <c:externalData r:id="rId3">
-    <c:autoUpdate val="0"/>
-  </c:externalData>
-</c:chartSpace>
-</file>
-
-<file path=ppt/charts/colors1.xml><?xml version="1.0" encoding="utf-8"?>
-<cs:colorStyle xmlns:cs="http://schemas.microsoft.com/office/drawing/2012/chartStyle" xmlns:a="http://schemas.openxmlformats.org/drawingml/2006/main" meth="cycle" id="10">
-  <a:schemeClr val="accent1"/>
-  <a:schemeClr val="accent2"/>
-  <a:schemeClr val="accent3"/>
-  <a:schemeClr val="accent4"/>
-  <a:schemeClr val="accent5"/>
-  <a:schemeClr val="accent6"/>
-  <cs:variation/>
-  <cs:variation>
-    <a:lumMod val="60000"/>
-  </cs:variation>
-  <cs:variation>
-    <a:lumMod val="80000"/>
-    <a:lumOff val="20000"/>
-  </cs:variation>
-  <cs:variation>
-    <a:lumMod val="80000"/>
-  </cs:variation>
-  <cs:variation>
-    <a:lumMod val="60000"/>
-    <a:lumOff val="40000"/>
-  </cs:variation>
-  <cs:variation>
-    <a:lumMod val="50000"/>
-  </cs:variation>
-  <cs:variation>
-    <a:lumMod val="70000"/>
-    <a:lumOff val="30000"/>
-  </cs:variation>
-  <cs:variation>
-    <a:lumMod val="70000"/>
-  </cs:variation>
-  <cs:variation>
-    <a:lumMod val="50000"/>
-    <a:lumOff val="50000"/>
-  </cs:variation>
-</cs:colorStyle>
-</file>
-
-<file path=ppt/charts/style1.xml><?xml version="1.0" encoding="utf-8"?>
-<cs:chartStyle xmlns:cs="http://schemas.microsoft.com/office/drawing/2012/chartStyle" xmlns:a="http://schemas.openxmlformats.org/drawingml/2006/main" id="201">
-  <cs:axisTitle>
-    <cs:lnRef idx="0"/>
-    <cs:fillRef idx="0"/>
-    <cs:effectRef idx="0"/>
-    <cs:fontRef idx="minor">
-      <a:schemeClr val="tx1">
-        <a:lumMod val="65000"/>
-        <a:lumOff val="35000"/>
-      </a:schemeClr>
-    </cs:fontRef>
-    <cs:defRPr sz="1330" kern="1200"/>
-  </cs:axisTitle>
-  <cs:categoryAxis>
-    <cs:lnRef idx="0"/>
-    <cs:fillRef idx="0"/>
-    <cs:effectRef idx="0"/>
-    <cs:fontRef idx="minor">
-      <a:schemeClr val="tx1">
-        <a:lumMod val="65000"/>
-        <a:lumOff val="35000"/>
-      </a:schemeClr>
-    </cs:fontRef>
-    <cs:spPr>
-      <a:ln w="9525" cap="flat" cmpd="sng" algn="ctr">
-        <a:solidFill>
-          <a:schemeClr val="tx1">
-            <a:lumMod val="15000"/>
-            <a:lumOff val="85000"/>
-          </a:schemeClr>
-        </a:solidFill>
-        <a:round/>
-      </a:ln>
-    </cs:spPr>
-    <cs:defRPr sz="1197" kern="1200"/>
-  </cs:categoryAxis>
-  <cs:chartArea mods="allowNoFillOverride allowNoLineOverride">
-    <cs:lnRef idx="0"/>
-    <cs:fillRef idx="0"/>
-    <cs:effectRef idx="0"/>
-    <cs:fontRef idx="minor">
-      <a:schemeClr val="tx1"/>
-    </cs:fontRef>
-    <cs:spPr>
-      <a:solidFill>
-        <a:schemeClr val="bg1"/>
-      </a:solidFill>
-      <a:ln w="9525" cap="flat" cmpd="sng" algn="ctr">
-        <a:solidFill>
-          <a:schemeClr val="tx1">
-            <a:lumMod val="15000"/>
-            <a:lumOff val="85000"/>
-          </a:schemeClr>
-        </a:solidFill>
-        <a:round/>
-      </a:ln>
-    </cs:spPr>
-    <cs:defRPr sz="1330" kern="1200"/>
-  </cs:chartArea>
-  <cs:dataLabel>
-    <cs:lnRef idx="0"/>
-    <cs:fillRef idx="0"/>
-    <cs:effectRef idx="0"/>
-    <cs:fontRef idx="minor">
-      <a:schemeClr val="tx1">
-        <a:lumMod val="75000"/>
-        <a:lumOff val="25000"/>
-      </a:schemeClr>
-    </cs:fontRef>
-    <cs:defRPr sz="1197" kern="1200"/>
-  </cs:dataLabel>
-  <cs:dataLabelCallout>
-    <cs:lnRef idx="0"/>
-    <cs:fillRef idx="0"/>
-    <cs:effectRef idx="0"/>
-    <cs:fontRef idx="minor">
-      <a:schemeClr val="dk1">
-        <a:lumMod val="65000"/>
-        <a:lumOff val="35000"/>
-      </a:schemeClr>
-    </cs:fontRef>
-    <cs:spPr>
-      <a:solidFill>
-        <a:schemeClr val="lt1"/>
-      </a:solidFill>
-      <a:ln>
-        <a:solidFill>
-          <a:schemeClr val="dk1">
-            <a:lumMod val="25000"/>
-            <a:lumOff val="75000"/>
-          </a:schemeClr>
-        </a:solidFill>
-      </a:ln>
-    </cs:spPr>
-    <cs:defRPr sz="1197" kern="1200"/>
-    <cs:bodyPr rot="0" spcFirstLastPara="1" vertOverflow="clip" horzOverflow="clip" vert="horz" wrap="square" lIns="36576" tIns="18288" rIns="36576" bIns="18288" anchor="ctr" anchorCtr="1">
-      <a:spAutoFit/>
-    </cs:bodyPr>
-  </cs:dataLabelCallout>
-  <cs:dataPoint>
-    <cs:lnRef idx="0"/>
-    <cs:fillRef idx="1">
-      <cs:styleClr val="auto"/>
-    </cs:fillRef>
-    <cs:effectRef idx="0"/>
-    <cs:fontRef idx="minor">
-      <a:schemeClr val="tx1"/>
-    </cs:fontRef>
-  </cs:dataPoint>
-  <cs:dataPoint3D>
-    <cs:lnRef idx="0"/>
-    <cs:fillRef idx="1">
-      <cs:styleClr val="auto"/>
-    </cs:fillRef>
-    <cs:effectRef idx="0"/>
-    <cs:fontRef idx="minor">
-      <a:schemeClr val="tx1"/>
-    </cs:fontRef>
-  </cs:dataPoint3D>
-  <cs:dataPointLine>
-    <cs:lnRef idx="0">
-      <cs:styleClr val="auto"/>
-    </cs:lnRef>
-    <cs:fillRef idx="1"/>
-    <cs:effectRef idx="0"/>
-    <cs:fontRef idx="minor">
-      <a:schemeClr val="tx1"/>
-    </cs:fontRef>
-    <cs:spPr>
-      <a:ln w="28575" cap="rnd">
-        <a:solidFill>
-          <a:schemeClr val="phClr"/>
-        </a:solidFill>
-        <a:round/>
-      </a:ln>
-    </cs:spPr>
-  </cs:dataPointLine>
-  <cs:dataPointMarker>
-    <cs:lnRef idx="0">
-      <cs:styleClr val="auto"/>
-    </cs:lnRef>
-    <cs:fillRef idx="1">
-      <cs:styleClr val="auto"/>
-    </cs:fillRef>
-    <cs:effectRef idx="0"/>
-    <cs:fontRef idx="minor">
-      <a:schemeClr val="tx1"/>
-    </cs:fontRef>
-    <cs:spPr>
-      <a:ln w="9525">
-        <a:solidFill>
-          <a:schemeClr val="phClr"/>
-        </a:solidFill>
-      </a:ln>
-    </cs:spPr>
-  </cs:dataPointMarker>
-  <cs:dataPointMarkerLayout symbol="circle" size="5"/>
-  <cs:dataPointWireframe>
-    <cs:lnRef idx="0">
-      <cs:styleClr val="auto"/>
-    </cs:lnRef>
-    <cs:fillRef idx="1"/>
-    <cs:effectRef idx="0"/>
-    <cs:fontRef idx="minor">
-      <a:schemeClr val="tx1"/>
-    </cs:fontRef>
-    <cs:spPr>
-      <a:ln w="9525" cap="rnd">
-        <a:solidFill>
-          <a:schemeClr val="phClr"/>
-        </a:solidFill>
-        <a:round/>
-      </a:ln>
-    </cs:spPr>
-  </cs:dataPointWireframe>
-  <cs:dataTable>
-    <cs:lnRef idx="0"/>
-    <cs:fillRef idx="0"/>
-    <cs:effectRef idx="0"/>
-    <cs:fontRef idx="minor">
-      <a:schemeClr val="tx1">
-        <a:lumMod val="65000"/>
-        <a:lumOff val="35000"/>
-      </a:schemeClr>
-    </cs:fontRef>
-    <cs:spPr>
-      <a:noFill/>
-      <a:ln w="9525" cap="flat" cmpd="sng" algn="ctr">
-        <a:solidFill>
-          <a:schemeClr val="tx1">
-            <a:lumMod val="15000"/>
-            <a:lumOff val="85000"/>
-          </a:schemeClr>
-        </a:solidFill>
-        <a:round/>
-      </a:ln>
-    </cs:spPr>
-    <cs:defRPr sz="1197" kern="1200"/>
-  </cs:dataTable>
-  <cs:downBar>
-    <cs:lnRef idx="0"/>
-    <cs:fillRef idx="0"/>
-    <cs:effectRef idx="0"/>
-    <cs:fontRef idx="minor">
-      <a:schemeClr val="dk1"/>
-    </cs:fontRef>
-    <cs:spPr>
-      <a:solidFill>
-        <a:schemeClr val="dk1">
-          <a:lumMod val="65000"/>
-          <a:lumOff val="35000"/>
-        </a:schemeClr>
-      </a:solidFill>
-      <a:ln w="9525">
-        <a:solidFill>
-          <a:schemeClr val="tx1">
-            <a:lumMod val="65000"/>
-            <a:lumOff val="35000"/>
-          </a:schemeClr>
-        </a:solidFill>
-      </a:ln>
-    </cs:spPr>
-  </cs:downBar>
-  <cs:dropLine>
-    <cs:lnRef idx="0"/>
-    <cs:fillRef idx="0"/>
-    <cs:effectRef idx="0"/>
-    <cs:fontRef idx="minor">
-      <a:schemeClr val="tx1"/>
-    </cs:fontRef>
-    <cs:spPr>
-      <a:ln w="9525" cap="flat" cmpd="sng" algn="ctr">
-        <a:solidFill>
-          <a:schemeClr val="tx1">
-            <a:lumMod val="35000"/>
-            <a:lumOff val="65000"/>
-          </a:schemeClr>
-        </a:solidFill>
-        <a:round/>
-      </a:ln>
-    </cs:spPr>
-  </cs:dropLine>
-  <cs:errorBar>
-    <cs:lnRef idx="0"/>
-    <cs:fillRef idx="0"/>
-    <cs:effectRef idx="0"/>
-    <cs:fontRef idx="minor">
-      <a:schemeClr val="tx1"/>
-    </cs:fontRef>
-    <cs:spPr>
-      <a:ln w="9525" cap="flat" cmpd="sng" algn="ctr">
-        <a:solidFill>
-          <a:schemeClr val="tx1">
-            <a:lumMod val="65000"/>
-            <a:lumOff val="35000"/>
-          </a:schemeClr>
-        </a:solidFill>
-        <a:round/>
-      </a:ln>
-    </cs:spPr>
-  </cs:errorBar>
-  <cs:floor>
-    <cs:lnRef idx="0"/>
-    <cs:fillRef idx="0"/>
-    <cs:effectRef idx="0"/>
-    <cs:fontRef idx="minor">
-      <a:schemeClr val="tx1"/>
-    </cs:fontRef>
-    <cs:spPr>
-      <a:noFill/>
-      <a:ln>
-        <a:noFill/>
-      </a:ln>
-    </cs:spPr>
-  </cs:floor>
-  <cs:gridlineMajor>
-    <cs:lnRef idx="0"/>
-    <cs:fillRef idx="0"/>
-    <cs:effectRef idx="0"/>
-    <cs:fontRef idx="minor">
-      <a:schemeClr val="tx1"/>
-    </cs:fontRef>
-    <cs:spPr>
-      <a:ln w="9525" cap="flat" cmpd="sng" algn="ctr">
-        <a:solidFill>
-          <a:schemeClr val="tx1">
-            <a:lumMod val="15000"/>
-            <a:lumOff val="85000"/>
-          </a:schemeClr>
-        </a:solidFill>
-        <a:round/>
-      </a:ln>
-    </cs:spPr>
-  </cs:gridlineMajor>
-  <cs:gridlineMinor>
-    <cs:lnRef idx="0"/>
-    <cs:fillRef idx="0"/>
-    <cs:effectRef idx="0"/>
-    <cs:fontRef idx="minor">
-      <a:schemeClr val="tx1"/>
-    </cs:fontRef>
-    <cs:spPr>
-      <a:ln w="9525" cap="flat" cmpd="sng" algn="ctr">
-        <a:solidFill>
-          <a:schemeClr val="tx1">
-            <a:lumMod val="5000"/>
-            <a:lumOff val="95000"/>
-          </a:schemeClr>
-        </a:solidFill>
-        <a:round/>
-      </a:ln>
-    </cs:spPr>
-  </cs:gridlineMinor>
-  <cs:hiLoLine>
-    <cs:lnRef idx="0"/>
-    <cs:fillRef idx="0"/>
-    <cs:effectRef idx="0"/>
-    <cs:fontRef idx="minor">
-      <a:schemeClr val="tx1"/>
-    </cs:fontRef>
-    <cs:spPr>
-      <a:ln w="9525" cap="flat" cmpd="sng" algn="ctr">
-        <a:solidFill>
-          <a:schemeClr val="tx1">
-            <a:lumMod val="75000"/>
-            <a:lumOff val="25000"/>
-          </a:schemeClr>
-        </a:solidFill>
-        <a:round/>
-      </a:ln>
-    </cs:spPr>
-  </cs:hiLoLine>
-  <cs:leaderLine>
-    <cs:lnRef idx="0"/>
-    <cs:fillRef idx="0"/>
-    <cs:effectRef idx="0"/>
-    <cs:fontRef idx="minor">
-      <a:schemeClr val="tx1"/>
-    </cs:fontRef>
-    <cs:spPr>
-      <a:ln w="9525" cap="flat" cmpd="sng" algn="ctr">
-        <a:solidFill>
-          <a:schemeClr val="tx1">
-            <a:lumMod val="35000"/>
-            <a:lumOff val="65000"/>
-          </a:schemeClr>
-        </a:solidFill>
-        <a:round/>
-      </a:ln>
-    </cs:spPr>
-  </cs:leaderLine>
-  <cs:legend>
-    <cs:lnRef idx="0"/>
-    <cs:fillRef idx="0"/>
-    <cs:effectRef idx="0"/>
-    <cs:fontRef idx="minor">
-      <a:schemeClr val="tx1">
-        <a:lumMod val="65000"/>
-        <a:lumOff val="35000"/>
-      </a:schemeClr>
-    </cs:fontRef>
-    <cs:defRPr sz="1197" kern="1200"/>
-  </cs:legend>
-  <cs:plotArea mods="allowNoFillOverride allowNoLineOverride">
-    <cs:lnRef idx="0"/>
-    <cs:fillRef idx="0"/>
-    <cs:effectRef idx="0"/>
-    <cs:fontRef idx="minor">
-      <a:schemeClr val="tx1"/>
-    </cs:fontRef>
-  </cs:plotArea>
-  <cs:plotArea3D mods="allowNoFillOverride allowNoLineOverride">
-    <cs:lnRef idx="0"/>
-    <cs:fillRef idx="0"/>
-    <cs:effectRef idx="0"/>
-    <cs:fontRef idx="minor">
-      <a:schemeClr val="tx1"/>
-    </cs:fontRef>
-  </cs:plotArea3D>
-  <cs:seriesAxis>
-    <cs:lnRef idx="0"/>
-    <cs:fillRef idx="0"/>
-    <cs:effectRef idx="0"/>
-    <cs:fontRef idx="minor">
-      <a:schemeClr val="tx1">
-        <a:lumMod val="65000"/>
-        <a:lumOff val="35000"/>
-      </a:schemeClr>
-    </cs:fontRef>
-    <cs:defRPr sz="1197" kern="1200"/>
-  </cs:seriesAxis>
-  <cs:seriesLine>
-    <cs:lnRef idx="0"/>
-    <cs:fillRef idx="0"/>
-    <cs:effectRef idx="0"/>
-    <cs:fontRef idx="minor">
-      <a:schemeClr val="tx1"/>
-    </cs:fontRef>
-    <cs:spPr>
-      <a:ln w="9525" cap="flat" cmpd="sng" algn="ctr">
-        <a:solidFill>
-          <a:schemeClr val="tx1">
-            <a:lumMod val="35000"/>
-            <a:lumOff val="65000"/>
-          </a:schemeClr>
-        </a:solidFill>
-        <a:round/>
-      </a:ln>
-    </cs:spPr>
-  </cs:seriesLine>
-  <cs:title>
-    <cs:lnRef idx="0"/>
-    <cs:fillRef idx="0"/>
-    <cs:effectRef idx="0"/>
-    <cs:fontRef idx="minor">
-      <a:schemeClr val="tx1">
-        <a:lumMod val="65000"/>
-        <a:lumOff val="35000"/>
-      </a:schemeClr>
-    </cs:fontRef>
-    <cs:defRPr sz="1862" b="0" kern="1200" spc="0" baseline="0"/>
-  </cs:title>
-  <cs:trendline>
-    <cs:lnRef idx="0">
-      <cs:styleClr val="auto"/>
-    </cs:lnRef>
-    <cs:fillRef idx="0"/>
-    <cs:effectRef idx="0"/>
-    <cs:fontRef idx="minor">
-      <a:schemeClr val="tx1"/>
-    </cs:fontRef>
-    <cs:spPr>
-      <a:ln w="19050" cap="rnd">
-        <a:solidFill>
-          <a:schemeClr val="phClr"/>
-        </a:solidFill>
-        <a:prstDash val="sysDot"/>
-      </a:ln>
-    </cs:spPr>
-  </cs:trendline>
-  <cs:trendlineLabel>
-    <cs:lnRef idx="0"/>
-    <cs:fillRef idx="0"/>
-    <cs:effectRef idx="0"/>
-    <cs:fontRef idx="minor">
-      <a:schemeClr val="tx1">
-        <a:lumMod val="65000"/>
-        <a:lumOff val="35000"/>
-      </a:schemeClr>
-    </cs:fontRef>
-    <cs:defRPr sz="1197" kern="1200"/>
-  </cs:trendlineLabel>
-  <cs:upBar>
-    <cs:lnRef idx="0"/>
-    <cs:fillRef idx="0"/>
-    <cs:effectRef idx="0"/>
-    <cs:fontRef idx="minor">
-      <a:schemeClr val="dk1"/>
-    </cs:fontRef>
-    <cs:spPr>
-      <a:solidFill>
-        <a:schemeClr val="lt1"/>
-      </a:solidFill>
-      <a:ln w="9525">
-        <a:solidFill>
-          <a:schemeClr val="tx1">
-            <a:lumMod val="15000"/>
-            <a:lumOff val="85000"/>
-          </a:schemeClr>
-        </a:solidFill>
-      </a:ln>
-    </cs:spPr>
-  </cs:upBar>
-  <cs:valueAxis>
-    <cs:lnRef idx="0"/>
-    <cs:fillRef idx="0"/>
-    <cs:effectRef idx="0"/>
-    <cs:fontRef idx="minor">
-      <a:schemeClr val="tx1">
-        <a:lumMod val="65000"/>
-        <a:lumOff val="35000"/>
-      </a:schemeClr>
-    </cs:fontRef>
-    <cs:defRPr sz="1197" kern="1200"/>
-  </cs:valueAxis>
-  <cs:wall>
-    <cs:lnRef idx="0"/>
-    <cs:fillRef idx="0"/>
-    <cs:effectRef idx="0"/>
-    <cs:fontRef idx="minor">
-      <a:schemeClr val="tx1"/>
-    </cs:fontRef>
-    <cs:spPr>
-      <a:noFill/>
-      <a:ln>
-        <a:noFill/>
-      </a:ln>
-    </cs:spPr>
-  </cs:wall>
-</cs:chartStyle>
-</file>
-
 <file path=ppt/handoutMasters/handoutMaster1.xml><?xml version="1.0" encoding="utf-8"?>
 <p:handoutMaster xmlns:a="http://schemas.openxmlformats.org/drawingml/2006/main" xmlns:r="http://schemas.openxmlformats.org/officeDocument/2006/relationships" xmlns:p="http://schemas.openxmlformats.org/presentationml/2006/main">
   <p:cSld>
@@ -1153,7 +249,7 @@
             <a:pPr rtl="0"/>
             <a:fld id="{1CD784F2-097A-4060-8FF3-6FB91EC3D7DB}" type="datetime1">
               <a:rPr lang="fr-FR" smtClean="0"/>
-              <a:t>23/06/2021</a:t>
+              <a:t>27/06/2021</a:t>
             </a:fld>
             <a:endParaRPr lang="fr-FR"/>
           </a:p>
@@ -1335,7 +431,7 @@
             <a:pPr rtl="0"/>
             <a:fld id="{6BF86344-02EE-4788-B238-DABD819F9A49}" type="datetime1">
               <a:rPr lang="fr-FR" noProof="0" smtClean="0"/>
-              <a:t>23/06/2021</a:t>
+              <a:t>27/06/2021</a:t>
             </a:fld>
             <a:endParaRPr lang="fr-FR" noProof="0"/>
           </a:p>
@@ -1692,436 +788,6 @@
 </p:notes>
 </file>
 
-<file path=ppt/notesSlides/notesSlide10.xml><?xml version="1.0" encoding="utf-8"?>
-<p:notes xmlns:a="http://schemas.openxmlformats.org/drawingml/2006/main" xmlns:r="http://schemas.openxmlformats.org/officeDocument/2006/relationships" xmlns:p="http://schemas.openxmlformats.org/presentationml/2006/main">
-  <p:cSld>
-    <p:spTree>
-      <p:nvGrpSpPr>
-        <p:cNvPr id="1" name=""/>
-        <p:cNvGrpSpPr/>
-        <p:nvPr/>
-      </p:nvGrpSpPr>
-      <p:grpSpPr>
-        <a:xfrm>
-          <a:off x="0" y="0"/>
-          <a:ext cx="0" cy="0"/>
-          <a:chOff x="0" y="0"/>
-          <a:chExt cx="0" cy="0"/>
-        </a:xfrm>
-      </p:grpSpPr>
-      <p:sp>
-        <p:nvSpPr>
-          <p:cNvPr id="2" name="Espace réservé de l’image des diapositives 1"/>
-          <p:cNvSpPr>
-            <a:spLocks noGrp="1" noRot="1" noChangeAspect="1"/>
-          </p:cNvSpPr>
-          <p:nvPr>
-            <p:ph type="sldImg"/>
-          </p:nvPr>
-        </p:nvSpPr>
-        <p:spPr/>
-      </p:sp>
-      <p:sp>
-        <p:nvSpPr>
-          <p:cNvPr id="3" name="Espace réservé des commentaires 2"/>
-          <p:cNvSpPr>
-            <a:spLocks noGrp="1"/>
-          </p:cNvSpPr>
-          <p:nvPr>
-            <p:ph type="body" idx="1"/>
-          </p:nvPr>
-        </p:nvSpPr>
-        <p:spPr/>
-        <p:txBody>
-          <a:bodyPr rtlCol="0"/>
-          <a:lstStyle/>
-          <a:p>
-            <a:pPr rtl="0"/>
-            <a:endParaRPr lang="fr-FR"/>
-          </a:p>
-        </p:txBody>
-      </p:sp>
-      <p:sp>
-        <p:nvSpPr>
-          <p:cNvPr id="4" name="Espace réservé du numéro de diapositive 3"/>
-          <p:cNvSpPr>
-            <a:spLocks noGrp="1"/>
-          </p:cNvSpPr>
-          <p:nvPr>
-            <p:ph type="sldNum" sz="quarter" idx="5"/>
-          </p:nvPr>
-        </p:nvSpPr>
-        <p:spPr/>
-        <p:txBody>
-          <a:bodyPr rtlCol="0"/>
-          <a:lstStyle/>
-          <a:p>
-            <a:pPr rtl="0"/>
-            <a:fld id="{1734D747-9380-41EE-9946-EC9EC0CA5D1E}" type="slidenum">
-              <a:rPr lang="fr-FR" smtClean="0"/>
-              <a:t>11</a:t>
-            </a:fld>
-            <a:endParaRPr lang="fr-FR"/>
-          </a:p>
-        </p:txBody>
-      </p:sp>
-    </p:spTree>
-    <p:extLst>
-      <p:ext uri="{BB962C8B-B14F-4D97-AF65-F5344CB8AC3E}">
-        <p14:creationId xmlns:p14="http://schemas.microsoft.com/office/powerpoint/2010/main" val="2002461683"/>
-      </p:ext>
-    </p:extLst>
-  </p:cSld>
-  <p:clrMapOvr>
-    <a:masterClrMapping/>
-  </p:clrMapOvr>
-</p:notes>
-</file>
-
-<file path=ppt/notesSlides/notesSlide11.xml><?xml version="1.0" encoding="utf-8"?>
-<p:notes xmlns:a="http://schemas.openxmlformats.org/drawingml/2006/main" xmlns:r="http://schemas.openxmlformats.org/officeDocument/2006/relationships" xmlns:p="http://schemas.openxmlformats.org/presentationml/2006/main">
-  <p:cSld>
-    <p:spTree>
-      <p:nvGrpSpPr>
-        <p:cNvPr id="1" name=""/>
-        <p:cNvGrpSpPr/>
-        <p:nvPr/>
-      </p:nvGrpSpPr>
-      <p:grpSpPr>
-        <a:xfrm>
-          <a:off x="0" y="0"/>
-          <a:ext cx="0" cy="0"/>
-          <a:chOff x="0" y="0"/>
-          <a:chExt cx="0" cy="0"/>
-        </a:xfrm>
-      </p:grpSpPr>
-      <p:sp>
-        <p:nvSpPr>
-          <p:cNvPr id="2" name="Espace réservé de l’image des diapositives 1"/>
-          <p:cNvSpPr>
-            <a:spLocks noGrp="1" noRot="1" noChangeAspect="1"/>
-          </p:cNvSpPr>
-          <p:nvPr>
-            <p:ph type="sldImg"/>
-          </p:nvPr>
-        </p:nvSpPr>
-        <p:spPr/>
-      </p:sp>
-      <p:sp>
-        <p:nvSpPr>
-          <p:cNvPr id="3" name="Espace réservé des commentaires 2"/>
-          <p:cNvSpPr>
-            <a:spLocks noGrp="1"/>
-          </p:cNvSpPr>
-          <p:nvPr>
-            <p:ph type="body" idx="1"/>
-          </p:nvPr>
-        </p:nvSpPr>
-        <p:spPr/>
-        <p:txBody>
-          <a:bodyPr rtlCol="0"/>
-          <a:lstStyle/>
-          <a:p>
-            <a:pPr rtl="0"/>
-            <a:endParaRPr lang="fr-FR"/>
-          </a:p>
-        </p:txBody>
-      </p:sp>
-      <p:sp>
-        <p:nvSpPr>
-          <p:cNvPr id="4" name="Espace réservé du numéro de diapositive 3"/>
-          <p:cNvSpPr>
-            <a:spLocks noGrp="1"/>
-          </p:cNvSpPr>
-          <p:nvPr>
-            <p:ph type="sldNum" sz="quarter" idx="5"/>
-          </p:nvPr>
-        </p:nvSpPr>
-        <p:spPr/>
-        <p:txBody>
-          <a:bodyPr rtlCol="0"/>
-          <a:lstStyle/>
-          <a:p>
-            <a:pPr rtl="0"/>
-            <a:fld id="{1734D747-9380-41EE-9946-EC9EC0CA5D1E}" type="slidenum">
-              <a:rPr lang="fr-FR" smtClean="0"/>
-              <a:t>12</a:t>
-            </a:fld>
-            <a:endParaRPr lang="fr-FR"/>
-          </a:p>
-        </p:txBody>
-      </p:sp>
-    </p:spTree>
-    <p:extLst>
-      <p:ext uri="{BB962C8B-B14F-4D97-AF65-F5344CB8AC3E}">
-        <p14:creationId xmlns:p14="http://schemas.microsoft.com/office/powerpoint/2010/main" val="4252690472"/>
-      </p:ext>
-    </p:extLst>
-  </p:cSld>
-  <p:clrMapOvr>
-    <a:masterClrMapping/>
-  </p:clrMapOvr>
-</p:notes>
-</file>
-
-<file path=ppt/notesSlides/notesSlide12.xml><?xml version="1.0" encoding="utf-8"?>
-<p:notes xmlns:a="http://schemas.openxmlformats.org/drawingml/2006/main" xmlns:r="http://schemas.openxmlformats.org/officeDocument/2006/relationships" xmlns:p="http://schemas.openxmlformats.org/presentationml/2006/main">
-  <p:cSld>
-    <p:spTree>
-      <p:nvGrpSpPr>
-        <p:cNvPr id="1" name=""/>
-        <p:cNvGrpSpPr/>
-        <p:nvPr/>
-      </p:nvGrpSpPr>
-      <p:grpSpPr>
-        <a:xfrm>
-          <a:off x="0" y="0"/>
-          <a:ext cx="0" cy="0"/>
-          <a:chOff x="0" y="0"/>
-          <a:chExt cx="0" cy="0"/>
-        </a:xfrm>
-      </p:grpSpPr>
-      <p:sp>
-        <p:nvSpPr>
-          <p:cNvPr id="2" name="Espace réservé de l’image des diapositives 1"/>
-          <p:cNvSpPr>
-            <a:spLocks noGrp="1" noRot="1" noChangeAspect="1"/>
-          </p:cNvSpPr>
-          <p:nvPr>
-            <p:ph type="sldImg"/>
-          </p:nvPr>
-        </p:nvSpPr>
-        <p:spPr/>
-      </p:sp>
-      <p:sp>
-        <p:nvSpPr>
-          <p:cNvPr id="3" name="Espace réservé des commentaires 2"/>
-          <p:cNvSpPr>
-            <a:spLocks noGrp="1"/>
-          </p:cNvSpPr>
-          <p:nvPr>
-            <p:ph type="body" idx="1"/>
-          </p:nvPr>
-        </p:nvSpPr>
-        <p:spPr/>
-        <p:txBody>
-          <a:bodyPr rtlCol="0"/>
-          <a:lstStyle/>
-          <a:p>
-            <a:pPr rtl="0"/>
-            <a:endParaRPr lang="fr-FR"/>
-          </a:p>
-        </p:txBody>
-      </p:sp>
-      <p:sp>
-        <p:nvSpPr>
-          <p:cNvPr id="4" name="Espace réservé du numéro de diapositive 3"/>
-          <p:cNvSpPr>
-            <a:spLocks noGrp="1"/>
-          </p:cNvSpPr>
-          <p:nvPr>
-            <p:ph type="sldNum" sz="quarter" idx="5"/>
-          </p:nvPr>
-        </p:nvSpPr>
-        <p:spPr/>
-        <p:txBody>
-          <a:bodyPr rtlCol="0"/>
-          <a:lstStyle/>
-          <a:p>
-            <a:pPr rtl="0"/>
-            <a:fld id="{1734D747-9380-41EE-9946-EC9EC0CA5D1E}" type="slidenum">
-              <a:rPr lang="fr-FR" smtClean="0"/>
-              <a:t>13</a:t>
-            </a:fld>
-            <a:endParaRPr lang="fr-FR"/>
-          </a:p>
-        </p:txBody>
-      </p:sp>
-    </p:spTree>
-    <p:extLst>
-      <p:ext uri="{BB962C8B-B14F-4D97-AF65-F5344CB8AC3E}">
-        <p14:creationId xmlns:p14="http://schemas.microsoft.com/office/powerpoint/2010/main" val="2885186647"/>
-      </p:ext>
-    </p:extLst>
-  </p:cSld>
-  <p:clrMapOvr>
-    <a:masterClrMapping/>
-  </p:clrMapOvr>
-</p:notes>
-</file>
-
-<file path=ppt/notesSlides/notesSlide13.xml><?xml version="1.0" encoding="utf-8"?>
-<p:notes xmlns:a="http://schemas.openxmlformats.org/drawingml/2006/main" xmlns:r="http://schemas.openxmlformats.org/officeDocument/2006/relationships" xmlns:p="http://schemas.openxmlformats.org/presentationml/2006/main">
-  <p:cSld>
-    <p:spTree>
-      <p:nvGrpSpPr>
-        <p:cNvPr id="1" name=""/>
-        <p:cNvGrpSpPr/>
-        <p:nvPr/>
-      </p:nvGrpSpPr>
-      <p:grpSpPr>
-        <a:xfrm>
-          <a:off x="0" y="0"/>
-          <a:ext cx="0" cy="0"/>
-          <a:chOff x="0" y="0"/>
-          <a:chExt cx="0" cy="0"/>
-        </a:xfrm>
-      </p:grpSpPr>
-      <p:sp>
-        <p:nvSpPr>
-          <p:cNvPr id="2" name="Espace réservé de l’image des diapositives 1"/>
-          <p:cNvSpPr>
-            <a:spLocks noGrp="1" noRot="1" noChangeAspect="1"/>
-          </p:cNvSpPr>
-          <p:nvPr>
-            <p:ph type="sldImg"/>
-          </p:nvPr>
-        </p:nvSpPr>
-        <p:spPr/>
-      </p:sp>
-      <p:sp>
-        <p:nvSpPr>
-          <p:cNvPr id="3" name="Espace réservé des commentaires 2"/>
-          <p:cNvSpPr>
-            <a:spLocks noGrp="1"/>
-          </p:cNvSpPr>
-          <p:nvPr>
-            <p:ph type="body" idx="1"/>
-          </p:nvPr>
-        </p:nvSpPr>
-        <p:spPr/>
-        <p:txBody>
-          <a:bodyPr rtlCol="0"/>
-          <a:lstStyle/>
-          <a:p>
-            <a:pPr rtl="0"/>
-            <a:endParaRPr lang="fr-FR"/>
-          </a:p>
-        </p:txBody>
-      </p:sp>
-      <p:sp>
-        <p:nvSpPr>
-          <p:cNvPr id="4" name="Espace réservé du numéro de diapositive 3"/>
-          <p:cNvSpPr>
-            <a:spLocks noGrp="1"/>
-          </p:cNvSpPr>
-          <p:nvPr>
-            <p:ph type="sldNum" sz="quarter" idx="5"/>
-          </p:nvPr>
-        </p:nvSpPr>
-        <p:spPr/>
-        <p:txBody>
-          <a:bodyPr rtlCol="0"/>
-          <a:lstStyle/>
-          <a:p>
-            <a:pPr rtl="0"/>
-            <a:fld id="{1734D747-9380-41EE-9946-EC9EC0CA5D1E}" type="slidenum">
-              <a:rPr lang="fr-FR" smtClean="0"/>
-              <a:t>14</a:t>
-            </a:fld>
-            <a:endParaRPr lang="fr-FR"/>
-          </a:p>
-        </p:txBody>
-      </p:sp>
-    </p:spTree>
-    <p:extLst>
-      <p:ext uri="{BB962C8B-B14F-4D97-AF65-F5344CB8AC3E}">
-        <p14:creationId xmlns:p14="http://schemas.microsoft.com/office/powerpoint/2010/main" val="147783104"/>
-      </p:ext>
-    </p:extLst>
-  </p:cSld>
-  <p:clrMapOvr>
-    <a:masterClrMapping/>
-  </p:clrMapOvr>
-</p:notes>
-</file>
-
-<file path=ppt/notesSlides/notesSlide14.xml><?xml version="1.0" encoding="utf-8"?>
-<p:notes xmlns:a="http://schemas.openxmlformats.org/drawingml/2006/main" xmlns:r="http://schemas.openxmlformats.org/officeDocument/2006/relationships" xmlns:p="http://schemas.openxmlformats.org/presentationml/2006/main">
-  <p:cSld>
-    <p:spTree>
-      <p:nvGrpSpPr>
-        <p:cNvPr id="1" name=""/>
-        <p:cNvGrpSpPr/>
-        <p:nvPr/>
-      </p:nvGrpSpPr>
-      <p:grpSpPr>
-        <a:xfrm>
-          <a:off x="0" y="0"/>
-          <a:ext cx="0" cy="0"/>
-          <a:chOff x="0" y="0"/>
-          <a:chExt cx="0" cy="0"/>
-        </a:xfrm>
-      </p:grpSpPr>
-      <p:sp>
-        <p:nvSpPr>
-          <p:cNvPr id="2" name="Espace réservé de l’image des diapositives 1"/>
-          <p:cNvSpPr>
-            <a:spLocks noGrp="1" noRot="1" noChangeAspect="1"/>
-          </p:cNvSpPr>
-          <p:nvPr>
-            <p:ph type="sldImg"/>
-          </p:nvPr>
-        </p:nvSpPr>
-        <p:spPr/>
-      </p:sp>
-      <p:sp>
-        <p:nvSpPr>
-          <p:cNvPr id="3" name="Espace réservé des commentaires 2"/>
-          <p:cNvSpPr>
-            <a:spLocks noGrp="1"/>
-          </p:cNvSpPr>
-          <p:nvPr>
-            <p:ph type="body" idx="1"/>
-          </p:nvPr>
-        </p:nvSpPr>
-        <p:spPr/>
-        <p:txBody>
-          <a:bodyPr rtlCol="0"/>
-          <a:lstStyle/>
-          <a:p>
-            <a:pPr rtl="0"/>
-            <a:endParaRPr lang="fr-FR"/>
-          </a:p>
-        </p:txBody>
-      </p:sp>
-      <p:sp>
-        <p:nvSpPr>
-          <p:cNvPr id="4" name="Espace réservé du numéro de diapositive 3"/>
-          <p:cNvSpPr>
-            <a:spLocks noGrp="1"/>
-          </p:cNvSpPr>
-          <p:nvPr>
-            <p:ph type="sldNum" sz="quarter" idx="5"/>
-          </p:nvPr>
-        </p:nvSpPr>
-        <p:spPr/>
-        <p:txBody>
-          <a:bodyPr rtlCol="0"/>
-          <a:lstStyle/>
-          <a:p>
-            <a:pPr rtl="0"/>
-            <a:fld id="{1734D747-9380-41EE-9946-EC9EC0CA5D1E}" type="slidenum">
-              <a:rPr lang="fr-FR" smtClean="0"/>
-              <a:t>15</a:t>
-            </a:fld>
-            <a:endParaRPr lang="fr-FR"/>
-          </a:p>
-        </p:txBody>
-      </p:sp>
-    </p:spTree>
-    <p:extLst>
-      <p:ext uri="{BB962C8B-B14F-4D97-AF65-F5344CB8AC3E}">
-        <p14:creationId xmlns:p14="http://schemas.microsoft.com/office/powerpoint/2010/main" val="4202573603"/>
-      </p:ext>
-    </p:extLst>
-  </p:cSld>
-  <p:clrMapOvr>
-    <a:masterClrMapping/>
-  </p:clrMapOvr>
-</p:notes>
-</file>
-
 <file path=ppt/notesSlides/notesSlide2.xml><?xml version="1.0" encoding="utf-8"?>
 <p:notes xmlns:a="http://schemas.openxmlformats.org/drawingml/2006/main" xmlns:r="http://schemas.openxmlformats.org/officeDocument/2006/relationships" xmlns:p="http://schemas.openxmlformats.org/presentationml/2006/main">
   <p:cSld>
@@ -2361,7 +1027,7 @@
             <a:pPr rtl="0"/>
             <a:fld id="{1734D747-9380-41EE-9946-EC9EC0CA5D1E}" type="slidenum">
               <a:rPr lang="fr-FR" smtClean="0"/>
-              <a:t>5</a:t>
+              <a:t>9</a:t>
             </a:fld>
             <a:endParaRPr lang="fr-FR"/>
           </a:p>
@@ -2447,7 +1113,7 @@
             <a:pPr rtl="0"/>
             <a:fld id="{1734D747-9380-41EE-9946-EC9EC0CA5D1E}" type="slidenum">
               <a:rPr lang="fr-FR" smtClean="0"/>
-              <a:t>6</a:t>
+              <a:t>21</a:t>
             </a:fld>
             <a:endParaRPr lang="fr-FR"/>
           </a:p>
@@ -2456,7 +1122,7 @@
     </p:spTree>
     <p:extLst>
       <p:ext uri="{BB962C8B-B14F-4D97-AF65-F5344CB8AC3E}">
-        <p14:creationId xmlns:p14="http://schemas.microsoft.com/office/powerpoint/2010/main" val="1841121318"/>
+        <p14:creationId xmlns:p14="http://schemas.microsoft.com/office/powerpoint/2010/main" val="4252690472"/>
       </p:ext>
     </p:extLst>
   </p:cSld>
@@ -2533,7 +1199,7 @@
             <a:pPr rtl="0"/>
             <a:fld id="{1734D747-9380-41EE-9946-EC9EC0CA5D1E}" type="slidenum">
               <a:rPr lang="fr-FR" smtClean="0"/>
-              <a:t>7</a:t>
+              <a:t>22</a:t>
             </a:fld>
             <a:endParaRPr lang="fr-FR"/>
           </a:p>
@@ -2542,265 +1208,7 @@
     </p:spTree>
     <p:extLst>
       <p:ext uri="{BB962C8B-B14F-4D97-AF65-F5344CB8AC3E}">
-        <p14:creationId xmlns:p14="http://schemas.microsoft.com/office/powerpoint/2010/main" val="1802593720"/>
-      </p:ext>
-    </p:extLst>
-  </p:cSld>
-  <p:clrMapOvr>
-    <a:masterClrMapping/>
-  </p:clrMapOvr>
-</p:notes>
-</file>
-
-<file path=ppt/notesSlides/notesSlide7.xml><?xml version="1.0" encoding="utf-8"?>
-<p:notes xmlns:a="http://schemas.openxmlformats.org/drawingml/2006/main" xmlns:r="http://schemas.openxmlformats.org/officeDocument/2006/relationships" xmlns:p="http://schemas.openxmlformats.org/presentationml/2006/main">
-  <p:cSld>
-    <p:spTree>
-      <p:nvGrpSpPr>
-        <p:cNvPr id="1" name=""/>
-        <p:cNvGrpSpPr/>
-        <p:nvPr/>
-      </p:nvGrpSpPr>
-      <p:grpSpPr>
-        <a:xfrm>
-          <a:off x="0" y="0"/>
-          <a:ext cx="0" cy="0"/>
-          <a:chOff x="0" y="0"/>
-          <a:chExt cx="0" cy="0"/>
-        </a:xfrm>
-      </p:grpSpPr>
-      <p:sp>
-        <p:nvSpPr>
-          <p:cNvPr id="2" name="Espace réservé de l’image des diapositives 1"/>
-          <p:cNvSpPr>
-            <a:spLocks noGrp="1" noRot="1" noChangeAspect="1"/>
-          </p:cNvSpPr>
-          <p:nvPr>
-            <p:ph type="sldImg"/>
-          </p:nvPr>
-        </p:nvSpPr>
-        <p:spPr/>
-      </p:sp>
-      <p:sp>
-        <p:nvSpPr>
-          <p:cNvPr id="3" name="Espace réservé des commentaires 2"/>
-          <p:cNvSpPr>
-            <a:spLocks noGrp="1"/>
-          </p:cNvSpPr>
-          <p:nvPr>
-            <p:ph type="body" idx="1"/>
-          </p:nvPr>
-        </p:nvSpPr>
-        <p:spPr/>
-        <p:txBody>
-          <a:bodyPr rtlCol="0"/>
-          <a:lstStyle/>
-          <a:p>
-            <a:pPr rtl="0"/>
-            <a:endParaRPr lang="fr-FR"/>
-          </a:p>
-        </p:txBody>
-      </p:sp>
-      <p:sp>
-        <p:nvSpPr>
-          <p:cNvPr id="4" name="Espace réservé du numéro de diapositive 3"/>
-          <p:cNvSpPr>
-            <a:spLocks noGrp="1"/>
-          </p:cNvSpPr>
-          <p:nvPr>
-            <p:ph type="sldNum" sz="quarter" idx="5"/>
-          </p:nvPr>
-        </p:nvSpPr>
-        <p:spPr/>
-        <p:txBody>
-          <a:bodyPr rtlCol="0"/>
-          <a:lstStyle/>
-          <a:p>
-            <a:pPr rtl="0"/>
-            <a:fld id="{1734D747-9380-41EE-9946-EC9EC0CA5D1E}" type="slidenum">
-              <a:rPr lang="fr-FR" smtClean="0"/>
-              <a:t>8</a:t>
-            </a:fld>
-            <a:endParaRPr lang="fr-FR"/>
-          </a:p>
-        </p:txBody>
-      </p:sp>
-    </p:spTree>
-    <p:extLst>
-      <p:ext uri="{BB962C8B-B14F-4D97-AF65-F5344CB8AC3E}">
-        <p14:creationId xmlns:p14="http://schemas.microsoft.com/office/powerpoint/2010/main" val="3799446063"/>
-      </p:ext>
-    </p:extLst>
-  </p:cSld>
-  <p:clrMapOvr>
-    <a:masterClrMapping/>
-  </p:clrMapOvr>
-</p:notes>
-</file>
-
-<file path=ppt/notesSlides/notesSlide8.xml><?xml version="1.0" encoding="utf-8"?>
-<p:notes xmlns:a="http://schemas.openxmlformats.org/drawingml/2006/main" xmlns:r="http://schemas.openxmlformats.org/officeDocument/2006/relationships" xmlns:p="http://schemas.openxmlformats.org/presentationml/2006/main">
-  <p:cSld>
-    <p:spTree>
-      <p:nvGrpSpPr>
-        <p:cNvPr id="1" name=""/>
-        <p:cNvGrpSpPr/>
-        <p:nvPr/>
-      </p:nvGrpSpPr>
-      <p:grpSpPr>
-        <a:xfrm>
-          <a:off x="0" y="0"/>
-          <a:ext cx="0" cy="0"/>
-          <a:chOff x="0" y="0"/>
-          <a:chExt cx="0" cy="0"/>
-        </a:xfrm>
-      </p:grpSpPr>
-      <p:sp>
-        <p:nvSpPr>
-          <p:cNvPr id="2" name="Espace réservé de l’image des diapositives 1"/>
-          <p:cNvSpPr>
-            <a:spLocks noGrp="1" noRot="1" noChangeAspect="1"/>
-          </p:cNvSpPr>
-          <p:nvPr>
-            <p:ph type="sldImg"/>
-          </p:nvPr>
-        </p:nvSpPr>
-        <p:spPr/>
-      </p:sp>
-      <p:sp>
-        <p:nvSpPr>
-          <p:cNvPr id="3" name="Espace réservé des commentaires 2"/>
-          <p:cNvSpPr>
-            <a:spLocks noGrp="1"/>
-          </p:cNvSpPr>
-          <p:nvPr>
-            <p:ph type="body" idx="1"/>
-          </p:nvPr>
-        </p:nvSpPr>
-        <p:spPr/>
-        <p:txBody>
-          <a:bodyPr rtlCol="0"/>
-          <a:lstStyle/>
-          <a:p>
-            <a:pPr rtl="0"/>
-            <a:endParaRPr lang="fr-FR"/>
-          </a:p>
-        </p:txBody>
-      </p:sp>
-      <p:sp>
-        <p:nvSpPr>
-          <p:cNvPr id="4" name="Espace réservé du numéro de diapositive 3"/>
-          <p:cNvSpPr>
-            <a:spLocks noGrp="1"/>
-          </p:cNvSpPr>
-          <p:nvPr>
-            <p:ph type="sldNum" sz="quarter" idx="5"/>
-          </p:nvPr>
-        </p:nvSpPr>
-        <p:spPr/>
-        <p:txBody>
-          <a:bodyPr rtlCol="0"/>
-          <a:lstStyle/>
-          <a:p>
-            <a:pPr rtl="0"/>
-            <a:fld id="{1734D747-9380-41EE-9946-EC9EC0CA5D1E}" type="slidenum">
-              <a:rPr lang="fr-FR" smtClean="0"/>
-              <a:t>9</a:t>
-            </a:fld>
-            <a:endParaRPr lang="fr-FR"/>
-          </a:p>
-        </p:txBody>
-      </p:sp>
-    </p:spTree>
-    <p:extLst>
-      <p:ext uri="{BB962C8B-B14F-4D97-AF65-F5344CB8AC3E}">
-        <p14:creationId xmlns:p14="http://schemas.microsoft.com/office/powerpoint/2010/main" val="3658271123"/>
-      </p:ext>
-    </p:extLst>
-  </p:cSld>
-  <p:clrMapOvr>
-    <a:masterClrMapping/>
-  </p:clrMapOvr>
-</p:notes>
-</file>
-
-<file path=ppt/notesSlides/notesSlide9.xml><?xml version="1.0" encoding="utf-8"?>
-<p:notes xmlns:a="http://schemas.openxmlformats.org/drawingml/2006/main" xmlns:r="http://schemas.openxmlformats.org/officeDocument/2006/relationships" xmlns:p="http://schemas.openxmlformats.org/presentationml/2006/main">
-  <p:cSld>
-    <p:spTree>
-      <p:nvGrpSpPr>
-        <p:cNvPr id="1" name=""/>
-        <p:cNvGrpSpPr/>
-        <p:nvPr/>
-      </p:nvGrpSpPr>
-      <p:grpSpPr>
-        <a:xfrm>
-          <a:off x="0" y="0"/>
-          <a:ext cx="0" cy="0"/>
-          <a:chOff x="0" y="0"/>
-          <a:chExt cx="0" cy="0"/>
-        </a:xfrm>
-      </p:grpSpPr>
-      <p:sp>
-        <p:nvSpPr>
-          <p:cNvPr id="2" name="Espace réservé de l’image des diapositives 1"/>
-          <p:cNvSpPr>
-            <a:spLocks noGrp="1" noRot="1" noChangeAspect="1"/>
-          </p:cNvSpPr>
-          <p:nvPr>
-            <p:ph type="sldImg"/>
-          </p:nvPr>
-        </p:nvSpPr>
-        <p:spPr/>
-      </p:sp>
-      <p:sp>
-        <p:nvSpPr>
-          <p:cNvPr id="3" name="Espace réservé des commentaires 2"/>
-          <p:cNvSpPr>
-            <a:spLocks noGrp="1"/>
-          </p:cNvSpPr>
-          <p:nvPr>
-            <p:ph type="body" idx="1"/>
-          </p:nvPr>
-        </p:nvSpPr>
-        <p:spPr/>
-        <p:txBody>
-          <a:bodyPr rtlCol="0"/>
-          <a:lstStyle/>
-          <a:p>
-            <a:pPr rtl="0"/>
-            <a:endParaRPr lang="fr-FR"/>
-          </a:p>
-        </p:txBody>
-      </p:sp>
-      <p:sp>
-        <p:nvSpPr>
-          <p:cNvPr id="4" name="Espace réservé du numéro de diapositive 3"/>
-          <p:cNvSpPr>
-            <a:spLocks noGrp="1"/>
-          </p:cNvSpPr>
-          <p:nvPr>
-            <p:ph type="sldNum" sz="quarter" idx="5"/>
-          </p:nvPr>
-        </p:nvSpPr>
-        <p:spPr/>
-        <p:txBody>
-          <a:bodyPr rtlCol="0"/>
-          <a:lstStyle/>
-          <a:p>
-            <a:pPr rtl="0"/>
-            <a:fld id="{1734D747-9380-41EE-9946-EC9EC0CA5D1E}" type="slidenum">
-              <a:rPr lang="fr-FR" smtClean="0"/>
-              <a:t>10</a:t>
-            </a:fld>
-            <a:endParaRPr lang="fr-FR"/>
-          </a:p>
-        </p:txBody>
-      </p:sp>
-    </p:spTree>
-    <p:extLst>
-      <p:ext uri="{BB962C8B-B14F-4D97-AF65-F5344CB8AC3E}">
-        <p14:creationId xmlns:p14="http://schemas.microsoft.com/office/powerpoint/2010/main" val="1427706640"/>
+        <p14:creationId xmlns:p14="http://schemas.microsoft.com/office/powerpoint/2010/main" val="147783104"/>
       </p:ext>
     </p:extLst>
   </p:cSld>
@@ -26500,10 +24908,10 @@
       </p:grpSpPr>
       <p:sp>
         <p:nvSpPr>
-          <p:cNvPr id="5" name="Titre 4">
+          <p:cNvPr id="2" name="Titre 1">
             <a:extLst>
               <a:ext uri="{FF2B5EF4-FFF2-40B4-BE49-F238E27FC236}">
-                <a16:creationId xmlns:a16="http://schemas.microsoft.com/office/drawing/2014/main" id="{201323FB-427E-4A8D-B473-AB0657D8D23B}"/>
+                <a16:creationId xmlns:a16="http://schemas.microsoft.com/office/drawing/2014/main" id="{A774196B-EB3E-45EB-8695-2BF039805638}"/>
               </a:ext>
             </a:extLst>
           </p:cNvPr>
@@ -26514,1822 +24922,31 @@
             <p:ph type="title"/>
           </p:nvPr>
         </p:nvSpPr>
-        <p:spPr/>
+        <p:spPr>
+          <a:xfrm>
+            <a:off x="1555948" y="528452"/>
+            <a:ext cx="5354940" cy="618580"/>
+          </a:xfrm>
+        </p:spPr>
         <p:txBody>
-          <a:bodyPr rtlCol="0"/>
+          <a:bodyPr>
+            <a:normAutofit/>
+          </a:bodyPr>
           <a:lstStyle/>
           <a:p>
-            <a:pPr rtl="0"/>
             <a:r>
-              <a:rPr lang="fr-FR"/>
-              <a:t>Tableau</a:t>
+              <a:rPr lang="fr-FR" sz="3600" dirty="0"/>
+              <a:t>Architecture du projet</a:t>
             </a:r>
           </a:p>
         </p:txBody>
       </p:sp>
-      <p:graphicFrame>
-        <p:nvGraphicFramePr>
-          <p:cNvPr id="6" name="Table 5">
+      <p:sp>
+        <p:nvSpPr>
+          <p:cNvPr id="4" name="Espace réservé du numéro de diapositive 3">
             <a:extLst>
               <a:ext uri="{FF2B5EF4-FFF2-40B4-BE49-F238E27FC236}">
-                <a16:creationId xmlns:a16="http://schemas.microsoft.com/office/drawing/2014/main" id="{E8EEB296-8554-4D20-B3B8-C0BBC380A58D}"/>
-              </a:ext>
-            </a:extLst>
-          </p:cNvPr>
-          <p:cNvGraphicFramePr>
-            <a:graphicFrameLocks noGrp="1"/>
-          </p:cNvGraphicFramePr>
-          <p:nvPr>
-            <p:extLst>
-              <p:ext uri="{D42A27DB-BD31-4B8C-83A1-F6EECF244321}">
-                <p14:modId xmlns:p14="http://schemas.microsoft.com/office/powerpoint/2010/main" val="2708588649"/>
-              </p:ext>
-            </p:extLst>
-          </p:nvPr>
-        </p:nvGraphicFramePr>
-        <p:xfrm>
-          <a:off x="1130300" y="1856740"/>
-          <a:ext cx="9931400" cy="3931920"/>
-        </p:xfrm>
-        <a:graphic>
-          <a:graphicData uri="http://schemas.openxmlformats.org/drawingml/2006/table">
-            <a:tbl>
-              <a:tblPr firstRow="1" bandRow="1">
-                <a:tableStyleId>{5C22544A-7EE6-4342-B048-85BDC9FD1C3A}</a:tableStyleId>
-              </a:tblPr>
-              <a:tblGrid>
-                <a:gridCol w="2482850">
-                  <a:extLst>
-                    <a:ext uri="{9D8B030D-6E8A-4147-A177-3AD203B41FA5}">
-                      <a16:colId xmlns:a16="http://schemas.microsoft.com/office/drawing/2014/main" val="3559833401"/>
-                    </a:ext>
-                  </a:extLst>
-                </a:gridCol>
-                <a:gridCol w="2482850">
-                  <a:extLst>
-                    <a:ext uri="{9D8B030D-6E8A-4147-A177-3AD203B41FA5}">
-                      <a16:colId xmlns:a16="http://schemas.microsoft.com/office/drawing/2014/main" val="82523989"/>
-                    </a:ext>
-                  </a:extLst>
-                </a:gridCol>
-                <a:gridCol w="2482850">
-                  <a:extLst>
-                    <a:ext uri="{9D8B030D-6E8A-4147-A177-3AD203B41FA5}">
-                      <a16:colId xmlns:a16="http://schemas.microsoft.com/office/drawing/2014/main" val="3211310719"/>
-                    </a:ext>
-                  </a:extLst>
-                </a:gridCol>
-                <a:gridCol w="2482850">
-                  <a:extLst>
-                    <a:ext uri="{9D8B030D-6E8A-4147-A177-3AD203B41FA5}">
-                      <a16:colId xmlns:a16="http://schemas.microsoft.com/office/drawing/2014/main" val="4160613981"/>
-                    </a:ext>
-                  </a:extLst>
-                </a:gridCol>
-              </a:tblGrid>
-              <a:tr h="640080">
-                <a:tc>
-                  <a:txBody>
-                    <a:bodyPr/>
-                    <a:lstStyle/>
-                    <a:p>
-                      <a:pPr algn="ctr" rtl="0"/>
-                      <a:r>
-                        <a:rPr lang="fr-FR" sz="1600" b="0" noProof="0">
-                          <a:latin typeface="+mn-lt"/>
-                          <a:cs typeface="Arial" panose="020B0604020202020204" pitchFamily="34" charset="0"/>
-                        </a:rPr>
-                        <a:t>Titre</a:t>
-                      </a:r>
-                    </a:p>
-                  </a:txBody>
-                  <a:tcPr anchor="ctr">
-                    <a:lnL w="12700" cap="flat" cmpd="sng" algn="ctr">
-                      <a:noFill/>
-                      <a:prstDash val="solid"/>
-                      <a:round/>
-                      <a:headEnd type="none" w="med" len="med"/>
-                      <a:tailEnd type="none" w="med" len="med"/>
-                    </a:lnL>
-                    <a:lnR w="12700" cap="flat" cmpd="sng" algn="ctr">
-                      <a:solidFill>
-                        <a:schemeClr val="accent2">
-                          <a:lumMod val="75000"/>
-                        </a:schemeClr>
-                      </a:solidFill>
-                      <a:prstDash val="solid"/>
-                      <a:round/>
-                      <a:headEnd type="none" w="med" len="med"/>
-                      <a:tailEnd type="none" w="med" len="med"/>
-                    </a:lnR>
-                    <a:lnT w="38100" cap="flat" cmpd="sng" algn="ctr">
-                      <a:solidFill>
-                        <a:schemeClr val="accent2">
-                          <a:lumMod val="75000"/>
-                        </a:schemeClr>
-                      </a:solidFill>
-                      <a:prstDash val="solid"/>
-                      <a:round/>
-                      <a:headEnd type="none" w="med" len="med"/>
-                      <a:tailEnd type="none" w="med" len="med"/>
-                    </a:lnT>
-                    <a:lnB w="38100" cap="flat" cmpd="sng" algn="ctr">
-                      <a:solidFill>
-                        <a:schemeClr val="accent2">
-                          <a:lumMod val="75000"/>
-                        </a:schemeClr>
-                      </a:solidFill>
-                      <a:prstDash val="solid"/>
-                      <a:round/>
-                      <a:headEnd type="none" w="med" len="med"/>
-                      <a:tailEnd type="none" w="med" len="med"/>
-                    </a:lnB>
-                    <a:lnTlToBr w="12700" cmpd="sng">
-                      <a:noFill/>
-                      <a:prstDash val="solid"/>
-                    </a:lnTlToBr>
-                    <a:lnBlToTr w="12700" cmpd="sng">
-                      <a:noFill/>
-                      <a:prstDash val="solid"/>
-                    </a:lnBlToTr>
-                    <a:noFill/>
-                  </a:tcPr>
-                </a:tc>
-                <a:tc>
-                  <a:txBody>
-                    <a:bodyPr/>
-                    <a:lstStyle/>
-                    <a:p>
-                      <a:pPr algn="ctr" rtl="0"/>
-                      <a:r>
-                        <a:rPr lang="fr-FR" sz="1600" b="0" noProof="0">
-                          <a:latin typeface="+mn-lt"/>
-                          <a:cs typeface="Arial" panose="020B0604020202020204" pitchFamily="34" charset="0"/>
-                        </a:rPr>
-                        <a:t>Titre</a:t>
-                      </a:r>
-                    </a:p>
-                  </a:txBody>
-                  <a:tcPr anchor="ctr">
-                    <a:lnL w="12700" cap="flat" cmpd="sng" algn="ctr">
-                      <a:solidFill>
-                        <a:schemeClr val="accent2">
-                          <a:lumMod val="75000"/>
-                        </a:schemeClr>
-                      </a:solidFill>
-                      <a:prstDash val="solid"/>
-                      <a:round/>
-                      <a:headEnd type="none" w="med" len="med"/>
-                      <a:tailEnd type="none" w="med" len="med"/>
-                    </a:lnL>
-                    <a:lnR w="12700" cap="flat" cmpd="sng" algn="ctr">
-                      <a:solidFill>
-                        <a:schemeClr val="accent2">
-                          <a:lumMod val="75000"/>
-                        </a:schemeClr>
-                      </a:solidFill>
-                      <a:prstDash val="solid"/>
-                      <a:round/>
-                      <a:headEnd type="none" w="med" len="med"/>
-                      <a:tailEnd type="none" w="med" len="med"/>
-                    </a:lnR>
-                    <a:lnT w="38100" cap="flat" cmpd="sng" algn="ctr">
-                      <a:solidFill>
-                        <a:schemeClr val="accent2">
-                          <a:lumMod val="75000"/>
-                        </a:schemeClr>
-                      </a:solidFill>
-                      <a:prstDash val="solid"/>
-                      <a:round/>
-                      <a:headEnd type="none" w="med" len="med"/>
-                      <a:tailEnd type="none" w="med" len="med"/>
-                    </a:lnT>
-                    <a:lnB w="38100" cap="flat" cmpd="sng" algn="ctr">
-                      <a:solidFill>
-                        <a:schemeClr val="accent2">
-                          <a:lumMod val="75000"/>
-                        </a:schemeClr>
-                      </a:solidFill>
-                      <a:prstDash val="solid"/>
-                      <a:round/>
-                      <a:headEnd type="none" w="med" len="med"/>
-                      <a:tailEnd type="none" w="med" len="med"/>
-                    </a:lnB>
-                    <a:lnTlToBr w="12700" cmpd="sng">
-                      <a:noFill/>
-                      <a:prstDash val="solid"/>
-                    </a:lnTlToBr>
-                    <a:lnBlToTr w="12700" cmpd="sng">
-                      <a:noFill/>
-                      <a:prstDash val="solid"/>
-                    </a:lnBlToTr>
-                    <a:noFill/>
-                  </a:tcPr>
-                </a:tc>
-                <a:tc>
-                  <a:txBody>
-                    <a:bodyPr/>
-                    <a:lstStyle/>
-                    <a:p>
-                      <a:pPr algn="ctr" rtl="0"/>
-                      <a:r>
-                        <a:rPr lang="fr-FR" sz="1600" b="0" noProof="0">
-                          <a:latin typeface="+mn-lt"/>
-                          <a:cs typeface="Arial" panose="020B0604020202020204" pitchFamily="34" charset="0"/>
-                        </a:rPr>
-                        <a:t>Titre</a:t>
-                      </a:r>
-                    </a:p>
-                  </a:txBody>
-                  <a:tcPr anchor="ctr">
-                    <a:lnL w="12700" cap="flat" cmpd="sng" algn="ctr">
-                      <a:solidFill>
-                        <a:schemeClr val="accent2">
-                          <a:lumMod val="75000"/>
-                        </a:schemeClr>
-                      </a:solidFill>
-                      <a:prstDash val="solid"/>
-                      <a:round/>
-                      <a:headEnd type="none" w="med" len="med"/>
-                      <a:tailEnd type="none" w="med" len="med"/>
-                    </a:lnL>
-                    <a:lnR w="12700" cap="flat" cmpd="sng" algn="ctr">
-                      <a:solidFill>
-                        <a:schemeClr val="accent2">
-                          <a:lumMod val="75000"/>
-                        </a:schemeClr>
-                      </a:solidFill>
-                      <a:prstDash val="solid"/>
-                      <a:round/>
-                      <a:headEnd type="none" w="med" len="med"/>
-                      <a:tailEnd type="none" w="med" len="med"/>
-                    </a:lnR>
-                    <a:lnT w="38100" cap="flat" cmpd="sng" algn="ctr">
-                      <a:solidFill>
-                        <a:schemeClr val="accent2">
-                          <a:lumMod val="75000"/>
-                        </a:schemeClr>
-                      </a:solidFill>
-                      <a:prstDash val="solid"/>
-                      <a:round/>
-                      <a:headEnd type="none" w="med" len="med"/>
-                      <a:tailEnd type="none" w="med" len="med"/>
-                    </a:lnT>
-                    <a:lnB w="38100" cap="flat" cmpd="sng" algn="ctr">
-                      <a:solidFill>
-                        <a:schemeClr val="accent2">
-                          <a:lumMod val="75000"/>
-                        </a:schemeClr>
-                      </a:solidFill>
-                      <a:prstDash val="solid"/>
-                      <a:round/>
-                      <a:headEnd type="none" w="med" len="med"/>
-                      <a:tailEnd type="none" w="med" len="med"/>
-                    </a:lnB>
-                    <a:lnTlToBr w="12700" cmpd="sng">
-                      <a:noFill/>
-                      <a:prstDash val="solid"/>
-                    </a:lnTlToBr>
-                    <a:lnBlToTr w="12700" cmpd="sng">
-                      <a:noFill/>
-                      <a:prstDash val="solid"/>
-                    </a:lnBlToTr>
-                    <a:noFill/>
-                  </a:tcPr>
-                </a:tc>
-                <a:tc>
-                  <a:txBody>
-                    <a:bodyPr/>
-                    <a:lstStyle/>
-                    <a:p>
-                      <a:pPr marL="0" marR="0" lvl="0" indent="0" algn="ctr" defTabSz="914400" rtl="0" eaLnBrk="1" fontAlgn="auto" latinLnBrk="0" hangingPunct="1">
-                        <a:lnSpc>
-                          <a:spcPct val="100000"/>
-                        </a:lnSpc>
-                        <a:spcBef>
-                          <a:spcPts val="0"/>
-                        </a:spcBef>
-                        <a:spcAft>
-                          <a:spcPts val="0"/>
-                        </a:spcAft>
-                        <a:buClrTx/>
-                        <a:buSzTx/>
-                        <a:buFontTx/>
-                        <a:buNone/>
-                        <a:tabLst/>
-                        <a:defRPr/>
-                      </a:pPr>
-                      <a:r>
-                        <a:rPr lang="fr-FR" sz="1600" b="0" noProof="0">
-                          <a:latin typeface="+mn-lt"/>
-                          <a:cs typeface="Arial" panose="020B0604020202020204" pitchFamily="34" charset="0"/>
-                        </a:rPr>
-                        <a:t>Titre</a:t>
-                      </a:r>
-                    </a:p>
-                  </a:txBody>
-                  <a:tcPr anchor="ctr">
-                    <a:lnL w="12700" cap="flat" cmpd="sng" algn="ctr">
-                      <a:solidFill>
-                        <a:schemeClr val="accent2">
-                          <a:lumMod val="75000"/>
-                        </a:schemeClr>
-                      </a:solidFill>
-                      <a:prstDash val="solid"/>
-                      <a:round/>
-                      <a:headEnd type="none" w="med" len="med"/>
-                      <a:tailEnd type="none" w="med" len="med"/>
-                    </a:lnL>
-                    <a:lnR w="12700" cap="flat" cmpd="sng" algn="ctr">
-                      <a:noFill/>
-                      <a:prstDash val="solid"/>
-                      <a:round/>
-                      <a:headEnd type="none" w="med" len="med"/>
-                      <a:tailEnd type="none" w="med" len="med"/>
-                    </a:lnR>
-                    <a:lnT w="38100" cap="flat" cmpd="sng" algn="ctr">
-                      <a:solidFill>
-                        <a:schemeClr val="accent2">
-                          <a:lumMod val="75000"/>
-                        </a:schemeClr>
-                      </a:solidFill>
-                      <a:prstDash val="solid"/>
-                      <a:round/>
-                      <a:headEnd type="none" w="med" len="med"/>
-                      <a:tailEnd type="none" w="med" len="med"/>
-                    </a:lnT>
-                    <a:lnB w="38100" cap="flat" cmpd="sng" algn="ctr">
-                      <a:solidFill>
-                        <a:schemeClr val="accent2">
-                          <a:lumMod val="75000"/>
-                        </a:schemeClr>
-                      </a:solidFill>
-                      <a:prstDash val="solid"/>
-                      <a:round/>
-                      <a:headEnd type="none" w="med" len="med"/>
-                      <a:tailEnd type="none" w="med" len="med"/>
-                    </a:lnB>
-                    <a:lnTlToBr w="12700" cmpd="sng">
-                      <a:noFill/>
-                      <a:prstDash val="solid"/>
-                    </a:lnTlToBr>
-                    <a:lnBlToTr w="12700" cmpd="sng">
-                      <a:noFill/>
-                      <a:prstDash val="solid"/>
-                    </a:lnBlToTr>
-                    <a:noFill/>
-                  </a:tcPr>
-                </a:tc>
-                <a:extLst>
-                  <a:ext uri="{0D108BD9-81ED-4DB2-BD59-A6C34878D82A}">
-                    <a16:rowId xmlns:a16="http://schemas.microsoft.com/office/drawing/2014/main" val="3766630617"/>
-                  </a:ext>
-                </a:extLst>
-              </a:tr>
-              <a:tr h="548640">
-                <a:tc>
-                  <a:txBody>
-                    <a:bodyPr/>
-                    <a:lstStyle/>
-                    <a:p>
-                      <a:pPr rtl="0"/>
-                      <a:endParaRPr lang="fr-FR" sz="1400" noProof="0">
-                        <a:latin typeface="+mn-lt"/>
-                      </a:endParaRPr>
-                    </a:p>
-                  </a:txBody>
-                  <a:tcPr anchor="ctr">
-                    <a:lnL w="38100" cap="flat" cmpd="sng" algn="ctr">
-                      <a:noFill/>
-                      <a:prstDash val="solid"/>
-                      <a:round/>
-                      <a:headEnd type="none" w="med" len="med"/>
-                      <a:tailEnd type="none" w="med" len="med"/>
-                    </a:lnL>
-                    <a:lnR w="12700" cap="flat" cmpd="sng" algn="ctr">
-                      <a:solidFill>
-                        <a:schemeClr val="accent2">
-                          <a:lumMod val="75000"/>
-                        </a:schemeClr>
-                      </a:solidFill>
-                      <a:prstDash val="solid"/>
-                      <a:round/>
-                      <a:headEnd type="none" w="med" len="med"/>
-                      <a:tailEnd type="none" w="med" len="med"/>
-                    </a:lnR>
-                    <a:lnT w="38100" cap="flat" cmpd="sng" algn="ctr">
-                      <a:solidFill>
-                        <a:schemeClr val="accent2">
-                          <a:lumMod val="75000"/>
-                        </a:schemeClr>
-                      </a:solidFill>
-                      <a:prstDash val="solid"/>
-                      <a:round/>
-                      <a:headEnd type="none" w="med" len="med"/>
-                      <a:tailEnd type="none" w="med" len="med"/>
-                    </a:lnT>
-                    <a:lnB w="12700" cap="flat" cmpd="sng" algn="ctr">
-                      <a:solidFill>
-                        <a:schemeClr val="accent2">
-                          <a:lumMod val="75000"/>
-                        </a:schemeClr>
-                      </a:solidFill>
-                      <a:prstDash val="solid"/>
-                      <a:round/>
-                      <a:headEnd type="none" w="med" len="med"/>
-                      <a:tailEnd type="none" w="med" len="med"/>
-                    </a:lnB>
-                    <a:noFill/>
-                  </a:tcPr>
-                </a:tc>
-                <a:tc>
-                  <a:txBody>
-                    <a:bodyPr/>
-                    <a:lstStyle/>
-                    <a:p>
-                      <a:pPr rtl="0"/>
-                      <a:endParaRPr lang="fr-FR" sz="1400" noProof="0">
-                        <a:latin typeface="+mn-lt"/>
-                      </a:endParaRPr>
-                    </a:p>
-                  </a:txBody>
-                  <a:tcPr anchor="ctr">
-                    <a:lnL w="12700" cap="flat" cmpd="sng" algn="ctr">
-                      <a:solidFill>
-                        <a:schemeClr val="accent2">
-                          <a:lumMod val="75000"/>
-                        </a:schemeClr>
-                      </a:solidFill>
-                      <a:prstDash val="solid"/>
-                      <a:round/>
-                      <a:headEnd type="none" w="med" len="med"/>
-                      <a:tailEnd type="none" w="med" len="med"/>
-                    </a:lnL>
-                    <a:lnR w="12700" cap="flat" cmpd="sng" algn="ctr">
-                      <a:solidFill>
-                        <a:schemeClr val="accent2">
-                          <a:lumMod val="75000"/>
-                        </a:schemeClr>
-                      </a:solidFill>
-                      <a:prstDash val="solid"/>
-                      <a:round/>
-                      <a:headEnd type="none" w="med" len="med"/>
-                      <a:tailEnd type="none" w="med" len="med"/>
-                    </a:lnR>
-                    <a:lnT w="38100" cap="flat" cmpd="sng" algn="ctr">
-                      <a:solidFill>
-                        <a:schemeClr val="accent2">
-                          <a:lumMod val="75000"/>
-                        </a:schemeClr>
-                      </a:solidFill>
-                      <a:prstDash val="solid"/>
-                      <a:round/>
-                      <a:headEnd type="none" w="med" len="med"/>
-                      <a:tailEnd type="none" w="med" len="med"/>
-                    </a:lnT>
-                    <a:lnB w="12700" cap="flat" cmpd="sng" algn="ctr">
-                      <a:solidFill>
-                        <a:schemeClr val="accent2">
-                          <a:lumMod val="75000"/>
-                        </a:schemeClr>
-                      </a:solidFill>
-                      <a:prstDash val="solid"/>
-                      <a:round/>
-                      <a:headEnd type="none" w="med" len="med"/>
-                      <a:tailEnd type="none" w="med" len="med"/>
-                    </a:lnB>
-                    <a:noFill/>
-                  </a:tcPr>
-                </a:tc>
-                <a:tc>
-                  <a:txBody>
-                    <a:bodyPr/>
-                    <a:lstStyle/>
-                    <a:p>
-                      <a:pPr rtl="0"/>
-                      <a:endParaRPr lang="fr-FR" sz="1400" noProof="0">
-                        <a:latin typeface="+mn-lt"/>
-                      </a:endParaRPr>
-                    </a:p>
-                  </a:txBody>
-                  <a:tcPr anchor="ctr">
-                    <a:lnL w="12700" cap="flat" cmpd="sng" algn="ctr">
-                      <a:solidFill>
-                        <a:schemeClr val="accent2">
-                          <a:lumMod val="75000"/>
-                        </a:schemeClr>
-                      </a:solidFill>
-                      <a:prstDash val="solid"/>
-                      <a:round/>
-                      <a:headEnd type="none" w="med" len="med"/>
-                      <a:tailEnd type="none" w="med" len="med"/>
-                    </a:lnL>
-                    <a:lnR w="12700" cap="flat" cmpd="sng" algn="ctr">
-                      <a:solidFill>
-                        <a:schemeClr val="accent2">
-                          <a:lumMod val="75000"/>
-                        </a:schemeClr>
-                      </a:solidFill>
-                      <a:prstDash val="solid"/>
-                      <a:round/>
-                      <a:headEnd type="none" w="med" len="med"/>
-                      <a:tailEnd type="none" w="med" len="med"/>
-                    </a:lnR>
-                    <a:lnT w="38100" cap="flat" cmpd="sng" algn="ctr">
-                      <a:solidFill>
-                        <a:schemeClr val="accent2">
-                          <a:lumMod val="75000"/>
-                        </a:schemeClr>
-                      </a:solidFill>
-                      <a:prstDash val="solid"/>
-                      <a:round/>
-                      <a:headEnd type="none" w="med" len="med"/>
-                      <a:tailEnd type="none" w="med" len="med"/>
-                    </a:lnT>
-                    <a:lnB w="12700" cap="flat" cmpd="sng" algn="ctr">
-                      <a:solidFill>
-                        <a:schemeClr val="accent2">
-                          <a:lumMod val="75000"/>
-                        </a:schemeClr>
-                      </a:solidFill>
-                      <a:prstDash val="solid"/>
-                      <a:round/>
-                      <a:headEnd type="none" w="med" len="med"/>
-                      <a:tailEnd type="none" w="med" len="med"/>
-                    </a:lnB>
-                    <a:noFill/>
-                  </a:tcPr>
-                </a:tc>
-                <a:tc>
-                  <a:txBody>
-                    <a:bodyPr/>
-                    <a:lstStyle/>
-                    <a:p>
-                      <a:pPr rtl="0"/>
-                      <a:endParaRPr lang="fr-FR" sz="1400" noProof="0">
-                        <a:latin typeface="+mn-lt"/>
-                      </a:endParaRPr>
-                    </a:p>
-                  </a:txBody>
-                  <a:tcPr anchor="ctr">
-                    <a:lnL w="12700" cap="flat" cmpd="sng" algn="ctr">
-                      <a:solidFill>
-                        <a:schemeClr val="accent2">
-                          <a:lumMod val="75000"/>
-                        </a:schemeClr>
-                      </a:solidFill>
-                      <a:prstDash val="solid"/>
-                      <a:round/>
-                      <a:headEnd type="none" w="med" len="med"/>
-                      <a:tailEnd type="none" w="med" len="med"/>
-                    </a:lnL>
-                    <a:lnR w="38100" cap="flat" cmpd="sng" algn="ctr">
-                      <a:noFill/>
-                      <a:prstDash val="solid"/>
-                      <a:round/>
-                      <a:headEnd type="none" w="med" len="med"/>
-                      <a:tailEnd type="none" w="med" len="med"/>
-                    </a:lnR>
-                    <a:lnT w="38100" cap="flat" cmpd="sng" algn="ctr">
-                      <a:solidFill>
-                        <a:schemeClr val="accent2">
-                          <a:lumMod val="75000"/>
-                        </a:schemeClr>
-                      </a:solidFill>
-                      <a:prstDash val="solid"/>
-                      <a:round/>
-                      <a:headEnd type="none" w="med" len="med"/>
-                      <a:tailEnd type="none" w="med" len="med"/>
-                    </a:lnT>
-                    <a:lnB w="12700" cap="flat" cmpd="sng" algn="ctr">
-                      <a:solidFill>
-                        <a:schemeClr val="accent2">
-                          <a:lumMod val="75000"/>
-                        </a:schemeClr>
-                      </a:solidFill>
-                      <a:prstDash val="solid"/>
-                      <a:round/>
-                      <a:headEnd type="none" w="med" len="med"/>
-                      <a:tailEnd type="none" w="med" len="med"/>
-                    </a:lnB>
-                    <a:noFill/>
-                  </a:tcPr>
-                </a:tc>
-                <a:extLst>
-                  <a:ext uri="{0D108BD9-81ED-4DB2-BD59-A6C34878D82A}">
-                    <a16:rowId xmlns:a16="http://schemas.microsoft.com/office/drawing/2014/main" val="3446274366"/>
-                  </a:ext>
-                </a:extLst>
-              </a:tr>
-              <a:tr h="548640">
-                <a:tc>
-                  <a:txBody>
-                    <a:bodyPr/>
-                    <a:lstStyle/>
-                    <a:p>
-                      <a:pPr rtl="0"/>
-                      <a:endParaRPr lang="fr-FR" sz="1400" noProof="0">
-                        <a:latin typeface="+mn-lt"/>
-                      </a:endParaRPr>
-                    </a:p>
-                  </a:txBody>
-                  <a:tcPr anchor="ctr">
-                    <a:lnL w="38100" cap="flat" cmpd="sng" algn="ctr">
-                      <a:noFill/>
-                      <a:prstDash val="solid"/>
-                      <a:round/>
-                      <a:headEnd type="none" w="med" len="med"/>
-                      <a:tailEnd type="none" w="med" len="med"/>
-                    </a:lnL>
-                    <a:lnR w="12700" cap="flat" cmpd="sng" algn="ctr">
-                      <a:solidFill>
-                        <a:schemeClr val="accent2">
-                          <a:lumMod val="75000"/>
-                        </a:schemeClr>
-                      </a:solidFill>
-                      <a:prstDash val="solid"/>
-                      <a:round/>
-                      <a:headEnd type="none" w="med" len="med"/>
-                      <a:tailEnd type="none" w="med" len="med"/>
-                    </a:lnR>
-                    <a:lnT w="12700" cap="flat" cmpd="sng" algn="ctr">
-                      <a:solidFill>
-                        <a:schemeClr val="accent2">
-                          <a:lumMod val="75000"/>
-                        </a:schemeClr>
-                      </a:solidFill>
-                      <a:prstDash val="solid"/>
-                      <a:round/>
-                      <a:headEnd type="none" w="med" len="med"/>
-                      <a:tailEnd type="none" w="med" len="med"/>
-                    </a:lnT>
-                    <a:lnB w="12700" cap="flat" cmpd="sng" algn="ctr">
-                      <a:solidFill>
-                        <a:schemeClr val="accent2">
-                          <a:lumMod val="75000"/>
-                        </a:schemeClr>
-                      </a:solidFill>
-                      <a:prstDash val="solid"/>
-                      <a:round/>
-                      <a:headEnd type="none" w="med" len="med"/>
-                      <a:tailEnd type="none" w="med" len="med"/>
-                    </a:lnB>
-                    <a:solidFill>
-                      <a:schemeClr val="accent5"/>
-                    </a:solidFill>
-                  </a:tcPr>
-                </a:tc>
-                <a:tc>
-                  <a:txBody>
-                    <a:bodyPr/>
-                    <a:lstStyle/>
-                    <a:p>
-                      <a:pPr rtl="0"/>
-                      <a:endParaRPr lang="fr-FR" sz="1400" noProof="0">
-                        <a:latin typeface="+mn-lt"/>
-                      </a:endParaRPr>
-                    </a:p>
-                  </a:txBody>
-                  <a:tcPr anchor="ctr">
-                    <a:lnL w="12700" cap="flat" cmpd="sng" algn="ctr">
-                      <a:solidFill>
-                        <a:schemeClr val="accent2">
-                          <a:lumMod val="75000"/>
-                        </a:schemeClr>
-                      </a:solidFill>
-                      <a:prstDash val="solid"/>
-                      <a:round/>
-                      <a:headEnd type="none" w="med" len="med"/>
-                      <a:tailEnd type="none" w="med" len="med"/>
-                    </a:lnL>
-                    <a:lnR w="12700" cap="flat" cmpd="sng" algn="ctr">
-                      <a:solidFill>
-                        <a:schemeClr val="accent2">
-                          <a:lumMod val="75000"/>
-                        </a:schemeClr>
-                      </a:solidFill>
-                      <a:prstDash val="solid"/>
-                      <a:round/>
-                      <a:headEnd type="none" w="med" len="med"/>
-                      <a:tailEnd type="none" w="med" len="med"/>
-                    </a:lnR>
-                    <a:lnT w="12700" cap="flat" cmpd="sng" algn="ctr">
-                      <a:solidFill>
-                        <a:schemeClr val="accent2">
-                          <a:lumMod val="75000"/>
-                        </a:schemeClr>
-                      </a:solidFill>
-                      <a:prstDash val="solid"/>
-                      <a:round/>
-                      <a:headEnd type="none" w="med" len="med"/>
-                      <a:tailEnd type="none" w="med" len="med"/>
-                    </a:lnT>
-                    <a:lnB w="12700" cap="flat" cmpd="sng" algn="ctr">
-                      <a:solidFill>
-                        <a:schemeClr val="accent2">
-                          <a:lumMod val="75000"/>
-                        </a:schemeClr>
-                      </a:solidFill>
-                      <a:prstDash val="solid"/>
-                      <a:round/>
-                      <a:headEnd type="none" w="med" len="med"/>
-                      <a:tailEnd type="none" w="med" len="med"/>
-                    </a:lnB>
-                    <a:solidFill>
-                      <a:schemeClr val="accent5"/>
-                    </a:solidFill>
-                  </a:tcPr>
-                </a:tc>
-                <a:tc>
-                  <a:txBody>
-                    <a:bodyPr/>
-                    <a:lstStyle/>
-                    <a:p>
-                      <a:pPr rtl="0"/>
-                      <a:endParaRPr lang="fr-FR" sz="1400" noProof="0">
-                        <a:latin typeface="+mn-lt"/>
-                      </a:endParaRPr>
-                    </a:p>
-                  </a:txBody>
-                  <a:tcPr anchor="ctr">
-                    <a:lnL w="12700" cap="flat" cmpd="sng" algn="ctr">
-                      <a:solidFill>
-                        <a:schemeClr val="accent2">
-                          <a:lumMod val="75000"/>
-                        </a:schemeClr>
-                      </a:solidFill>
-                      <a:prstDash val="solid"/>
-                      <a:round/>
-                      <a:headEnd type="none" w="med" len="med"/>
-                      <a:tailEnd type="none" w="med" len="med"/>
-                    </a:lnL>
-                    <a:lnR w="12700" cap="flat" cmpd="sng" algn="ctr">
-                      <a:solidFill>
-                        <a:schemeClr val="accent2">
-                          <a:lumMod val="75000"/>
-                        </a:schemeClr>
-                      </a:solidFill>
-                      <a:prstDash val="solid"/>
-                      <a:round/>
-                      <a:headEnd type="none" w="med" len="med"/>
-                      <a:tailEnd type="none" w="med" len="med"/>
-                    </a:lnR>
-                    <a:lnT w="12700" cap="flat" cmpd="sng" algn="ctr">
-                      <a:solidFill>
-                        <a:schemeClr val="accent2">
-                          <a:lumMod val="75000"/>
-                        </a:schemeClr>
-                      </a:solidFill>
-                      <a:prstDash val="solid"/>
-                      <a:round/>
-                      <a:headEnd type="none" w="med" len="med"/>
-                      <a:tailEnd type="none" w="med" len="med"/>
-                    </a:lnT>
-                    <a:lnB w="12700" cap="flat" cmpd="sng" algn="ctr">
-                      <a:solidFill>
-                        <a:schemeClr val="accent2">
-                          <a:lumMod val="75000"/>
-                        </a:schemeClr>
-                      </a:solidFill>
-                      <a:prstDash val="solid"/>
-                      <a:round/>
-                      <a:headEnd type="none" w="med" len="med"/>
-                      <a:tailEnd type="none" w="med" len="med"/>
-                    </a:lnB>
-                    <a:solidFill>
-                      <a:schemeClr val="accent5"/>
-                    </a:solidFill>
-                  </a:tcPr>
-                </a:tc>
-                <a:tc>
-                  <a:txBody>
-                    <a:bodyPr/>
-                    <a:lstStyle/>
-                    <a:p>
-                      <a:pPr rtl="0"/>
-                      <a:endParaRPr lang="fr-FR" sz="1400" noProof="0">
-                        <a:latin typeface="+mn-lt"/>
-                      </a:endParaRPr>
-                    </a:p>
-                  </a:txBody>
-                  <a:tcPr anchor="ctr">
-                    <a:lnL w="12700" cap="flat" cmpd="sng" algn="ctr">
-                      <a:solidFill>
-                        <a:schemeClr val="accent2">
-                          <a:lumMod val="75000"/>
-                        </a:schemeClr>
-                      </a:solidFill>
-                      <a:prstDash val="solid"/>
-                      <a:round/>
-                      <a:headEnd type="none" w="med" len="med"/>
-                      <a:tailEnd type="none" w="med" len="med"/>
-                    </a:lnL>
-                    <a:lnR w="38100" cap="flat" cmpd="sng" algn="ctr">
-                      <a:noFill/>
-                      <a:prstDash val="solid"/>
-                      <a:round/>
-                      <a:headEnd type="none" w="med" len="med"/>
-                      <a:tailEnd type="none" w="med" len="med"/>
-                    </a:lnR>
-                    <a:lnT w="12700" cap="flat" cmpd="sng" algn="ctr">
-                      <a:solidFill>
-                        <a:schemeClr val="accent2">
-                          <a:lumMod val="75000"/>
-                        </a:schemeClr>
-                      </a:solidFill>
-                      <a:prstDash val="solid"/>
-                      <a:round/>
-                      <a:headEnd type="none" w="med" len="med"/>
-                      <a:tailEnd type="none" w="med" len="med"/>
-                    </a:lnT>
-                    <a:lnB w="12700" cap="flat" cmpd="sng" algn="ctr">
-                      <a:solidFill>
-                        <a:schemeClr val="accent2">
-                          <a:lumMod val="75000"/>
-                        </a:schemeClr>
-                      </a:solidFill>
-                      <a:prstDash val="solid"/>
-                      <a:round/>
-                      <a:headEnd type="none" w="med" len="med"/>
-                      <a:tailEnd type="none" w="med" len="med"/>
-                    </a:lnB>
-                    <a:solidFill>
-                      <a:schemeClr val="accent5"/>
-                    </a:solidFill>
-                  </a:tcPr>
-                </a:tc>
-                <a:extLst>
-                  <a:ext uri="{0D108BD9-81ED-4DB2-BD59-A6C34878D82A}">
-                    <a16:rowId xmlns:a16="http://schemas.microsoft.com/office/drawing/2014/main" val="1758271508"/>
-                  </a:ext>
-                </a:extLst>
-              </a:tr>
-              <a:tr h="548640">
-                <a:tc>
-                  <a:txBody>
-                    <a:bodyPr/>
-                    <a:lstStyle/>
-                    <a:p>
-                      <a:pPr rtl="0"/>
-                      <a:endParaRPr lang="fr-FR" sz="1400" noProof="0">
-                        <a:latin typeface="+mn-lt"/>
-                      </a:endParaRPr>
-                    </a:p>
-                  </a:txBody>
-                  <a:tcPr anchor="ctr">
-                    <a:lnL w="38100" cap="flat" cmpd="sng" algn="ctr">
-                      <a:noFill/>
-                      <a:prstDash val="solid"/>
-                      <a:round/>
-                      <a:headEnd type="none" w="med" len="med"/>
-                      <a:tailEnd type="none" w="med" len="med"/>
-                    </a:lnL>
-                    <a:lnR w="12700" cap="flat" cmpd="sng" algn="ctr">
-                      <a:solidFill>
-                        <a:schemeClr val="accent2">
-                          <a:lumMod val="75000"/>
-                        </a:schemeClr>
-                      </a:solidFill>
-                      <a:prstDash val="solid"/>
-                      <a:round/>
-                      <a:headEnd type="none" w="med" len="med"/>
-                      <a:tailEnd type="none" w="med" len="med"/>
-                    </a:lnR>
-                    <a:lnT w="12700" cap="flat" cmpd="sng" algn="ctr">
-                      <a:solidFill>
-                        <a:schemeClr val="accent2">
-                          <a:lumMod val="75000"/>
-                        </a:schemeClr>
-                      </a:solidFill>
-                      <a:prstDash val="solid"/>
-                      <a:round/>
-                      <a:headEnd type="none" w="med" len="med"/>
-                      <a:tailEnd type="none" w="med" len="med"/>
-                    </a:lnT>
-                    <a:lnB w="12700" cap="flat" cmpd="sng" algn="ctr">
-                      <a:solidFill>
-                        <a:schemeClr val="accent2">
-                          <a:lumMod val="75000"/>
-                        </a:schemeClr>
-                      </a:solidFill>
-                      <a:prstDash val="solid"/>
-                      <a:round/>
-                      <a:headEnd type="none" w="med" len="med"/>
-                      <a:tailEnd type="none" w="med" len="med"/>
-                    </a:lnB>
-                    <a:noFill/>
-                  </a:tcPr>
-                </a:tc>
-                <a:tc>
-                  <a:txBody>
-                    <a:bodyPr/>
-                    <a:lstStyle/>
-                    <a:p>
-                      <a:pPr rtl="0"/>
-                      <a:endParaRPr lang="fr-FR" sz="1400" noProof="0">
-                        <a:latin typeface="+mn-lt"/>
-                      </a:endParaRPr>
-                    </a:p>
-                  </a:txBody>
-                  <a:tcPr anchor="ctr">
-                    <a:lnL w="12700" cap="flat" cmpd="sng" algn="ctr">
-                      <a:solidFill>
-                        <a:schemeClr val="accent2">
-                          <a:lumMod val="75000"/>
-                        </a:schemeClr>
-                      </a:solidFill>
-                      <a:prstDash val="solid"/>
-                      <a:round/>
-                      <a:headEnd type="none" w="med" len="med"/>
-                      <a:tailEnd type="none" w="med" len="med"/>
-                    </a:lnL>
-                    <a:lnR w="12700" cap="flat" cmpd="sng" algn="ctr">
-                      <a:solidFill>
-                        <a:schemeClr val="accent2">
-                          <a:lumMod val="75000"/>
-                        </a:schemeClr>
-                      </a:solidFill>
-                      <a:prstDash val="solid"/>
-                      <a:round/>
-                      <a:headEnd type="none" w="med" len="med"/>
-                      <a:tailEnd type="none" w="med" len="med"/>
-                    </a:lnR>
-                    <a:lnT w="12700" cap="flat" cmpd="sng" algn="ctr">
-                      <a:solidFill>
-                        <a:schemeClr val="accent2">
-                          <a:lumMod val="75000"/>
-                        </a:schemeClr>
-                      </a:solidFill>
-                      <a:prstDash val="solid"/>
-                      <a:round/>
-                      <a:headEnd type="none" w="med" len="med"/>
-                      <a:tailEnd type="none" w="med" len="med"/>
-                    </a:lnT>
-                    <a:lnB w="12700" cap="flat" cmpd="sng" algn="ctr">
-                      <a:solidFill>
-                        <a:schemeClr val="accent2">
-                          <a:lumMod val="75000"/>
-                        </a:schemeClr>
-                      </a:solidFill>
-                      <a:prstDash val="solid"/>
-                      <a:round/>
-                      <a:headEnd type="none" w="med" len="med"/>
-                      <a:tailEnd type="none" w="med" len="med"/>
-                    </a:lnB>
-                    <a:noFill/>
-                  </a:tcPr>
-                </a:tc>
-                <a:tc>
-                  <a:txBody>
-                    <a:bodyPr/>
-                    <a:lstStyle/>
-                    <a:p>
-                      <a:pPr rtl="0"/>
-                      <a:endParaRPr lang="fr-FR" sz="1400" noProof="0">
-                        <a:latin typeface="+mn-lt"/>
-                      </a:endParaRPr>
-                    </a:p>
-                  </a:txBody>
-                  <a:tcPr anchor="ctr">
-                    <a:lnL w="12700" cap="flat" cmpd="sng" algn="ctr">
-                      <a:solidFill>
-                        <a:schemeClr val="accent2">
-                          <a:lumMod val="75000"/>
-                        </a:schemeClr>
-                      </a:solidFill>
-                      <a:prstDash val="solid"/>
-                      <a:round/>
-                      <a:headEnd type="none" w="med" len="med"/>
-                      <a:tailEnd type="none" w="med" len="med"/>
-                    </a:lnL>
-                    <a:lnR w="12700" cap="flat" cmpd="sng" algn="ctr">
-                      <a:solidFill>
-                        <a:schemeClr val="accent2">
-                          <a:lumMod val="75000"/>
-                        </a:schemeClr>
-                      </a:solidFill>
-                      <a:prstDash val="solid"/>
-                      <a:round/>
-                      <a:headEnd type="none" w="med" len="med"/>
-                      <a:tailEnd type="none" w="med" len="med"/>
-                    </a:lnR>
-                    <a:lnT w="12700" cap="flat" cmpd="sng" algn="ctr">
-                      <a:solidFill>
-                        <a:schemeClr val="accent2">
-                          <a:lumMod val="75000"/>
-                        </a:schemeClr>
-                      </a:solidFill>
-                      <a:prstDash val="solid"/>
-                      <a:round/>
-                      <a:headEnd type="none" w="med" len="med"/>
-                      <a:tailEnd type="none" w="med" len="med"/>
-                    </a:lnT>
-                    <a:lnB w="12700" cap="flat" cmpd="sng" algn="ctr">
-                      <a:solidFill>
-                        <a:schemeClr val="accent2">
-                          <a:lumMod val="75000"/>
-                        </a:schemeClr>
-                      </a:solidFill>
-                      <a:prstDash val="solid"/>
-                      <a:round/>
-                      <a:headEnd type="none" w="med" len="med"/>
-                      <a:tailEnd type="none" w="med" len="med"/>
-                    </a:lnB>
-                    <a:noFill/>
-                  </a:tcPr>
-                </a:tc>
-                <a:tc>
-                  <a:txBody>
-                    <a:bodyPr/>
-                    <a:lstStyle/>
-                    <a:p>
-                      <a:pPr rtl="0"/>
-                      <a:endParaRPr lang="fr-FR" sz="1400" noProof="0">
-                        <a:latin typeface="+mn-lt"/>
-                      </a:endParaRPr>
-                    </a:p>
-                  </a:txBody>
-                  <a:tcPr anchor="ctr">
-                    <a:lnL w="12700" cap="flat" cmpd="sng" algn="ctr">
-                      <a:solidFill>
-                        <a:schemeClr val="accent2">
-                          <a:lumMod val="75000"/>
-                        </a:schemeClr>
-                      </a:solidFill>
-                      <a:prstDash val="solid"/>
-                      <a:round/>
-                      <a:headEnd type="none" w="med" len="med"/>
-                      <a:tailEnd type="none" w="med" len="med"/>
-                    </a:lnL>
-                    <a:lnR w="38100" cap="flat" cmpd="sng" algn="ctr">
-                      <a:noFill/>
-                      <a:prstDash val="solid"/>
-                      <a:round/>
-                      <a:headEnd type="none" w="med" len="med"/>
-                      <a:tailEnd type="none" w="med" len="med"/>
-                    </a:lnR>
-                    <a:lnT w="12700" cap="flat" cmpd="sng" algn="ctr">
-                      <a:solidFill>
-                        <a:schemeClr val="accent2">
-                          <a:lumMod val="75000"/>
-                        </a:schemeClr>
-                      </a:solidFill>
-                      <a:prstDash val="solid"/>
-                      <a:round/>
-                      <a:headEnd type="none" w="med" len="med"/>
-                      <a:tailEnd type="none" w="med" len="med"/>
-                    </a:lnT>
-                    <a:lnB w="12700" cap="flat" cmpd="sng" algn="ctr">
-                      <a:solidFill>
-                        <a:schemeClr val="accent2">
-                          <a:lumMod val="75000"/>
-                        </a:schemeClr>
-                      </a:solidFill>
-                      <a:prstDash val="solid"/>
-                      <a:round/>
-                      <a:headEnd type="none" w="med" len="med"/>
-                      <a:tailEnd type="none" w="med" len="med"/>
-                    </a:lnB>
-                    <a:noFill/>
-                  </a:tcPr>
-                </a:tc>
-                <a:extLst>
-                  <a:ext uri="{0D108BD9-81ED-4DB2-BD59-A6C34878D82A}">
-                    <a16:rowId xmlns:a16="http://schemas.microsoft.com/office/drawing/2014/main" val="3736384641"/>
-                  </a:ext>
-                </a:extLst>
-              </a:tr>
-              <a:tr h="548640">
-                <a:tc>
-                  <a:txBody>
-                    <a:bodyPr/>
-                    <a:lstStyle/>
-                    <a:p>
-                      <a:pPr rtl="0"/>
-                      <a:endParaRPr lang="fr-FR" sz="1400" noProof="0">
-                        <a:latin typeface="+mn-lt"/>
-                      </a:endParaRPr>
-                    </a:p>
-                  </a:txBody>
-                  <a:tcPr anchor="ctr">
-                    <a:lnL w="38100" cap="flat" cmpd="sng" algn="ctr">
-                      <a:noFill/>
-                      <a:prstDash val="solid"/>
-                      <a:round/>
-                      <a:headEnd type="none" w="med" len="med"/>
-                      <a:tailEnd type="none" w="med" len="med"/>
-                    </a:lnL>
-                    <a:lnR w="12700" cap="flat" cmpd="sng" algn="ctr">
-                      <a:solidFill>
-                        <a:schemeClr val="accent2">
-                          <a:lumMod val="75000"/>
-                        </a:schemeClr>
-                      </a:solidFill>
-                      <a:prstDash val="solid"/>
-                      <a:round/>
-                      <a:headEnd type="none" w="med" len="med"/>
-                      <a:tailEnd type="none" w="med" len="med"/>
-                    </a:lnR>
-                    <a:lnT w="12700" cap="flat" cmpd="sng" algn="ctr">
-                      <a:solidFill>
-                        <a:schemeClr val="accent2">
-                          <a:lumMod val="75000"/>
-                        </a:schemeClr>
-                      </a:solidFill>
-                      <a:prstDash val="solid"/>
-                      <a:round/>
-                      <a:headEnd type="none" w="med" len="med"/>
-                      <a:tailEnd type="none" w="med" len="med"/>
-                    </a:lnT>
-                    <a:lnB w="12700" cap="flat" cmpd="sng" algn="ctr">
-                      <a:solidFill>
-                        <a:schemeClr val="accent2">
-                          <a:lumMod val="75000"/>
-                        </a:schemeClr>
-                      </a:solidFill>
-                      <a:prstDash val="solid"/>
-                      <a:round/>
-                      <a:headEnd type="none" w="med" len="med"/>
-                      <a:tailEnd type="none" w="med" len="med"/>
-                    </a:lnB>
-                    <a:solidFill>
-                      <a:schemeClr val="accent5"/>
-                    </a:solidFill>
-                  </a:tcPr>
-                </a:tc>
-                <a:tc>
-                  <a:txBody>
-                    <a:bodyPr/>
-                    <a:lstStyle/>
-                    <a:p>
-                      <a:pPr rtl="0"/>
-                      <a:endParaRPr lang="fr-FR" sz="1400" noProof="0">
-                        <a:latin typeface="+mn-lt"/>
-                      </a:endParaRPr>
-                    </a:p>
-                  </a:txBody>
-                  <a:tcPr anchor="ctr">
-                    <a:lnL w="12700" cap="flat" cmpd="sng" algn="ctr">
-                      <a:solidFill>
-                        <a:schemeClr val="accent2">
-                          <a:lumMod val="75000"/>
-                        </a:schemeClr>
-                      </a:solidFill>
-                      <a:prstDash val="solid"/>
-                      <a:round/>
-                      <a:headEnd type="none" w="med" len="med"/>
-                      <a:tailEnd type="none" w="med" len="med"/>
-                    </a:lnL>
-                    <a:lnR w="12700" cap="flat" cmpd="sng" algn="ctr">
-                      <a:solidFill>
-                        <a:schemeClr val="accent2">
-                          <a:lumMod val="75000"/>
-                        </a:schemeClr>
-                      </a:solidFill>
-                      <a:prstDash val="solid"/>
-                      <a:round/>
-                      <a:headEnd type="none" w="med" len="med"/>
-                      <a:tailEnd type="none" w="med" len="med"/>
-                    </a:lnR>
-                    <a:lnT w="12700" cap="flat" cmpd="sng" algn="ctr">
-                      <a:solidFill>
-                        <a:schemeClr val="accent2">
-                          <a:lumMod val="75000"/>
-                        </a:schemeClr>
-                      </a:solidFill>
-                      <a:prstDash val="solid"/>
-                      <a:round/>
-                      <a:headEnd type="none" w="med" len="med"/>
-                      <a:tailEnd type="none" w="med" len="med"/>
-                    </a:lnT>
-                    <a:lnB w="12700" cap="flat" cmpd="sng" algn="ctr">
-                      <a:solidFill>
-                        <a:schemeClr val="accent2">
-                          <a:lumMod val="75000"/>
-                        </a:schemeClr>
-                      </a:solidFill>
-                      <a:prstDash val="solid"/>
-                      <a:round/>
-                      <a:headEnd type="none" w="med" len="med"/>
-                      <a:tailEnd type="none" w="med" len="med"/>
-                    </a:lnB>
-                    <a:solidFill>
-                      <a:schemeClr val="accent5"/>
-                    </a:solidFill>
-                  </a:tcPr>
-                </a:tc>
-                <a:tc>
-                  <a:txBody>
-                    <a:bodyPr/>
-                    <a:lstStyle/>
-                    <a:p>
-                      <a:pPr rtl="0"/>
-                      <a:endParaRPr lang="fr-FR" sz="1400" noProof="0">
-                        <a:latin typeface="+mn-lt"/>
-                      </a:endParaRPr>
-                    </a:p>
-                  </a:txBody>
-                  <a:tcPr anchor="ctr">
-                    <a:lnL w="12700" cap="flat" cmpd="sng" algn="ctr">
-                      <a:solidFill>
-                        <a:schemeClr val="accent2">
-                          <a:lumMod val="75000"/>
-                        </a:schemeClr>
-                      </a:solidFill>
-                      <a:prstDash val="solid"/>
-                      <a:round/>
-                      <a:headEnd type="none" w="med" len="med"/>
-                      <a:tailEnd type="none" w="med" len="med"/>
-                    </a:lnL>
-                    <a:lnR w="12700" cap="flat" cmpd="sng" algn="ctr">
-                      <a:solidFill>
-                        <a:schemeClr val="accent2">
-                          <a:lumMod val="75000"/>
-                        </a:schemeClr>
-                      </a:solidFill>
-                      <a:prstDash val="solid"/>
-                      <a:round/>
-                      <a:headEnd type="none" w="med" len="med"/>
-                      <a:tailEnd type="none" w="med" len="med"/>
-                    </a:lnR>
-                    <a:lnT w="12700" cap="flat" cmpd="sng" algn="ctr">
-                      <a:solidFill>
-                        <a:schemeClr val="accent2">
-                          <a:lumMod val="75000"/>
-                        </a:schemeClr>
-                      </a:solidFill>
-                      <a:prstDash val="solid"/>
-                      <a:round/>
-                      <a:headEnd type="none" w="med" len="med"/>
-                      <a:tailEnd type="none" w="med" len="med"/>
-                    </a:lnT>
-                    <a:lnB w="12700" cap="flat" cmpd="sng" algn="ctr">
-                      <a:solidFill>
-                        <a:schemeClr val="accent2">
-                          <a:lumMod val="75000"/>
-                        </a:schemeClr>
-                      </a:solidFill>
-                      <a:prstDash val="solid"/>
-                      <a:round/>
-                      <a:headEnd type="none" w="med" len="med"/>
-                      <a:tailEnd type="none" w="med" len="med"/>
-                    </a:lnB>
-                    <a:solidFill>
-                      <a:schemeClr val="accent5"/>
-                    </a:solidFill>
-                  </a:tcPr>
-                </a:tc>
-                <a:tc>
-                  <a:txBody>
-                    <a:bodyPr/>
-                    <a:lstStyle/>
-                    <a:p>
-                      <a:pPr rtl="0"/>
-                      <a:endParaRPr lang="fr-FR" sz="1400" noProof="0">
-                        <a:latin typeface="+mn-lt"/>
-                      </a:endParaRPr>
-                    </a:p>
-                  </a:txBody>
-                  <a:tcPr anchor="ctr">
-                    <a:lnL w="12700" cap="flat" cmpd="sng" algn="ctr">
-                      <a:solidFill>
-                        <a:schemeClr val="accent2">
-                          <a:lumMod val="75000"/>
-                        </a:schemeClr>
-                      </a:solidFill>
-                      <a:prstDash val="solid"/>
-                      <a:round/>
-                      <a:headEnd type="none" w="med" len="med"/>
-                      <a:tailEnd type="none" w="med" len="med"/>
-                    </a:lnL>
-                    <a:lnR w="38100" cap="flat" cmpd="sng" algn="ctr">
-                      <a:noFill/>
-                      <a:prstDash val="solid"/>
-                      <a:round/>
-                      <a:headEnd type="none" w="med" len="med"/>
-                      <a:tailEnd type="none" w="med" len="med"/>
-                    </a:lnR>
-                    <a:lnT w="12700" cap="flat" cmpd="sng" algn="ctr">
-                      <a:solidFill>
-                        <a:schemeClr val="accent2">
-                          <a:lumMod val="75000"/>
-                        </a:schemeClr>
-                      </a:solidFill>
-                      <a:prstDash val="solid"/>
-                      <a:round/>
-                      <a:headEnd type="none" w="med" len="med"/>
-                      <a:tailEnd type="none" w="med" len="med"/>
-                    </a:lnT>
-                    <a:lnB w="12700" cap="flat" cmpd="sng" algn="ctr">
-                      <a:solidFill>
-                        <a:schemeClr val="accent2">
-                          <a:lumMod val="75000"/>
-                        </a:schemeClr>
-                      </a:solidFill>
-                      <a:prstDash val="solid"/>
-                      <a:round/>
-                      <a:headEnd type="none" w="med" len="med"/>
-                      <a:tailEnd type="none" w="med" len="med"/>
-                    </a:lnB>
-                    <a:solidFill>
-                      <a:schemeClr val="accent5"/>
-                    </a:solidFill>
-                  </a:tcPr>
-                </a:tc>
-                <a:extLst>
-                  <a:ext uri="{0D108BD9-81ED-4DB2-BD59-A6C34878D82A}">
-                    <a16:rowId xmlns:a16="http://schemas.microsoft.com/office/drawing/2014/main" val="3090935587"/>
-                  </a:ext>
-                </a:extLst>
-              </a:tr>
-              <a:tr h="548640">
-                <a:tc>
-                  <a:txBody>
-                    <a:bodyPr/>
-                    <a:lstStyle/>
-                    <a:p>
-                      <a:pPr rtl="0"/>
-                      <a:endParaRPr lang="fr-FR" sz="1400" noProof="0">
-                        <a:latin typeface="+mn-lt"/>
-                      </a:endParaRPr>
-                    </a:p>
-                  </a:txBody>
-                  <a:tcPr anchor="ctr">
-                    <a:lnL w="38100" cap="flat" cmpd="sng" algn="ctr">
-                      <a:noFill/>
-                      <a:prstDash val="solid"/>
-                      <a:round/>
-                      <a:headEnd type="none" w="med" len="med"/>
-                      <a:tailEnd type="none" w="med" len="med"/>
-                    </a:lnL>
-                    <a:lnR w="12700" cap="flat" cmpd="sng" algn="ctr">
-                      <a:solidFill>
-                        <a:schemeClr val="accent2">
-                          <a:lumMod val="75000"/>
-                        </a:schemeClr>
-                      </a:solidFill>
-                      <a:prstDash val="solid"/>
-                      <a:round/>
-                      <a:headEnd type="none" w="med" len="med"/>
-                      <a:tailEnd type="none" w="med" len="med"/>
-                    </a:lnR>
-                    <a:lnT w="12700" cap="flat" cmpd="sng" algn="ctr">
-                      <a:solidFill>
-                        <a:schemeClr val="accent2">
-                          <a:lumMod val="75000"/>
-                        </a:schemeClr>
-                      </a:solidFill>
-                      <a:prstDash val="solid"/>
-                      <a:round/>
-                      <a:headEnd type="none" w="med" len="med"/>
-                      <a:tailEnd type="none" w="med" len="med"/>
-                    </a:lnT>
-                    <a:lnB w="12700" cap="flat" cmpd="sng" algn="ctr">
-                      <a:solidFill>
-                        <a:schemeClr val="accent2">
-                          <a:lumMod val="75000"/>
-                        </a:schemeClr>
-                      </a:solidFill>
-                      <a:prstDash val="solid"/>
-                      <a:round/>
-                      <a:headEnd type="none" w="med" len="med"/>
-                      <a:tailEnd type="none" w="med" len="med"/>
-                    </a:lnB>
-                    <a:noFill/>
-                  </a:tcPr>
-                </a:tc>
-                <a:tc>
-                  <a:txBody>
-                    <a:bodyPr/>
-                    <a:lstStyle/>
-                    <a:p>
-                      <a:pPr rtl="0"/>
-                      <a:endParaRPr lang="fr-FR" sz="1400" noProof="0">
-                        <a:latin typeface="+mn-lt"/>
-                      </a:endParaRPr>
-                    </a:p>
-                  </a:txBody>
-                  <a:tcPr anchor="ctr">
-                    <a:lnL w="12700" cap="flat" cmpd="sng" algn="ctr">
-                      <a:solidFill>
-                        <a:schemeClr val="accent2">
-                          <a:lumMod val="75000"/>
-                        </a:schemeClr>
-                      </a:solidFill>
-                      <a:prstDash val="solid"/>
-                      <a:round/>
-                      <a:headEnd type="none" w="med" len="med"/>
-                      <a:tailEnd type="none" w="med" len="med"/>
-                    </a:lnL>
-                    <a:lnR w="12700" cap="flat" cmpd="sng" algn="ctr">
-                      <a:solidFill>
-                        <a:schemeClr val="accent2">
-                          <a:lumMod val="75000"/>
-                        </a:schemeClr>
-                      </a:solidFill>
-                      <a:prstDash val="solid"/>
-                      <a:round/>
-                      <a:headEnd type="none" w="med" len="med"/>
-                      <a:tailEnd type="none" w="med" len="med"/>
-                    </a:lnR>
-                    <a:lnT w="12700" cap="flat" cmpd="sng" algn="ctr">
-                      <a:solidFill>
-                        <a:schemeClr val="accent2">
-                          <a:lumMod val="75000"/>
-                        </a:schemeClr>
-                      </a:solidFill>
-                      <a:prstDash val="solid"/>
-                      <a:round/>
-                      <a:headEnd type="none" w="med" len="med"/>
-                      <a:tailEnd type="none" w="med" len="med"/>
-                    </a:lnT>
-                    <a:lnB w="12700" cap="flat" cmpd="sng" algn="ctr">
-                      <a:solidFill>
-                        <a:schemeClr val="accent2">
-                          <a:lumMod val="75000"/>
-                        </a:schemeClr>
-                      </a:solidFill>
-                      <a:prstDash val="solid"/>
-                      <a:round/>
-                      <a:headEnd type="none" w="med" len="med"/>
-                      <a:tailEnd type="none" w="med" len="med"/>
-                    </a:lnB>
-                    <a:noFill/>
-                  </a:tcPr>
-                </a:tc>
-                <a:tc>
-                  <a:txBody>
-                    <a:bodyPr/>
-                    <a:lstStyle/>
-                    <a:p>
-                      <a:pPr rtl="0"/>
-                      <a:endParaRPr lang="fr-FR" sz="1400" noProof="0">
-                        <a:latin typeface="+mn-lt"/>
-                      </a:endParaRPr>
-                    </a:p>
-                  </a:txBody>
-                  <a:tcPr anchor="ctr">
-                    <a:lnL w="12700" cap="flat" cmpd="sng" algn="ctr">
-                      <a:solidFill>
-                        <a:schemeClr val="accent2">
-                          <a:lumMod val="75000"/>
-                        </a:schemeClr>
-                      </a:solidFill>
-                      <a:prstDash val="solid"/>
-                      <a:round/>
-                      <a:headEnd type="none" w="med" len="med"/>
-                      <a:tailEnd type="none" w="med" len="med"/>
-                    </a:lnL>
-                    <a:lnR w="12700" cap="flat" cmpd="sng" algn="ctr">
-                      <a:solidFill>
-                        <a:schemeClr val="accent2">
-                          <a:lumMod val="75000"/>
-                        </a:schemeClr>
-                      </a:solidFill>
-                      <a:prstDash val="solid"/>
-                      <a:round/>
-                      <a:headEnd type="none" w="med" len="med"/>
-                      <a:tailEnd type="none" w="med" len="med"/>
-                    </a:lnR>
-                    <a:lnT w="12700" cap="flat" cmpd="sng" algn="ctr">
-                      <a:solidFill>
-                        <a:schemeClr val="accent2">
-                          <a:lumMod val="75000"/>
-                        </a:schemeClr>
-                      </a:solidFill>
-                      <a:prstDash val="solid"/>
-                      <a:round/>
-                      <a:headEnd type="none" w="med" len="med"/>
-                      <a:tailEnd type="none" w="med" len="med"/>
-                    </a:lnT>
-                    <a:lnB w="12700" cap="flat" cmpd="sng" algn="ctr">
-                      <a:solidFill>
-                        <a:schemeClr val="accent2">
-                          <a:lumMod val="75000"/>
-                        </a:schemeClr>
-                      </a:solidFill>
-                      <a:prstDash val="solid"/>
-                      <a:round/>
-                      <a:headEnd type="none" w="med" len="med"/>
-                      <a:tailEnd type="none" w="med" len="med"/>
-                    </a:lnB>
-                    <a:noFill/>
-                  </a:tcPr>
-                </a:tc>
-                <a:tc>
-                  <a:txBody>
-                    <a:bodyPr/>
-                    <a:lstStyle/>
-                    <a:p>
-                      <a:pPr rtl="0"/>
-                      <a:endParaRPr lang="fr-FR" sz="1400" noProof="0">
-                        <a:latin typeface="+mn-lt"/>
-                      </a:endParaRPr>
-                    </a:p>
-                  </a:txBody>
-                  <a:tcPr anchor="ctr">
-                    <a:lnL w="12700" cap="flat" cmpd="sng" algn="ctr">
-                      <a:solidFill>
-                        <a:schemeClr val="accent2">
-                          <a:lumMod val="75000"/>
-                        </a:schemeClr>
-                      </a:solidFill>
-                      <a:prstDash val="solid"/>
-                      <a:round/>
-                      <a:headEnd type="none" w="med" len="med"/>
-                      <a:tailEnd type="none" w="med" len="med"/>
-                    </a:lnL>
-                    <a:lnR w="38100" cap="flat" cmpd="sng" algn="ctr">
-                      <a:noFill/>
-                      <a:prstDash val="solid"/>
-                      <a:round/>
-                      <a:headEnd type="none" w="med" len="med"/>
-                      <a:tailEnd type="none" w="med" len="med"/>
-                    </a:lnR>
-                    <a:lnT w="12700" cap="flat" cmpd="sng" algn="ctr">
-                      <a:solidFill>
-                        <a:schemeClr val="accent2">
-                          <a:lumMod val="75000"/>
-                        </a:schemeClr>
-                      </a:solidFill>
-                      <a:prstDash val="solid"/>
-                      <a:round/>
-                      <a:headEnd type="none" w="med" len="med"/>
-                      <a:tailEnd type="none" w="med" len="med"/>
-                    </a:lnT>
-                    <a:lnB w="12700" cap="flat" cmpd="sng" algn="ctr">
-                      <a:solidFill>
-                        <a:schemeClr val="accent2">
-                          <a:lumMod val="75000"/>
-                        </a:schemeClr>
-                      </a:solidFill>
-                      <a:prstDash val="solid"/>
-                      <a:round/>
-                      <a:headEnd type="none" w="med" len="med"/>
-                      <a:tailEnd type="none" w="med" len="med"/>
-                    </a:lnB>
-                    <a:noFill/>
-                  </a:tcPr>
-                </a:tc>
-                <a:extLst>
-                  <a:ext uri="{0D108BD9-81ED-4DB2-BD59-A6C34878D82A}">
-                    <a16:rowId xmlns:a16="http://schemas.microsoft.com/office/drawing/2014/main" val="446909641"/>
-                  </a:ext>
-                </a:extLst>
-              </a:tr>
-              <a:tr h="548640">
-                <a:tc>
-                  <a:txBody>
-                    <a:bodyPr/>
-                    <a:lstStyle/>
-                    <a:p>
-                      <a:pPr rtl="0"/>
-                      <a:endParaRPr lang="fr-FR" sz="1400" noProof="0">
-                        <a:latin typeface="+mn-lt"/>
-                      </a:endParaRPr>
-                    </a:p>
-                  </a:txBody>
-                  <a:tcPr anchor="ctr">
-                    <a:lnL w="38100" cap="flat" cmpd="sng" algn="ctr">
-                      <a:noFill/>
-                      <a:prstDash val="solid"/>
-                      <a:round/>
-                      <a:headEnd type="none" w="med" len="med"/>
-                      <a:tailEnd type="none" w="med" len="med"/>
-                    </a:lnL>
-                    <a:lnR w="12700" cap="flat" cmpd="sng" algn="ctr">
-                      <a:solidFill>
-                        <a:schemeClr val="accent2">
-                          <a:lumMod val="75000"/>
-                        </a:schemeClr>
-                      </a:solidFill>
-                      <a:prstDash val="solid"/>
-                      <a:round/>
-                      <a:headEnd type="none" w="med" len="med"/>
-                      <a:tailEnd type="none" w="med" len="med"/>
-                    </a:lnR>
-                    <a:lnT w="12700" cap="flat" cmpd="sng" algn="ctr">
-                      <a:solidFill>
-                        <a:schemeClr val="accent2">
-                          <a:lumMod val="75000"/>
-                        </a:schemeClr>
-                      </a:solidFill>
-                      <a:prstDash val="solid"/>
-                      <a:round/>
-                      <a:headEnd type="none" w="med" len="med"/>
-                      <a:tailEnd type="none" w="med" len="med"/>
-                    </a:lnT>
-                    <a:lnB w="12700" cap="flat" cmpd="sng" algn="ctr">
-                      <a:solidFill>
-                        <a:schemeClr val="accent2">
-                          <a:lumMod val="75000"/>
-                        </a:schemeClr>
-                      </a:solidFill>
-                      <a:prstDash val="solid"/>
-                      <a:round/>
-                      <a:headEnd type="none" w="med" len="med"/>
-                      <a:tailEnd type="none" w="med" len="med"/>
-                    </a:lnB>
-                    <a:solidFill>
-                      <a:schemeClr val="accent5"/>
-                    </a:solidFill>
-                  </a:tcPr>
-                </a:tc>
-                <a:tc>
-                  <a:txBody>
-                    <a:bodyPr/>
-                    <a:lstStyle/>
-                    <a:p>
-                      <a:pPr rtl="0"/>
-                      <a:endParaRPr lang="fr-FR" sz="1400" noProof="0">
-                        <a:latin typeface="+mn-lt"/>
-                      </a:endParaRPr>
-                    </a:p>
-                  </a:txBody>
-                  <a:tcPr anchor="ctr">
-                    <a:lnL w="12700" cap="flat" cmpd="sng" algn="ctr">
-                      <a:solidFill>
-                        <a:schemeClr val="accent2">
-                          <a:lumMod val="75000"/>
-                        </a:schemeClr>
-                      </a:solidFill>
-                      <a:prstDash val="solid"/>
-                      <a:round/>
-                      <a:headEnd type="none" w="med" len="med"/>
-                      <a:tailEnd type="none" w="med" len="med"/>
-                    </a:lnL>
-                    <a:lnR w="12700" cap="flat" cmpd="sng" algn="ctr">
-                      <a:solidFill>
-                        <a:schemeClr val="accent2">
-                          <a:lumMod val="75000"/>
-                        </a:schemeClr>
-                      </a:solidFill>
-                      <a:prstDash val="solid"/>
-                      <a:round/>
-                      <a:headEnd type="none" w="med" len="med"/>
-                      <a:tailEnd type="none" w="med" len="med"/>
-                    </a:lnR>
-                    <a:lnT w="12700" cap="flat" cmpd="sng" algn="ctr">
-                      <a:solidFill>
-                        <a:schemeClr val="accent2">
-                          <a:lumMod val="75000"/>
-                        </a:schemeClr>
-                      </a:solidFill>
-                      <a:prstDash val="solid"/>
-                      <a:round/>
-                      <a:headEnd type="none" w="med" len="med"/>
-                      <a:tailEnd type="none" w="med" len="med"/>
-                    </a:lnT>
-                    <a:lnB w="12700" cap="flat" cmpd="sng" algn="ctr">
-                      <a:solidFill>
-                        <a:schemeClr val="accent2">
-                          <a:lumMod val="75000"/>
-                        </a:schemeClr>
-                      </a:solidFill>
-                      <a:prstDash val="solid"/>
-                      <a:round/>
-                      <a:headEnd type="none" w="med" len="med"/>
-                      <a:tailEnd type="none" w="med" len="med"/>
-                    </a:lnB>
-                    <a:solidFill>
-                      <a:schemeClr val="accent5"/>
-                    </a:solidFill>
-                  </a:tcPr>
-                </a:tc>
-                <a:tc>
-                  <a:txBody>
-                    <a:bodyPr/>
-                    <a:lstStyle/>
-                    <a:p>
-                      <a:pPr rtl="0"/>
-                      <a:endParaRPr lang="fr-FR" sz="1400" noProof="0">
-                        <a:latin typeface="+mn-lt"/>
-                      </a:endParaRPr>
-                    </a:p>
-                  </a:txBody>
-                  <a:tcPr anchor="ctr">
-                    <a:lnL w="12700" cap="flat" cmpd="sng" algn="ctr">
-                      <a:solidFill>
-                        <a:schemeClr val="accent2">
-                          <a:lumMod val="75000"/>
-                        </a:schemeClr>
-                      </a:solidFill>
-                      <a:prstDash val="solid"/>
-                      <a:round/>
-                      <a:headEnd type="none" w="med" len="med"/>
-                      <a:tailEnd type="none" w="med" len="med"/>
-                    </a:lnL>
-                    <a:lnR w="12700" cap="flat" cmpd="sng" algn="ctr">
-                      <a:solidFill>
-                        <a:schemeClr val="accent2">
-                          <a:lumMod val="75000"/>
-                        </a:schemeClr>
-                      </a:solidFill>
-                      <a:prstDash val="solid"/>
-                      <a:round/>
-                      <a:headEnd type="none" w="med" len="med"/>
-                      <a:tailEnd type="none" w="med" len="med"/>
-                    </a:lnR>
-                    <a:lnT w="12700" cap="flat" cmpd="sng" algn="ctr">
-                      <a:solidFill>
-                        <a:schemeClr val="accent2">
-                          <a:lumMod val="75000"/>
-                        </a:schemeClr>
-                      </a:solidFill>
-                      <a:prstDash val="solid"/>
-                      <a:round/>
-                      <a:headEnd type="none" w="med" len="med"/>
-                      <a:tailEnd type="none" w="med" len="med"/>
-                    </a:lnT>
-                    <a:lnB w="12700" cap="flat" cmpd="sng" algn="ctr">
-                      <a:solidFill>
-                        <a:schemeClr val="accent2">
-                          <a:lumMod val="75000"/>
-                        </a:schemeClr>
-                      </a:solidFill>
-                      <a:prstDash val="solid"/>
-                      <a:round/>
-                      <a:headEnd type="none" w="med" len="med"/>
-                      <a:tailEnd type="none" w="med" len="med"/>
-                    </a:lnB>
-                    <a:solidFill>
-                      <a:schemeClr val="accent5"/>
-                    </a:solidFill>
-                  </a:tcPr>
-                </a:tc>
-                <a:tc>
-                  <a:txBody>
-                    <a:bodyPr/>
-                    <a:lstStyle/>
-                    <a:p>
-                      <a:pPr rtl="0"/>
-                      <a:endParaRPr lang="fr-FR" sz="1400" noProof="0" dirty="0">
-                        <a:latin typeface="+mn-lt"/>
-                      </a:endParaRPr>
-                    </a:p>
-                  </a:txBody>
-                  <a:tcPr anchor="ctr">
-                    <a:lnL w="12700" cap="flat" cmpd="sng" algn="ctr">
-                      <a:solidFill>
-                        <a:schemeClr val="accent2">
-                          <a:lumMod val="75000"/>
-                        </a:schemeClr>
-                      </a:solidFill>
-                      <a:prstDash val="solid"/>
-                      <a:round/>
-                      <a:headEnd type="none" w="med" len="med"/>
-                      <a:tailEnd type="none" w="med" len="med"/>
-                    </a:lnL>
-                    <a:lnR w="38100" cap="flat" cmpd="sng" algn="ctr">
-                      <a:noFill/>
-                      <a:prstDash val="solid"/>
-                      <a:round/>
-                      <a:headEnd type="none" w="med" len="med"/>
-                      <a:tailEnd type="none" w="med" len="med"/>
-                    </a:lnR>
-                    <a:lnT w="12700" cap="flat" cmpd="sng" algn="ctr">
-                      <a:solidFill>
-                        <a:schemeClr val="accent2">
-                          <a:lumMod val="75000"/>
-                        </a:schemeClr>
-                      </a:solidFill>
-                      <a:prstDash val="solid"/>
-                      <a:round/>
-                      <a:headEnd type="none" w="med" len="med"/>
-                      <a:tailEnd type="none" w="med" len="med"/>
-                    </a:lnT>
-                    <a:lnB w="12700" cap="flat" cmpd="sng" algn="ctr">
-                      <a:solidFill>
-                        <a:schemeClr val="accent2">
-                          <a:lumMod val="75000"/>
-                        </a:schemeClr>
-                      </a:solidFill>
-                      <a:prstDash val="solid"/>
-                      <a:round/>
-                      <a:headEnd type="none" w="med" len="med"/>
-                      <a:tailEnd type="none" w="med" len="med"/>
-                    </a:lnB>
-                    <a:solidFill>
-                      <a:schemeClr val="accent5"/>
-                    </a:solidFill>
-                  </a:tcPr>
-                </a:tc>
-                <a:extLst>
-                  <a:ext uri="{0D108BD9-81ED-4DB2-BD59-A6C34878D82A}">
-                    <a16:rowId xmlns:a16="http://schemas.microsoft.com/office/drawing/2014/main" val="3472044516"/>
-                  </a:ext>
-                </a:extLst>
-              </a:tr>
-            </a:tbl>
-          </a:graphicData>
-        </a:graphic>
-      </p:graphicFrame>
-      <p:sp>
-        <p:nvSpPr>
-          <p:cNvPr id="2" name="Espace réservé du numéro de diapositive 1">
-            <a:extLst>
-              <a:ext uri="{FF2B5EF4-FFF2-40B4-BE49-F238E27FC236}">
-                <a16:creationId xmlns:a16="http://schemas.microsoft.com/office/drawing/2014/main" id="{E4398C1C-6656-4A73-A680-62A81CDC27FD}"/>
+                <a16:creationId xmlns:a16="http://schemas.microsoft.com/office/drawing/2014/main" id="{5EB25755-37C7-4569-AFD4-3B19212B6574}"/>
               </a:ext>
             </a:extLst>
           </p:cNvPr>
@@ -28342,36 +24959,66 @@
         </p:nvSpPr>
         <p:spPr/>
         <p:txBody>
-          <a:bodyPr rtlCol="0"/>
+          <a:bodyPr/>
           <a:lstStyle/>
           <a:p>
             <a:pPr rtl="0"/>
             <a:fld id="{C263D6C4-4840-40CC-AC84-17E24B3B7BDE}" type="slidenum">
-              <a:rPr lang="fr-FR" smtClean="0"/>
+              <a:rPr lang="fr-FR" noProof="0" smtClean="0"/>
               <a:pPr rtl="0"/>
               <a:t>10</a:t>
             </a:fld>
-            <a:endParaRPr lang="fr-FR"/>
+            <a:endParaRPr lang="fr-FR" noProof="0"/>
           </a:p>
         </p:txBody>
       </p:sp>
+      <p:pic>
+        <p:nvPicPr>
+          <p:cNvPr id="6" name="Image 5">
+            <a:extLst>
+              <a:ext uri="{FF2B5EF4-FFF2-40B4-BE49-F238E27FC236}">
+                <a16:creationId xmlns:a16="http://schemas.microsoft.com/office/drawing/2014/main" id="{1EC3963F-4F7B-4949-922C-18E4BAE97126}"/>
+              </a:ext>
+            </a:extLst>
+          </p:cNvPr>
+          <p:cNvPicPr>
+            <a:picLocks noChangeAspect="1"/>
+          </p:cNvPicPr>
+          <p:nvPr/>
+        </p:nvPicPr>
+        <p:blipFill>
+          <a:blip r:embed="rId2"/>
+          <a:stretch>
+            <a:fillRect/>
+          </a:stretch>
+        </p:blipFill>
+        <p:spPr>
+          <a:xfrm>
+            <a:off x="1781297" y="1235746"/>
+            <a:ext cx="8858993" cy="4966580"/>
+          </a:xfrm>
+          <a:prstGeom prst="rect">
+            <a:avLst/>
+          </a:prstGeom>
+        </p:spPr>
+      </p:pic>
     </p:spTree>
     <p:extLst>
       <p:ext uri="{BB962C8B-B14F-4D97-AF65-F5344CB8AC3E}">
-        <p14:creationId xmlns:p14="http://schemas.microsoft.com/office/powerpoint/2010/main" val="1065425595"/>
+        <p14:creationId xmlns:p14="http://schemas.microsoft.com/office/powerpoint/2010/main" val="3723048572"/>
       </p:ext>
     </p:extLst>
   </p:cSld>
   <p:clrMapOvr>
     <a:masterClrMapping/>
   </p:clrMapOvr>
-  <mc:AlternateContent xmlns:mc="http://schemas.openxmlformats.org/markup-compatibility/2006" xmlns:p14="http://schemas.microsoft.com/office/powerpoint/2010/main">
-    <mc:Choice Requires="p14">
+  <mc:AlternateContent xmlns:mc="http://schemas.openxmlformats.org/markup-compatibility/2006">
+    <mc:Choice xmlns:p14="http://schemas.microsoft.com/office/powerpoint/2010/main" Requires="p14">
       <p:transition spd="med" p14:dur="700">
         <p:fade/>
       </p:transition>
     </mc:Choice>
-    <mc:Fallback xmlns="">
+    <mc:Fallback>
       <p:transition spd="med">
         <p:fade/>
       </p:transition>
@@ -28399,10 +25046,10 @@
       </p:grpSpPr>
       <p:sp>
         <p:nvSpPr>
-          <p:cNvPr id="5" name="Titre 4">
+          <p:cNvPr id="2" name="Titre 1">
             <a:extLst>
               <a:ext uri="{FF2B5EF4-FFF2-40B4-BE49-F238E27FC236}">
-                <a16:creationId xmlns:a16="http://schemas.microsoft.com/office/drawing/2014/main" id="{201323FB-427E-4A8D-B473-AB0657D8D23B}"/>
+                <a16:creationId xmlns:a16="http://schemas.microsoft.com/office/drawing/2014/main" id="{25CC7A1D-628A-42A5-9D61-36E31E6305AB}"/>
               </a:ext>
             </a:extLst>
           </p:cNvPr>
@@ -28413,53 +25060,31 @@
             <p:ph type="title"/>
           </p:nvPr>
         </p:nvSpPr>
-        <p:spPr/>
+        <p:spPr>
+          <a:xfrm>
+            <a:off x="1039922" y="427512"/>
+            <a:ext cx="7781544" cy="588891"/>
+          </a:xfrm>
+        </p:spPr>
         <p:txBody>
-          <a:bodyPr rtlCol="0"/>
+          <a:bodyPr>
+            <a:normAutofit/>
+          </a:bodyPr>
           <a:lstStyle/>
           <a:p>
-            <a:pPr rtl="0"/>
             <a:r>
-              <a:rPr lang="fr-FR" dirty="0"/>
-              <a:t>Graphique</a:t>
+              <a:rPr lang="fr-FR" sz="3600" dirty="0"/>
+              <a:t>Maquettage de l’application</a:t>
             </a:r>
           </a:p>
         </p:txBody>
       </p:sp>
-      <p:graphicFrame>
-        <p:nvGraphicFramePr>
-          <p:cNvPr id="7" name="Graphique 6" title="Chiffre d’affaires brut-Espace réservé-Graphique">
+      <p:sp>
+        <p:nvSpPr>
+          <p:cNvPr id="4" name="Espace réservé du numéro de diapositive 3">
             <a:extLst>
               <a:ext uri="{FF2B5EF4-FFF2-40B4-BE49-F238E27FC236}">
-                <a16:creationId xmlns:a16="http://schemas.microsoft.com/office/drawing/2014/main" id="{19AEAA04-4840-FB41-B910-5F3570D85F0A}"/>
-              </a:ext>
-            </a:extLst>
-          </p:cNvPr>
-          <p:cNvGraphicFramePr/>
-          <p:nvPr>
-            <p:extLst>
-              <p:ext uri="{D42A27DB-BD31-4B8C-83A1-F6EECF244321}">
-                <p14:modId xmlns:p14="http://schemas.microsoft.com/office/powerpoint/2010/main" val="3619620156"/>
-              </p:ext>
-            </p:extLst>
-          </p:nvPr>
-        </p:nvGraphicFramePr>
-        <p:xfrm>
-          <a:off x="1250950" y="1712075"/>
-          <a:ext cx="9690100" cy="4444199"/>
-        </p:xfrm>
-        <a:graphic>
-          <a:graphicData uri="http://schemas.openxmlformats.org/drawingml/2006/chart">
-            <c:chart xmlns:c="http://schemas.openxmlformats.org/drawingml/2006/chart" xmlns:r="http://schemas.openxmlformats.org/officeDocument/2006/relationships" r:id="rId3"/>
-          </a:graphicData>
-        </a:graphic>
-      </p:graphicFrame>
-      <p:sp>
-        <p:nvSpPr>
-          <p:cNvPr id="2" name="Espace réservé du numéro de diapositive 1">
-            <a:extLst>
-              <a:ext uri="{FF2B5EF4-FFF2-40B4-BE49-F238E27FC236}">
-                <a16:creationId xmlns:a16="http://schemas.microsoft.com/office/drawing/2014/main" id="{E4398C1C-6656-4A73-A680-62A81CDC27FD}"/>
+                <a16:creationId xmlns:a16="http://schemas.microsoft.com/office/drawing/2014/main" id="{FB81A874-B52F-46C8-9A5C-80EE3BAA3726}"/>
               </a:ext>
             </a:extLst>
           </p:cNvPr>
@@ -28472,36 +25097,102 @@
         </p:nvSpPr>
         <p:spPr/>
         <p:txBody>
-          <a:bodyPr rtlCol="0"/>
+          <a:bodyPr/>
           <a:lstStyle/>
           <a:p>
             <a:pPr rtl="0"/>
             <a:fld id="{C263D6C4-4840-40CC-AC84-17E24B3B7BDE}" type="slidenum">
-              <a:rPr lang="fr-FR" smtClean="0"/>
+              <a:rPr lang="fr-FR" noProof="0" smtClean="0"/>
               <a:pPr rtl="0"/>
               <a:t>11</a:t>
             </a:fld>
-            <a:endParaRPr lang="fr-FR" dirty="0"/>
+            <a:endParaRPr lang="fr-FR" noProof="0"/>
           </a:p>
         </p:txBody>
       </p:sp>
+      <p:sp>
+        <p:nvSpPr>
+          <p:cNvPr id="5" name="Espace réservé du texte 4">
+            <a:extLst>
+              <a:ext uri="{FF2B5EF4-FFF2-40B4-BE49-F238E27FC236}">
+                <a16:creationId xmlns:a16="http://schemas.microsoft.com/office/drawing/2014/main" id="{352B787D-012A-4922-B6F3-E8E5DDDF6BE7}"/>
+              </a:ext>
+            </a:extLst>
+          </p:cNvPr>
+          <p:cNvSpPr>
+            <a:spLocks noGrp="1"/>
+          </p:cNvSpPr>
+          <p:nvPr>
+            <p:ph type="body" idx="1"/>
+          </p:nvPr>
+        </p:nvSpPr>
+        <p:spPr>
+          <a:xfrm>
+            <a:off x="1172524" y="1016403"/>
+            <a:ext cx="2211944" cy="349259"/>
+          </a:xfrm>
+        </p:spPr>
+        <p:txBody>
+          <a:bodyPr rtlCol="0">
+            <a:normAutofit/>
+          </a:bodyPr>
+          <a:lstStyle/>
+          <a:p>
+            <a:pPr rtl="0"/>
+            <a:r>
+              <a:rPr lang="fr-FR" dirty="0"/>
+              <a:t>Partie desktop</a:t>
+            </a:r>
+          </a:p>
+        </p:txBody>
+      </p:sp>
+      <p:pic>
+        <p:nvPicPr>
+          <p:cNvPr id="7" name="Image 6">
+            <a:extLst>
+              <a:ext uri="{FF2B5EF4-FFF2-40B4-BE49-F238E27FC236}">
+                <a16:creationId xmlns:a16="http://schemas.microsoft.com/office/drawing/2014/main" id="{53F5C2DE-3331-49ED-B4C4-109F4DC01639}"/>
+              </a:ext>
+            </a:extLst>
+          </p:cNvPr>
+          <p:cNvPicPr>
+            <a:picLocks noChangeAspect="1"/>
+          </p:cNvPicPr>
+          <p:nvPr/>
+        </p:nvPicPr>
+        <p:blipFill>
+          <a:blip r:embed="rId2"/>
+          <a:stretch>
+            <a:fillRect/>
+          </a:stretch>
+        </p:blipFill>
+        <p:spPr>
+          <a:xfrm>
+            <a:off x="1401288" y="1365662"/>
+            <a:ext cx="8766809" cy="5234674"/>
+          </a:xfrm>
+          <a:prstGeom prst="rect">
+            <a:avLst/>
+          </a:prstGeom>
+        </p:spPr>
+      </p:pic>
     </p:spTree>
     <p:extLst>
       <p:ext uri="{BB962C8B-B14F-4D97-AF65-F5344CB8AC3E}">
-        <p14:creationId xmlns:p14="http://schemas.microsoft.com/office/powerpoint/2010/main" val="3322300142"/>
+        <p14:creationId xmlns:p14="http://schemas.microsoft.com/office/powerpoint/2010/main" val="4245596498"/>
       </p:ext>
     </p:extLst>
   </p:cSld>
   <p:clrMapOvr>
     <a:masterClrMapping/>
   </p:clrMapOvr>
-  <mc:AlternateContent xmlns:mc="http://schemas.openxmlformats.org/markup-compatibility/2006" xmlns:p14="http://schemas.microsoft.com/office/powerpoint/2010/main">
-    <mc:Choice Requires="p14">
+  <mc:AlternateContent xmlns:mc="http://schemas.openxmlformats.org/markup-compatibility/2006">
+    <mc:Choice xmlns:p14="http://schemas.microsoft.com/office/powerpoint/2010/main" Requires="p14">
       <p:transition spd="med" p14:dur="700">
         <p:fade/>
       </p:transition>
     </mc:Choice>
-    <mc:Fallback xmlns="">
+    <mc:Fallback>
       <p:transition spd="med">
         <p:fade/>
       </p:transition>
@@ -28529,10 +25220,10 @@
       </p:grpSpPr>
       <p:sp>
         <p:nvSpPr>
-          <p:cNvPr id="6" name="Titre 5">
+          <p:cNvPr id="2" name="Titre 1">
             <a:extLst>
               <a:ext uri="{FF2B5EF4-FFF2-40B4-BE49-F238E27FC236}">
-                <a16:creationId xmlns:a16="http://schemas.microsoft.com/office/drawing/2014/main" id="{A4CD37D6-FE32-48E3-A3AD-F07BE6A19FA1}"/>
+                <a16:creationId xmlns:a16="http://schemas.microsoft.com/office/drawing/2014/main" id="{25CC7A1D-628A-42A5-9D61-36E31E6305AB}"/>
               </a:ext>
             </a:extLst>
           </p:cNvPr>
@@ -28545,43 +25236,29 @@
         </p:nvSpPr>
         <p:spPr>
           <a:xfrm>
-            <a:off x="533399" y="3200400"/>
-            <a:ext cx="7551057" cy="2859313"/>
+            <a:off x="1039922" y="427512"/>
+            <a:ext cx="7781544" cy="588891"/>
           </a:xfrm>
         </p:spPr>
         <p:txBody>
-          <a:bodyPr rtlCol="0"/>
+          <a:bodyPr>
+            <a:normAutofit/>
+          </a:bodyPr>
           <a:lstStyle/>
           <a:p>
-            <a:pPr rtl="0"/>
             <a:r>
-              <a:rPr lang="fr-FR"/>
-              <a:t>Citation apparaît ici </a:t>
+              <a:rPr lang="fr-FR" sz="3600" dirty="0"/>
+              <a:t>Maquettage de l’application</a:t>
             </a:r>
-            <a:br>
-              <a:rPr lang="fr-FR"/>
-            </a:br>
-            <a:r>
-              <a:rPr lang="fr-FR"/>
-              <a:t>Lorem ipsum dolor sit amet, consectetuer adipiscing elit.” </a:t>
-            </a:r>
-            <a:br>
-              <a:rPr lang="fr-FR"/>
-            </a:br>
-            <a:r>
-              <a:rPr lang="fr-FR" sz="2400"/>
-              <a:t>-Auteur</a:t>
-            </a:r>
-            <a:endParaRPr lang="fr-FR"/>
           </a:p>
         </p:txBody>
       </p:sp>
       <p:sp>
         <p:nvSpPr>
-          <p:cNvPr id="2" name="Espace réservé du numéro de diapositive 1">
+          <p:cNvPr id="4" name="Espace réservé du numéro de diapositive 3">
             <a:extLst>
               <a:ext uri="{FF2B5EF4-FFF2-40B4-BE49-F238E27FC236}">
-                <a16:creationId xmlns:a16="http://schemas.microsoft.com/office/drawing/2014/main" id="{8EDC7217-2779-44E0-9E6D-3B3879516A1D}"/>
+                <a16:creationId xmlns:a16="http://schemas.microsoft.com/office/drawing/2014/main" id="{FB81A874-B52F-46C8-9A5C-80EE3BAA3726}"/>
               </a:ext>
             </a:extLst>
           </p:cNvPr>
@@ -28594,41 +25271,65 @@
         </p:nvSpPr>
         <p:spPr/>
         <p:txBody>
-          <a:bodyPr rtlCol="0"/>
+          <a:bodyPr/>
           <a:lstStyle/>
           <a:p>
             <a:pPr rtl="0"/>
             <a:fld id="{C263D6C4-4840-40CC-AC84-17E24B3B7BDE}" type="slidenum">
-              <a:rPr lang="fr-FR" smtClean="0"/>
+              <a:rPr lang="fr-FR" noProof="0" smtClean="0"/>
               <a:pPr rtl="0"/>
               <a:t>12</a:t>
             </a:fld>
-            <a:endParaRPr lang="fr-FR"/>
+            <a:endParaRPr lang="fr-FR" noProof="0"/>
+          </a:p>
+        </p:txBody>
+      </p:sp>
+      <p:sp>
+        <p:nvSpPr>
+          <p:cNvPr id="5" name="Espace réservé du texte 4">
+            <a:extLst>
+              <a:ext uri="{FF2B5EF4-FFF2-40B4-BE49-F238E27FC236}">
+                <a16:creationId xmlns:a16="http://schemas.microsoft.com/office/drawing/2014/main" id="{352B787D-012A-4922-B6F3-E8E5DDDF6BE7}"/>
+              </a:ext>
+            </a:extLst>
+          </p:cNvPr>
+          <p:cNvSpPr>
+            <a:spLocks noGrp="1"/>
+          </p:cNvSpPr>
+          <p:nvPr>
+            <p:ph type="body" idx="1"/>
+          </p:nvPr>
+        </p:nvSpPr>
+        <p:spPr>
+          <a:xfrm>
+            <a:off x="1172524" y="1016403"/>
+            <a:ext cx="2211944" cy="349259"/>
+          </a:xfrm>
+        </p:spPr>
+        <p:txBody>
+          <a:bodyPr rtlCol="0">
+            <a:normAutofit/>
+          </a:bodyPr>
+          <a:lstStyle/>
+          <a:p>
+            <a:pPr rtl="0"/>
+            <a:r>
+              <a:rPr lang="fr-FR" dirty="0"/>
+              <a:t>Partie desktop</a:t>
+            </a:r>
           </a:p>
         </p:txBody>
       </p:sp>
     </p:spTree>
     <p:extLst>
       <p:ext uri="{BB962C8B-B14F-4D97-AF65-F5344CB8AC3E}">
-        <p14:creationId xmlns:p14="http://schemas.microsoft.com/office/powerpoint/2010/main" val="914134537"/>
+        <p14:creationId xmlns:p14="http://schemas.microsoft.com/office/powerpoint/2010/main" val="1345942610"/>
       </p:ext>
     </p:extLst>
   </p:cSld>
   <p:clrMapOvr>
     <a:masterClrMapping/>
   </p:clrMapOvr>
-  <mc:AlternateContent xmlns:mc="http://schemas.openxmlformats.org/markup-compatibility/2006" xmlns:p14="http://schemas.microsoft.com/office/powerpoint/2010/main">
-    <mc:Choice Requires="p14">
-      <p:transition spd="med" p14:dur="700">
-        <p:fade/>
-      </p:transition>
-    </mc:Choice>
-    <mc:Fallback xmlns="">
-      <p:transition spd="med">
-        <p:fade/>
-      </p:transition>
-    </mc:Fallback>
-  </mc:AlternateContent>
 </p:sld>
 </file>
 
@@ -28654,7 +25355,7 @@
           <p:cNvPr id="2" name="Titre 1">
             <a:extLst>
               <a:ext uri="{FF2B5EF4-FFF2-40B4-BE49-F238E27FC236}">
-                <a16:creationId xmlns:a16="http://schemas.microsoft.com/office/drawing/2014/main" id="{632BE5BF-9922-45FB-8F3F-4446D40A051B}"/>
+                <a16:creationId xmlns:a16="http://schemas.microsoft.com/office/drawing/2014/main" id="{25CC7A1D-628A-42A5-9D61-36E31E6305AB}"/>
               </a:ext>
             </a:extLst>
           </p:cNvPr>
@@ -28662,35 +25363,147 @@
             <a:spLocks noGrp="1"/>
           </p:cNvSpPr>
           <p:nvPr>
-            <p:ph type="ctrTitle"/>
+            <p:ph type="title"/>
+          </p:nvPr>
+        </p:nvSpPr>
+        <p:spPr>
+          <a:xfrm>
+            <a:off x="1039922" y="427512"/>
+            <a:ext cx="7781544" cy="588891"/>
+          </a:xfrm>
+        </p:spPr>
+        <p:txBody>
+          <a:bodyPr>
+            <a:normAutofit/>
+          </a:bodyPr>
+          <a:lstStyle/>
+          <a:p>
+            <a:r>
+              <a:rPr lang="fr-FR" sz="3600" dirty="0"/>
+              <a:t>Maquettage de l’application</a:t>
+            </a:r>
+          </a:p>
+        </p:txBody>
+      </p:sp>
+      <p:sp>
+        <p:nvSpPr>
+          <p:cNvPr id="4" name="Espace réservé du numéro de diapositive 3">
+            <a:extLst>
+              <a:ext uri="{FF2B5EF4-FFF2-40B4-BE49-F238E27FC236}">
+                <a16:creationId xmlns:a16="http://schemas.microsoft.com/office/drawing/2014/main" id="{FB81A874-B52F-46C8-9A5C-80EE3BAA3726}"/>
+              </a:ext>
+            </a:extLst>
+          </p:cNvPr>
+          <p:cNvSpPr>
+            <a:spLocks noGrp="1"/>
+          </p:cNvSpPr>
+          <p:nvPr>
+            <p:ph type="sldNum" sz="quarter" idx="12"/>
           </p:nvPr>
         </p:nvSpPr>
         <p:spPr/>
         <p:txBody>
-          <a:bodyPr rtlCol="0"/>
+          <a:bodyPr/>
+          <a:lstStyle/>
+          <a:p>
+            <a:pPr rtl="0"/>
+            <a:fld id="{C263D6C4-4840-40CC-AC84-17E24B3B7BDE}" type="slidenum">
+              <a:rPr lang="fr-FR" noProof="0" smtClean="0"/>
+              <a:pPr rtl="0"/>
+              <a:t>13</a:t>
+            </a:fld>
+            <a:endParaRPr lang="fr-FR" noProof="0"/>
+          </a:p>
+        </p:txBody>
+      </p:sp>
+      <p:sp>
+        <p:nvSpPr>
+          <p:cNvPr id="5" name="Espace réservé du texte 4">
+            <a:extLst>
+              <a:ext uri="{FF2B5EF4-FFF2-40B4-BE49-F238E27FC236}">
+                <a16:creationId xmlns:a16="http://schemas.microsoft.com/office/drawing/2014/main" id="{BFCECAD4-67C0-4904-B5A8-F01075F035CA}"/>
+              </a:ext>
+            </a:extLst>
+          </p:cNvPr>
+          <p:cNvSpPr>
+            <a:spLocks noGrp="1"/>
+          </p:cNvSpPr>
+          <p:nvPr>
+            <p:ph type="body" idx="1"/>
+          </p:nvPr>
+        </p:nvSpPr>
+        <p:spPr>
+          <a:xfrm>
+            <a:off x="1172524" y="1016403"/>
+            <a:ext cx="2211944" cy="349259"/>
+          </a:xfrm>
+        </p:spPr>
+        <p:txBody>
+          <a:bodyPr rtlCol="0">
+            <a:normAutofit/>
+          </a:bodyPr>
           <a:lstStyle/>
           <a:p>
             <a:pPr rtl="0"/>
             <a:r>
-              <a:rPr lang="fr-FR"/>
-              <a:t>Merci</a:t>
+              <a:rPr lang="fr-FR" dirty="0"/>
+              <a:t>Partie mobile</a:t>
             </a:r>
           </a:p>
         </p:txBody>
       </p:sp>
+      <p:pic>
+        <p:nvPicPr>
+          <p:cNvPr id="6" name="Image 5">
+            <a:extLst>
+              <a:ext uri="{FF2B5EF4-FFF2-40B4-BE49-F238E27FC236}">
+                <a16:creationId xmlns:a16="http://schemas.microsoft.com/office/drawing/2014/main" id="{DCD86556-9806-4BEB-A428-54252875FEAD}"/>
+              </a:ext>
+            </a:extLst>
+          </p:cNvPr>
+          <p:cNvPicPr>
+            <a:picLocks noChangeAspect="1"/>
+          </p:cNvPicPr>
+          <p:nvPr/>
+        </p:nvPicPr>
+        <p:blipFill>
+          <a:blip r:embed="rId2"/>
+          <a:stretch>
+            <a:fillRect/>
+          </a:stretch>
+        </p:blipFill>
+        <p:spPr>
+          <a:xfrm>
+            <a:off x="4139280" y="1214623"/>
+            <a:ext cx="2813364" cy="5100452"/>
+          </a:xfrm>
+          <a:prstGeom prst="rect">
+            <a:avLst/>
+          </a:prstGeom>
+        </p:spPr>
+      </p:pic>
     </p:spTree>
     <p:extLst>
       <p:ext uri="{BB962C8B-B14F-4D97-AF65-F5344CB8AC3E}">
-        <p14:creationId xmlns:p14="http://schemas.microsoft.com/office/powerpoint/2010/main" val="429771863"/>
+        <p14:creationId xmlns:p14="http://schemas.microsoft.com/office/powerpoint/2010/main" val="1399920568"/>
       </p:ext>
     </p:extLst>
   </p:cSld>
   <p:clrMapOvr>
     <a:masterClrMapping/>
   </p:clrMapOvr>
-  <p:transition spd="slow">
-    <p:wipe/>
-  </p:transition>
+  <mc:AlternateContent xmlns:mc="http://schemas.openxmlformats.org/markup-compatibility/2006">
+    <mc:Choice xmlns:p14="http://schemas.microsoft.com/office/powerpoint/2010/main" Requires="p14">
+      <p:transition spd="med" p14:dur="700">
+        <p:fade/>
+      </p:transition>
+    </mc:Choice>
+    <mc:Fallback>
+      <p:transition spd="med">
+        <p:fade/>
+      </p:transition>
+    </mc:Fallback>
+  </mc:AlternateContent>
 </p:sld>
 </file>
 
@@ -28716,7 +25529,7 @@
           <p:cNvPr id="2" name="Titre 1">
             <a:extLst>
               <a:ext uri="{FF2B5EF4-FFF2-40B4-BE49-F238E27FC236}">
-                <a16:creationId xmlns:a16="http://schemas.microsoft.com/office/drawing/2014/main" id="{632BE5BF-9922-45FB-8F3F-4446D40A051B}"/>
+                <a16:creationId xmlns:a16="http://schemas.microsoft.com/office/drawing/2014/main" id="{25CC7A1D-628A-42A5-9D61-36E31E6305AB}"/>
               </a:ext>
             </a:extLst>
           </p:cNvPr>
@@ -28724,18 +25537,91 @@
             <a:spLocks noGrp="1"/>
           </p:cNvSpPr>
           <p:nvPr>
-            <p:ph type="ctrTitle"/>
+            <p:ph type="title"/>
+          </p:nvPr>
+        </p:nvSpPr>
+        <p:spPr>
+          <a:xfrm>
+            <a:off x="1039922" y="427512"/>
+            <a:ext cx="7781544" cy="588891"/>
+          </a:xfrm>
+        </p:spPr>
+        <p:txBody>
+          <a:bodyPr>
+            <a:normAutofit/>
+          </a:bodyPr>
+          <a:lstStyle/>
+          <a:p>
+            <a:r>
+              <a:rPr lang="fr-FR" sz="3600" dirty="0"/>
+              <a:t>Maquettage de l’application</a:t>
+            </a:r>
+          </a:p>
+        </p:txBody>
+      </p:sp>
+      <p:sp>
+        <p:nvSpPr>
+          <p:cNvPr id="4" name="Espace réservé du numéro de diapositive 3">
+            <a:extLst>
+              <a:ext uri="{FF2B5EF4-FFF2-40B4-BE49-F238E27FC236}">
+                <a16:creationId xmlns:a16="http://schemas.microsoft.com/office/drawing/2014/main" id="{FB81A874-B52F-46C8-9A5C-80EE3BAA3726}"/>
+              </a:ext>
+            </a:extLst>
+          </p:cNvPr>
+          <p:cNvSpPr>
+            <a:spLocks noGrp="1"/>
+          </p:cNvSpPr>
+          <p:nvPr>
+            <p:ph type="sldNum" sz="quarter" idx="12"/>
           </p:nvPr>
         </p:nvSpPr>
         <p:spPr/>
         <p:txBody>
-          <a:bodyPr rtlCol="0"/>
+          <a:bodyPr/>
+          <a:lstStyle/>
+          <a:p>
+            <a:pPr rtl="0"/>
+            <a:fld id="{C263D6C4-4840-40CC-AC84-17E24B3B7BDE}" type="slidenum">
+              <a:rPr lang="fr-FR" noProof="0" smtClean="0"/>
+              <a:pPr rtl="0"/>
+              <a:t>14</a:t>
+            </a:fld>
+            <a:endParaRPr lang="fr-FR" noProof="0"/>
+          </a:p>
+        </p:txBody>
+      </p:sp>
+      <p:sp>
+        <p:nvSpPr>
+          <p:cNvPr id="5" name="Espace réservé du texte 4">
+            <a:extLst>
+              <a:ext uri="{FF2B5EF4-FFF2-40B4-BE49-F238E27FC236}">
+                <a16:creationId xmlns:a16="http://schemas.microsoft.com/office/drawing/2014/main" id="{BFCECAD4-67C0-4904-B5A8-F01075F035CA}"/>
+              </a:ext>
+            </a:extLst>
+          </p:cNvPr>
+          <p:cNvSpPr>
+            <a:spLocks noGrp="1"/>
+          </p:cNvSpPr>
+          <p:nvPr>
+            <p:ph type="body" idx="1"/>
+          </p:nvPr>
+        </p:nvSpPr>
+        <p:spPr>
+          <a:xfrm>
+            <a:off x="1172524" y="1016403"/>
+            <a:ext cx="2211944" cy="349259"/>
+          </a:xfrm>
+        </p:spPr>
+        <p:txBody>
+          <a:bodyPr rtlCol="0">
+            <a:normAutofit/>
+          </a:bodyPr>
           <a:lstStyle/>
           <a:p>
             <a:pPr rtl="0"/>
             <a:r>
-              <a:rPr lang="fr-FR"/>
-              <a:t>Merci</a:t>
+              <a:rPr lang="fr-FR" dirty="0"/>
+              <a:t>Partie mobile</a:t>
             </a:r>
           </a:p>
         </p:txBody>
@@ -28743,16 +25629,13 @@
     </p:spTree>
     <p:extLst>
       <p:ext uri="{BB962C8B-B14F-4D97-AF65-F5344CB8AC3E}">
-        <p14:creationId xmlns:p14="http://schemas.microsoft.com/office/powerpoint/2010/main" val="44069682"/>
+        <p14:creationId xmlns:p14="http://schemas.microsoft.com/office/powerpoint/2010/main" val="3299206801"/>
       </p:ext>
     </p:extLst>
   </p:cSld>
   <p:clrMapOvr>
     <a:masterClrMapping/>
   </p:clrMapOvr>
-  <p:transition spd="slow">
-    <p:wipe/>
-  </p:transition>
 </p:sld>
 </file>
 
@@ -28775,10 +25658,520 @@
       </p:grpSpPr>
       <p:sp>
         <p:nvSpPr>
+          <p:cNvPr id="2" name="Titre 1">
+            <a:extLst>
+              <a:ext uri="{FF2B5EF4-FFF2-40B4-BE49-F238E27FC236}">
+                <a16:creationId xmlns:a16="http://schemas.microsoft.com/office/drawing/2014/main" id="{25CC7A1D-628A-42A5-9D61-36E31E6305AB}"/>
+              </a:ext>
+            </a:extLst>
+          </p:cNvPr>
+          <p:cNvSpPr>
+            <a:spLocks noGrp="1"/>
+          </p:cNvSpPr>
+          <p:nvPr>
+            <p:ph type="title"/>
+          </p:nvPr>
+        </p:nvSpPr>
+        <p:spPr>
+          <a:xfrm>
+            <a:off x="1039922" y="427512"/>
+            <a:ext cx="7781544" cy="588891"/>
+          </a:xfrm>
+        </p:spPr>
+        <p:txBody>
+          <a:bodyPr>
+            <a:normAutofit/>
+          </a:bodyPr>
+          <a:lstStyle/>
+          <a:p>
+            <a:r>
+              <a:rPr lang="fr-FR" sz="3600" dirty="0"/>
+              <a:t>Interface dynamique</a:t>
+            </a:r>
+          </a:p>
+        </p:txBody>
+      </p:sp>
+      <p:sp>
+        <p:nvSpPr>
+          <p:cNvPr id="4" name="Espace réservé du numéro de diapositive 3">
+            <a:extLst>
+              <a:ext uri="{FF2B5EF4-FFF2-40B4-BE49-F238E27FC236}">
+                <a16:creationId xmlns:a16="http://schemas.microsoft.com/office/drawing/2014/main" id="{FB81A874-B52F-46C8-9A5C-80EE3BAA3726}"/>
+              </a:ext>
+            </a:extLst>
+          </p:cNvPr>
+          <p:cNvSpPr>
+            <a:spLocks noGrp="1"/>
+          </p:cNvSpPr>
+          <p:nvPr>
+            <p:ph type="sldNum" sz="quarter" idx="12"/>
+          </p:nvPr>
+        </p:nvSpPr>
+        <p:spPr/>
+        <p:txBody>
+          <a:bodyPr/>
+          <a:lstStyle/>
+          <a:p>
+            <a:pPr rtl="0"/>
+            <a:fld id="{C263D6C4-4840-40CC-AC84-17E24B3B7BDE}" type="slidenum">
+              <a:rPr lang="fr-FR" noProof="0" smtClean="0"/>
+              <a:pPr rtl="0"/>
+              <a:t>15</a:t>
+            </a:fld>
+            <a:endParaRPr lang="fr-FR" noProof="0"/>
+          </a:p>
+        </p:txBody>
+      </p:sp>
+      <p:pic>
+        <p:nvPicPr>
+          <p:cNvPr id="8" name="Image 7">
+            <a:extLst>
+              <a:ext uri="{FF2B5EF4-FFF2-40B4-BE49-F238E27FC236}">
+                <a16:creationId xmlns:a16="http://schemas.microsoft.com/office/drawing/2014/main" id="{8D5C4130-9329-4213-9F76-975F823DD8C2}"/>
+              </a:ext>
+            </a:extLst>
+          </p:cNvPr>
+          <p:cNvPicPr>
+            <a:picLocks noChangeAspect="1"/>
+          </p:cNvPicPr>
+          <p:nvPr/>
+        </p:nvPicPr>
+        <p:blipFill>
+          <a:blip r:embed="rId2"/>
+          <a:stretch>
+            <a:fillRect/>
+          </a:stretch>
+        </p:blipFill>
+        <p:spPr>
+          <a:xfrm>
+            <a:off x="1626919" y="1357486"/>
+            <a:ext cx="8265226" cy="4536984"/>
+          </a:xfrm>
+          <a:prstGeom prst="rect">
+            <a:avLst/>
+          </a:prstGeom>
+        </p:spPr>
+      </p:pic>
+    </p:spTree>
+    <p:extLst>
+      <p:ext uri="{BB962C8B-B14F-4D97-AF65-F5344CB8AC3E}">
+        <p14:creationId xmlns:p14="http://schemas.microsoft.com/office/powerpoint/2010/main" val="2304820043"/>
+      </p:ext>
+    </p:extLst>
+  </p:cSld>
+  <p:clrMapOvr>
+    <a:masterClrMapping/>
+  </p:clrMapOvr>
+  <mc:AlternateContent xmlns:mc="http://schemas.openxmlformats.org/markup-compatibility/2006">
+    <mc:Choice xmlns:p14="http://schemas.microsoft.com/office/powerpoint/2010/main" Requires="p14">
+      <p:transition spd="med" p14:dur="700">
+        <p:fade/>
+      </p:transition>
+    </mc:Choice>
+    <mc:Fallback>
+      <p:transition spd="med">
+        <p:fade/>
+      </p:transition>
+    </mc:Fallback>
+  </mc:AlternateContent>
+</p:sld>
+</file>
+
+<file path=ppt/slides/slide16.xml><?xml version="1.0" encoding="utf-8"?>
+<p:sld xmlns:a="http://schemas.openxmlformats.org/drawingml/2006/main" xmlns:r="http://schemas.openxmlformats.org/officeDocument/2006/relationships" xmlns:p="http://schemas.openxmlformats.org/presentationml/2006/main">
+  <p:cSld>
+    <p:spTree>
+      <p:nvGrpSpPr>
+        <p:cNvPr id="1" name=""/>
+        <p:cNvGrpSpPr/>
+        <p:nvPr/>
+      </p:nvGrpSpPr>
+      <p:grpSpPr>
+        <a:xfrm>
+          <a:off x="0" y="0"/>
+          <a:ext cx="0" cy="0"/>
+          <a:chOff x="0" y="0"/>
+          <a:chExt cx="0" cy="0"/>
+        </a:xfrm>
+      </p:grpSpPr>
+      <p:sp>
+        <p:nvSpPr>
+          <p:cNvPr id="2" name="Titre 1">
+            <a:extLst>
+              <a:ext uri="{FF2B5EF4-FFF2-40B4-BE49-F238E27FC236}">
+                <a16:creationId xmlns:a16="http://schemas.microsoft.com/office/drawing/2014/main" id="{25CC7A1D-628A-42A5-9D61-36E31E6305AB}"/>
+              </a:ext>
+            </a:extLst>
+          </p:cNvPr>
+          <p:cNvSpPr>
+            <a:spLocks noGrp="1"/>
+          </p:cNvSpPr>
+          <p:nvPr>
+            <p:ph type="title"/>
+          </p:nvPr>
+        </p:nvSpPr>
+        <p:spPr>
+          <a:xfrm>
+            <a:off x="1039922" y="427512"/>
+            <a:ext cx="7781544" cy="588891"/>
+          </a:xfrm>
+        </p:spPr>
+        <p:txBody>
+          <a:bodyPr>
+            <a:normAutofit/>
+          </a:bodyPr>
+          <a:lstStyle/>
+          <a:p>
+            <a:r>
+              <a:rPr lang="fr-FR" sz="3600" dirty="0"/>
+              <a:t>Interface dynamique</a:t>
+            </a:r>
+          </a:p>
+        </p:txBody>
+      </p:sp>
+      <p:sp>
+        <p:nvSpPr>
+          <p:cNvPr id="4" name="Espace réservé du numéro de diapositive 3">
+            <a:extLst>
+              <a:ext uri="{FF2B5EF4-FFF2-40B4-BE49-F238E27FC236}">
+                <a16:creationId xmlns:a16="http://schemas.microsoft.com/office/drawing/2014/main" id="{FB81A874-B52F-46C8-9A5C-80EE3BAA3726}"/>
+              </a:ext>
+            </a:extLst>
+          </p:cNvPr>
+          <p:cNvSpPr>
+            <a:spLocks noGrp="1"/>
+          </p:cNvSpPr>
+          <p:nvPr>
+            <p:ph type="sldNum" sz="quarter" idx="12"/>
+          </p:nvPr>
+        </p:nvSpPr>
+        <p:spPr/>
+        <p:txBody>
+          <a:bodyPr/>
+          <a:lstStyle/>
+          <a:p>
+            <a:pPr rtl="0"/>
+            <a:fld id="{C263D6C4-4840-40CC-AC84-17E24B3B7BDE}" type="slidenum">
+              <a:rPr lang="fr-FR" noProof="0" smtClean="0"/>
+              <a:pPr rtl="0"/>
+              <a:t>16</a:t>
+            </a:fld>
+            <a:endParaRPr lang="fr-FR" noProof="0"/>
+          </a:p>
+        </p:txBody>
+      </p:sp>
+      <p:pic>
+        <p:nvPicPr>
+          <p:cNvPr id="5" name="Image 4">
+            <a:extLst>
+              <a:ext uri="{FF2B5EF4-FFF2-40B4-BE49-F238E27FC236}">
+                <a16:creationId xmlns:a16="http://schemas.microsoft.com/office/drawing/2014/main" id="{2789069F-03B5-41CC-AE67-A75768A290D1}"/>
+              </a:ext>
+            </a:extLst>
+          </p:cNvPr>
+          <p:cNvPicPr>
+            <a:picLocks noChangeAspect="1"/>
+          </p:cNvPicPr>
+          <p:nvPr/>
+        </p:nvPicPr>
+        <p:blipFill>
+          <a:blip r:embed="rId2"/>
+          <a:stretch>
+            <a:fillRect/>
+          </a:stretch>
+        </p:blipFill>
+        <p:spPr>
+          <a:xfrm>
+            <a:off x="1347849" y="1175658"/>
+            <a:ext cx="8307666" cy="5192932"/>
+          </a:xfrm>
+          <a:prstGeom prst="rect">
+            <a:avLst/>
+          </a:prstGeom>
+        </p:spPr>
+      </p:pic>
+    </p:spTree>
+    <p:extLst>
+      <p:ext uri="{BB962C8B-B14F-4D97-AF65-F5344CB8AC3E}">
+        <p14:creationId xmlns:p14="http://schemas.microsoft.com/office/powerpoint/2010/main" val="4199295964"/>
+      </p:ext>
+    </p:extLst>
+  </p:cSld>
+  <p:clrMapOvr>
+    <a:masterClrMapping/>
+  </p:clrMapOvr>
+</p:sld>
+</file>
+
+<file path=ppt/slides/slide17.xml><?xml version="1.0" encoding="utf-8"?>
+<p:sld xmlns:a="http://schemas.openxmlformats.org/drawingml/2006/main" xmlns:r="http://schemas.openxmlformats.org/officeDocument/2006/relationships" xmlns:p="http://schemas.openxmlformats.org/presentationml/2006/main">
+  <p:cSld>
+    <p:spTree>
+      <p:nvGrpSpPr>
+        <p:cNvPr id="1" name=""/>
+        <p:cNvGrpSpPr/>
+        <p:nvPr/>
+      </p:nvGrpSpPr>
+      <p:grpSpPr>
+        <a:xfrm>
+          <a:off x="0" y="0"/>
+          <a:ext cx="0" cy="0"/>
+          <a:chOff x="0" y="0"/>
+          <a:chExt cx="0" cy="0"/>
+        </a:xfrm>
+      </p:grpSpPr>
+      <p:sp>
+        <p:nvSpPr>
+          <p:cNvPr id="3" name="Espace réservé du numéro de diapositive 2">
+            <a:extLst>
+              <a:ext uri="{FF2B5EF4-FFF2-40B4-BE49-F238E27FC236}">
+                <a16:creationId xmlns:a16="http://schemas.microsoft.com/office/drawing/2014/main" id="{A9725ADC-BCDD-4746-A1F1-ED99E6D5F991}"/>
+              </a:ext>
+            </a:extLst>
+          </p:cNvPr>
+          <p:cNvSpPr>
+            <a:spLocks noGrp="1"/>
+          </p:cNvSpPr>
+          <p:nvPr>
+            <p:ph type="sldNum" sz="quarter" idx="12"/>
+          </p:nvPr>
+        </p:nvSpPr>
+        <p:spPr/>
+        <p:txBody>
+          <a:bodyPr/>
+          <a:lstStyle/>
+          <a:p>
+            <a:pPr rtl="0"/>
+            <a:fld id="{C263D6C4-4840-40CC-AC84-17E24B3B7BDE}" type="slidenum">
+              <a:rPr lang="fr-FR" noProof="0" smtClean="0"/>
+              <a:pPr rtl="0"/>
+              <a:t>17</a:t>
+            </a:fld>
+            <a:endParaRPr lang="fr-FR" noProof="0"/>
+          </a:p>
+        </p:txBody>
+      </p:sp>
+      <p:sp>
+        <p:nvSpPr>
           <p:cNvPr id="4" name="Titre 3">
             <a:extLst>
               <a:ext uri="{FF2B5EF4-FFF2-40B4-BE49-F238E27FC236}">
-                <a16:creationId xmlns:a16="http://schemas.microsoft.com/office/drawing/2014/main" id="{E98DCA46-603B-4178-8707-30E192CE6B8D}"/>
+                <a16:creationId xmlns:a16="http://schemas.microsoft.com/office/drawing/2014/main" id="{8B8A2BA7-3A5C-4A6A-930D-5F0EABFE4D7F}"/>
+              </a:ext>
+            </a:extLst>
+          </p:cNvPr>
+          <p:cNvSpPr>
+            <a:spLocks noGrp="1"/>
+          </p:cNvSpPr>
+          <p:nvPr>
+            <p:ph type="title"/>
+          </p:nvPr>
+        </p:nvSpPr>
+        <p:spPr>
+          <a:xfrm>
+            <a:off x="1632204" y="3020786"/>
+            <a:ext cx="5291111" cy="605962"/>
+          </a:xfrm>
+        </p:spPr>
+        <p:txBody>
+          <a:bodyPr>
+            <a:noAutofit/>
+          </a:bodyPr>
+          <a:lstStyle/>
+          <a:p>
+            <a:r>
+              <a:rPr lang="fr-FR" sz="4800" dirty="0"/>
+              <a:t>Démonstration</a:t>
+            </a:r>
+          </a:p>
+        </p:txBody>
+      </p:sp>
+    </p:spTree>
+    <p:extLst>
+      <p:ext uri="{BB962C8B-B14F-4D97-AF65-F5344CB8AC3E}">
+        <p14:creationId xmlns:p14="http://schemas.microsoft.com/office/powerpoint/2010/main" val="2473479439"/>
+      </p:ext>
+    </p:extLst>
+  </p:cSld>
+  <p:clrMapOvr>
+    <a:masterClrMapping/>
+  </p:clrMapOvr>
+  <mc:AlternateContent xmlns:mc="http://schemas.openxmlformats.org/markup-compatibility/2006">
+    <mc:Choice xmlns:p14="http://schemas.microsoft.com/office/powerpoint/2010/main" Requires="p14">
+      <p:transition spd="slow" p14:dur="1500">
+        <p:split orient="vert"/>
+      </p:transition>
+    </mc:Choice>
+    <mc:Fallback>
+      <p:transition spd="slow">
+        <p:split orient="vert"/>
+      </p:transition>
+    </mc:Fallback>
+  </mc:AlternateContent>
+</p:sld>
+</file>
+
+<file path=ppt/slides/slide18.xml><?xml version="1.0" encoding="utf-8"?>
+<p:sld xmlns:a="http://schemas.openxmlformats.org/drawingml/2006/main" xmlns:r="http://schemas.openxmlformats.org/officeDocument/2006/relationships" xmlns:p="http://schemas.openxmlformats.org/presentationml/2006/main">
+  <p:cSld>
+    <p:spTree>
+      <p:nvGrpSpPr>
+        <p:cNvPr id="1" name=""/>
+        <p:cNvGrpSpPr/>
+        <p:nvPr/>
+      </p:nvGrpSpPr>
+      <p:grpSpPr>
+        <a:xfrm>
+          <a:off x="0" y="0"/>
+          <a:ext cx="0" cy="0"/>
+          <a:chOff x="0" y="0"/>
+          <a:chExt cx="0" cy="0"/>
+        </a:xfrm>
+      </p:grpSpPr>
+      <p:sp>
+        <p:nvSpPr>
+          <p:cNvPr id="2" name="Titre 1">
+            <a:extLst>
+              <a:ext uri="{FF2B5EF4-FFF2-40B4-BE49-F238E27FC236}">
+                <a16:creationId xmlns:a16="http://schemas.microsoft.com/office/drawing/2014/main" id="{4B698498-3CA5-4222-A2CA-068A5564CE1D}"/>
+              </a:ext>
+            </a:extLst>
+          </p:cNvPr>
+          <p:cNvSpPr>
+            <a:spLocks noGrp="1"/>
+          </p:cNvSpPr>
+          <p:nvPr>
+            <p:ph type="title"/>
+          </p:nvPr>
+        </p:nvSpPr>
+        <p:spPr>
+          <a:xfrm>
+            <a:off x="1200239" y="593767"/>
+            <a:ext cx="5889330" cy="624517"/>
+          </a:xfrm>
+        </p:spPr>
+        <p:txBody>
+          <a:bodyPr>
+            <a:normAutofit/>
+          </a:bodyPr>
+          <a:lstStyle/>
+          <a:p>
+            <a:r>
+              <a:rPr lang="fr-FR" sz="3600" dirty="0"/>
+              <a:t>Créer une base de donnée</a:t>
+            </a:r>
+          </a:p>
+        </p:txBody>
+      </p:sp>
+      <p:sp>
+        <p:nvSpPr>
+          <p:cNvPr id="4" name="Espace réservé du numéro de diapositive 3">
+            <a:extLst>
+              <a:ext uri="{FF2B5EF4-FFF2-40B4-BE49-F238E27FC236}">
+                <a16:creationId xmlns:a16="http://schemas.microsoft.com/office/drawing/2014/main" id="{163BA10D-3F1F-45C4-B4DC-09C9951D8B6A}"/>
+              </a:ext>
+            </a:extLst>
+          </p:cNvPr>
+          <p:cNvSpPr>
+            <a:spLocks noGrp="1"/>
+          </p:cNvSpPr>
+          <p:nvPr>
+            <p:ph type="sldNum" sz="quarter" idx="12"/>
+          </p:nvPr>
+        </p:nvSpPr>
+        <p:spPr/>
+        <p:txBody>
+          <a:bodyPr/>
+          <a:lstStyle/>
+          <a:p>
+            <a:pPr rtl="0"/>
+            <a:fld id="{C263D6C4-4840-40CC-AC84-17E24B3B7BDE}" type="slidenum">
+              <a:rPr lang="fr-FR" noProof="0" smtClean="0"/>
+              <a:pPr rtl="0"/>
+              <a:t>18</a:t>
+            </a:fld>
+            <a:endParaRPr lang="fr-FR" noProof="0"/>
+          </a:p>
+        </p:txBody>
+      </p:sp>
+      <p:pic>
+        <p:nvPicPr>
+          <p:cNvPr id="6" name="Image 5">
+            <a:extLst>
+              <a:ext uri="{FF2B5EF4-FFF2-40B4-BE49-F238E27FC236}">
+                <a16:creationId xmlns:a16="http://schemas.microsoft.com/office/drawing/2014/main" id="{EF695D95-B28C-4DC1-AEC6-F6C21582A9C8}"/>
+              </a:ext>
+            </a:extLst>
+          </p:cNvPr>
+          <p:cNvPicPr>
+            <a:picLocks noChangeAspect="1"/>
+          </p:cNvPicPr>
+          <p:nvPr/>
+        </p:nvPicPr>
+        <p:blipFill>
+          <a:blip r:embed="rId2"/>
+          <a:stretch>
+            <a:fillRect/>
+          </a:stretch>
+        </p:blipFill>
+        <p:spPr>
+          <a:xfrm>
+            <a:off x="887840" y="1203440"/>
+            <a:ext cx="9319002" cy="5411299"/>
+          </a:xfrm>
+          <a:prstGeom prst="rect">
+            <a:avLst/>
+          </a:prstGeom>
+        </p:spPr>
+      </p:pic>
+    </p:spTree>
+    <p:extLst>
+      <p:ext uri="{BB962C8B-B14F-4D97-AF65-F5344CB8AC3E}">
+        <p14:creationId xmlns:p14="http://schemas.microsoft.com/office/powerpoint/2010/main" val="3245817108"/>
+      </p:ext>
+    </p:extLst>
+  </p:cSld>
+  <p:clrMapOvr>
+    <a:masterClrMapping/>
+  </p:clrMapOvr>
+  <mc:AlternateContent xmlns:mc="http://schemas.openxmlformats.org/markup-compatibility/2006">
+    <mc:Choice xmlns:p14="http://schemas.microsoft.com/office/powerpoint/2010/main" Requires="p14">
+      <p:transition spd="med" p14:dur="700">
+        <p:fade/>
+      </p:transition>
+    </mc:Choice>
+    <mc:Fallback>
+      <p:transition spd="med">
+        <p:fade/>
+      </p:transition>
+    </mc:Fallback>
+  </mc:AlternateContent>
+</p:sld>
+</file>
+
+<file path=ppt/slides/slide19.xml><?xml version="1.0" encoding="utf-8"?>
+<p:sld xmlns:a="http://schemas.openxmlformats.org/drawingml/2006/main" xmlns:r="http://schemas.openxmlformats.org/officeDocument/2006/relationships" xmlns:p="http://schemas.openxmlformats.org/presentationml/2006/main">
+  <p:cSld>
+    <p:spTree>
+      <p:nvGrpSpPr>
+        <p:cNvPr id="1" name=""/>
+        <p:cNvGrpSpPr/>
+        <p:nvPr/>
+      </p:nvGrpSpPr>
+      <p:grpSpPr>
+        <a:xfrm>
+          <a:off x="0" y="0"/>
+          <a:ext cx="0" cy="0"/>
+          <a:chOff x="0" y="0"/>
+          <a:chExt cx="0" cy="0"/>
+        </a:xfrm>
+      </p:grpSpPr>
+      <p:sp>
+        <p:nvSpPr>
+          <p:cNvPr id="2" name="Titre 1">
+            <a:extLst>
+              <a:ext uri="{FF2B5EF4-FFF2-40B4-BE49-F238E27FC236}">
+                <a16:creationId xmlns:a16="http://schemas.microsoft.com/office/drawing/2014/main" id="{29E28387-065F-499C-BB7D-5A5F3140C86B}"/>
               </a:ext>
             </a:extLst>
           </p:cNvPr>
@@ -28791,72 +26184,44 @@
         </p:nvSpPr>
         <p:spPr/>
         <p:txBody>
-          <a:bodyPr rtlCol="0"/>
+          <a:bodyPr/>
           <a:lstStyle/>
           <a:p>
-            <a:pPr rtl="0"/>
-            <a:r>
-              <a:rPr lang="fr-FR"/>
-              <a:t>Personnaliser</a:t>
-            </a:r>
-            <a:r>
-              <a:rPr lang="fr-FR" i="1"/>
-              <a:t> </a:t>
-            </a:r>
-            <a:r>
-              <a:rPr lang="fr-FR"/>
-              <a:t>ce modèle</a:t>
-            </a:r>
+            <a:endParaRPr lang="fr-FR" dirty="0"/>
           </a:p>
         </p:txBody>
       </p:sp>
       <p:sp>
         <p:nvSpPr>
-          <p:cNvPr id="8" name="Zone de texte 7">
-            <a:hlinkClick r:id="rId3"/>
+          <p:cNvPr id="3" name="Espace réservé du texte 2">
             <a:extLst>
               <a:ext uri="{FF2B5EF4-FFF2-40B4-BE49-F238E27FC236}">
-                <a16:creationId xmlns:a16="http://schemas.microsoft.com/office/drawing/2014/main" id="{5FC6C278-4035-446A-A94B-030E792FDDF5}"/>
+                <a16:creationId xmlns:a16="http://schemas.microsoft.com/office/drawing/2014/main" id="{DD8F27FF-FEF8-480E-BBBF-B951A7F747DA}"/>
               </a:ext>
             </a:extLst>
           </p:cNvPr>
-          <p:cNvSpPr txBox="1"/>
-          <p:nvPr/>
+          <p:cNvSpPr>
+            <a:spLocks noGrp="1"/>
+          </p:cNvSpPr>
+          <p:nvPr>
+            <p:ph type="body" idx="1"/>
+          </p:nvPr>
         </p:nvSpPr>
-        <p:spPr>
-          <a:xfrm>
-            <a:off x="1547813" y="1997839"/>
-            <a:ext cx="9096374" cy="2862322"/>
-          </a:xfrm>
-          <a:prstGeom prst="rect">
-            <a:avLst/>
-          </a:prstGeom>
-          <a:noFill/>
-        </p:spPr>
+        <p:spPr/>
         <p:txBody>
-          <a:bodyPr wrap="square" rtlCol="0">
-            <a:spAutoFit/>
-          </a:bodyPr>
+          <a:bodyPr/>
           <a:lstStyle/>
           <a:p>
-            <a:pPr algn="ctr" rtl="0"/>
-            <a:r>
-              <a:rPr lang="fr-FR" sz="6000" u="sng">
-                <a:solidFill>
-                  <a:schemeClr val="bg1"/>
-                </a:solidFill>
-              </a:rPr>
-              <a:t>Instructions en matière de modification du modèle et commentaires</a:t>
-            </a:r>
+            <a:endParaRPr lang="fr-FR"/>
           </a:p>
         </p:txBody>
       </p:sp>
       <p:sp>
         <p:nvSpPr>
-          <p:cNvPr id="2" name="Espace réservé du numéro de diapositive 1">
+          <p:cNvPr id="4" name="Espace réservé du numéro de diapositive 3">
             <a:extLst>
               <a:ext uri="{FF2B5EF4-FFF2-40B4-BE49-F238E27FC236}">
-                <a16:creationId xmlns:a16="http://schemas.microsoft.com/office/drawing/2014/main" id="{6D90B5C6-1CB0-445E-99D1-8E2FE8C59B50}"/>
+                <a16:creationId xmlns:a16="http://schemas.microsoft.com/office/drawing/2014/main" id="{F26C918D-1895-4B2A-8B30-5C7928CA7500}"/>
               </a:ext>
             </a:extLst>
           </p:cNvPr>
@@ -28869,23 +26234,23 @@
         </p:nvSpPr>
         <p:spPr/>
         <p:txBody>
-          <a:bodyPr rtlCol="0"/>
+          <a:bodyPr/>
           <a:lstStyle/>
           <a:p>
             <a:pPr rtl="0"/>
             <a:fld id="{C263D6C4-4840-40CC-AC84-17E24B3B7BDE}" type="slidenum">
-              <a:rPr lang="fr-FR" smtClean="0"/>
+              <a:rPr lang="fr-FR" noProof="0" smtClean="0"/>
               <a:pPr rtl="0"/>
-              <a:t>15</a:t>
+              <a:t>19</a:t>
             </a:fld>
-            <a:endParaRPr lang="fr-FR"/>
+            <a:endParaRPr lang="fr-FR" noProof="0"/>
           </a:p>
         </p:txBody>
       </p:sp>
     </p:spTree>
     <p:extLst>
       <p:ext uri="{BB962C8B-B14F-4D97-AF65-F5344CB8AC3E}">
-        <p14:creationId xmlns:p14="http://schemas.microsoft.com/office/powerpoint/2010/main" val="59582380"/>
+        <p14:creationId xmlns:p14="http://schemas.microsoft.com/office/powerpoint/2010/main" val="75456890"/>
       </p:ext>
     </p:extLst>
   </p:cSld>
@@ -28931,7 +26296,7 @@
         <p:spPr>
           <a:xfrm>
             <a:off x="1263484" y="765562"/>
-            <a:ext cx="2648557" cy="535531"/>
+            <a:ext cx="4541323" cy="923330"/>
           </a:xfrm>
         </p:spPr>
         <p:txBody>
@@ -28940,7 +26305,7 @@
           <a:p>
             <a:pPr rtl="0"/>
             <a:r>
-              <a:rPr lang="fr-FR" dirty="0"/>
+              <a:rPr lang="fr-FR" sz="6000" dirty="0"/>
               <a:t>SOMMAIRE</a:t>
             </a:r>
           </a:p>
@@ -29082,6 +26447,764 @@
 </p:sld>
 </file>
 
+<file path=ppt/slides/slide20.xml><?xml version="1.0" encoding="utf-8"?>
+<p:sld xmlns:a="http://schemas.openxmlformats.org/drawingml/2006/main" xmlns:r="http://schemas.openxmlformats.org/officeDocument/2006/relationships" xmlns:p="http://schemas.openxmlformats.org/presentationml/2006/main">
+  <p:cSld>
+    <p:spTree>
+      <p:nvGrpSpPr>
+        <p:cNvPr id="1" name=""/>
+        <p:cNvGrpSpPr/>
+        <p:nvPr/>
+      </p:nvGrpSpPr>
+      <p:grpSpPr>
+        <a:xfrm>
+          <a:off x="0" y="0"/>
+          <a:ext cx="0" cy="0"/>
+          <a:chOff x="0" y="0"/>
+          <a:chExt cx="0" cy="0"/>
+        </a:xfrm>
+      </p:grpSpPr>
+      <p:sp>
+        <p:nvSpPr>
+          <p:cNvPr id="3" name="Espace réservé du numéro de diapositive 2">
+            <a:extLst>
+              <a:ext uri="{FF2B5EF4-FFF2-40B4-BE49-F238E27FC236}">
+                <a16:creationId xmlns:a16="http://schemas.microsoft.com/office/drawing/2014/main" id="{A9725ADC-BCDD-4746-A1F1-ED99E6D5F991}"/>
+              </a:ext>
+            </a:extLst>
+          </p:cNvPr>
+          <p:cNvSpPr>
+            <a:spLocks noGrp="1"/>
+          </p:cNvSpPr>
+          <p:nvPr>
+            <p:ph type="sldNum" sz="quarter" idx="12"/>
+          </p:nvPr>
+        </p:nvSpPr>
+        <p:spPr/>
+        <p:txBody>
+          <a:bodyPr/>
+          <a:lstStyle/>
+          <a:p>
+            <a:pPr rtl="0"/>
+            <a:fld id="{C263D6C4-4840-40CC-AC84-17E24B3B7BDE}" type="slidenum">
+              <a:rPr lang="fr-FR" noProof="0" smtClean="0"/>
+              <a:pPr rtl="0"/>
+              <a:t>20</a:t>
+            </a:fld>
+            <a:endParaRPr lang="fr-FR" noProof="0"/>
+          </a:p>
+        </p:txBody>
+      </p:sp>
+      <p:sp>
+        <p:nvSpPr>
+          <p:cNvPr id="4" name="Titre 3">
+            <a:extLst>
+              <a:ext uri="{FF2B5EF4-FFF2-40B4-BE49-F238E27FC236}">
+                <a16:creationId xmlns:a16="http://schemas.microsoft.com/office/drawing/2014/main" id="{8B8A2BA7-3A5C-4A6A-930D-5F0EABFE4D7F}"/>
+              </a:ext>
+            </a:extLst>
+          </p:cNvPr>
+          <p:cNvSpPr>
+            <a:spLocks noGrp="1"/>
+          </p:cNvSpPr>
+          <p:nvPr>
+            <p:ph type="title"/>
+          </p:nvPr>
+        </p:nvSpPr>
+        <p:spPr>
+          <a:xfrm>
+            <a:off x="1632204" y="3020786"/>
+            <a:ext cx="5291111" cy="605962"/>
+          </a:xfrm>
+        </p:spPr>
+        <p:txBody>
+          <a:bodyPr>
+            <a:noAutofit/>
+          </a:bodyPr>
+          <a:lstStyle/>
+          <a:p>
+            <a:r>
+              <a:rPr lang="fr-FR" sz="4800" dirty="0"/>
+              <a:t>Démonstration</a:t>
+            </a:r>
+          </a:p>
+        </p:txBody>
+      </p:sp>
+    </p:spTree>
+    <p:extLst>
+      <p:ext uri="{BB962C8B-B14F-4D97-AF65-F5344CB8AC3E}">
+        <p14:creationId xmlns:p14="http://schemas.microsoft.com/office/powerpoint/2010/main" val="2177696105"/>
+      </p:ext>
+    </p:extLst>
+  </p:cSld>
+  <p:clrMapOvr>
+    <a:masterClrMapping/>
+  </p:clrMapOvr>
+  <mc:AlternateContent xmlns:mc="http://schemas.openxmlformats.org/markup-compatibility/2006">
+    <mc:Choice xmlns:p14="http://schemas.microsoft.com/office/powerpoint/2010/main" Requires="p14">
+      <p:transition spd="slow" p14:dur="1500">
+        <p:split orient="vert"/>
+      </p:transition>
+    </mc:Choice>
+    <mc:Fallback>
+      <p:transition spd="slow">
+        <p:split orient="vert"/>
+      </p:transition>
+    </mc:Fallback>
+  </mc:AlternateContent>
+</p:sld>
+</file>
+
+<file path=ppt/slides/slide21.xml><?xml version="1.0" encoding="utf-8"?>
+<p:sld xmlns:a="http://schemas.openxmlformats.org/drawingml/2006/main" xmlns:r="http://schemas.openxmlformats.org/officeDocument/2006/relationships" xmlns:p="http://schemas.openxmlformats.org/presentationml/2006/main">
+  <p:cSld>
+    <p:spTree>
+      <p:nvGrpSpPr>
+        <p:cNvPr id="1" name=""/>
+        <p:cNvGrpSpPr/>
+        <p:nvPr/>
+      </p:nvGrpSpPr>
+      <p:grpSpPr>
+        <a:xfrm>
+          <a:off x="0" y="0"/>
+          <a:ext cx="0" cy="0"/>
+          <a:chOff x="0" y="0"/>
+          <a:chExt cx="0" cy="0"/>
+        </a:xfrm>
+      </p:grpSpPr>
+      <p:sp>
+        <p:nvSpPr>
+          <p:cNvPr id="2" name="Espace réservé du numéro de diapositive 1">
+            <a:extLst>
+              <a:ext uri="{FF2B5EF4-FFF2-40B4-BE49-F238E27FC236}">
+                <a16:creationId xmlns:a16="http://schemas.microsoft.com/office/drawing/2014/main" id="{8EDC7217-2779-44E0-9E6D-3B3879516A1D}"/>
+              </a:ext>
+            </a:extLst>
+          </p:cNvPr>
+          <p:cNvSpPr>
+            <a:spLocks noGrp="1"/>
+          </p:cNvSpPr>
+          <p:nvPr>
+            <p:ph type="sldNum" sz="quarter" idx="12"/>
+          </p:nvPr>
+        </p:nvSpPr>
+        <p:spPr/>
+        <p:txBody>
+          <a:bodyPr rtlCol="0"/>
+          <a:lstStyle/>
+          <a:p>
+            <a:pPr rtl="0"/>
+            <a:fld id="{C263D6C4-4840-40CC-AC84-17E24B3B7BDE}" type="slidenum">
+              <a:rPr lang="fr-FR" smtClean="0"/>
+              <a:pPr rtl="0"/>
+              <a:t>21</a:t>
+            </a:fld>
+            <a:endParaRPr lang="fr-FR"/>
+          </a:p>
+        </p:txBody>
+      </p:sp>
+      <p:sp>
+        <p:nvSpPr>
+          <p:cNvPr id="3" name="ZoneTexte 2">
+            <a:extLst>
+              <a:ext uri="{FF2B5EF4-FFF2-40B4-BE49-F238E27FC236}">
+                <a16:creationId xmlns:a16="http://schemas.microsoft.com/office/drawing/2014/main" id="{5BC29A2D-8A50-4B81-9DAB-3A5876D1FD8F}"/>
+              </a:ext>
+            </a:extLst>
+          </p:cNvPr>
+          <p:cNvSpPr txBox="1"/>
+          <p:nvPr/>
+        </p:nvSpPr>
+        <p:spPr>
+          <a:xfrm>
+            <a:off x="3298371" y="460169"/>
+            <a:ext cx="1980211" cy="830997"/>
+          </a:xfrm>
+          <a:prstGeom prst="rect">
+            <a:avLst/>
+          </a:prstGeom>
+          <a:noFill/>
+        </p:spPr>
+        <p:txBody>
+          <a:bodyPr wrap="square" rtlCol="0">
+            <a:spAutoFit/>
+          </a:bodyPr>
+          <a:lstStyle/>
+          <a:p>
+            <a:r>
+              <a:rPr lang="fr-FR" sz="4800" dirty="0">
+                <a:solidFill>
+                  <a:schemeClr val="bg1"/>
+                </a:solidFill>
+              </a:rPr>
+              <a:t>TODO</a:t>
+            </a:r>
+          </a:p>
+        </p:txBody>
+      </p:sp>
+      <p:sp>
+        <p:nvSpPr>
+          <p:cNvPr id="7" name="Espace réservé du texte 9">
+            <a:extLst>
+              <a:ext uri="{FF2B5EF4-FFF2-40B4-BE49-F238E27FC236}">
+                <a16:creationId xmlns:a16="http://schemas.microsoft.com/office/drawing/2014/main" id="{04591AA5-B247-47AA-9CA0-4C6FD846F8F5}"/>
+              </a:ext>
+            </a:extLst>
+          </p:cNvPr>
+          <p:cNvSpPr txBox="1">
+            <a:spLocks/>
+          </p:cNvSpPr>
+          <p:nvPr/>
+        </p:nvSpPr>
+        <p:spPr>
+          <a:xfrm>
+            <a:off x="3119155" y="1804524"/>
+            <a:ext cx="7353503" cy="4093243"/>
+          </a:xfrm>
+          <a:prstGeom prst="rect">
+            <a:avLst/>
+          </a:prstGeom>
+        </p:spPr>
+        <p:txBody>
+          <a:bodyPr rtlCol="0"/>
+          <a:lstStyle>
+            <a:lvl1pPr marL="228600" indent="-228600" algn="l" defTabSz="914400" rtl="0" eaLnBrk="1" latinLnBrk="0" hangingPunct="1">
+              <a:lnSpc>
+                <a:spcPct val="90000"/>
+              </a:lnSpc>
+              <a:spcBef>
+                <a:spcPts val="1000"/>
+              </a:spcBef>
+              <a:buClr>
+                <a:schemeClr val="accent2"/>
+              </a:buClr>
+              <a:buFont typeface="Arial" panose="020B0604020202020204" pitchFamily="34" charset="0"/>
+              <a:buChar char="•"/>
+              <a:defRPr sz="2800" kern="1200">
+                <a:solidFill>
+                  <a:schemeClr val="tx1"/>
+                </a:solidFill>
+                <a:latin typeface="+mn-lt"/>
+                <a:ea typeface="+mn-ea"/>
+                <a:cs typeface="+mn-cs"/>
+              </a:defRPr>
+            </a:lvl1pPr>
+            <a:lvl2pPr marL="685800" indent="-228600" algn="l" defTabSz="914400" rtl="0" eaLnBrk="1" latinLnBrk="0" hangingPunct="1">
+              <a:lnSpc>
+                <a:spcPct val="90000"/>
+              </a:lnSpc>
+              <a:spcBef>
+                <a:spcPts val="500"/>
+              </a:spcBef>
+              <a:buClr>
+                <a:schemeClr val="accent2"/>
+              </a:buClr>
+              <a:buFont typeface="Arial" panose="020B0604020202020204" pitchFamily="34" charset="0"/>
+              <a:buChar char="•"/>
+              <a:defRPr sz="2400" kern="1200">
+                <a:solidFill>
+                  <a:schemeClr val="tx1"/>
+                </a:solidFill>
+                <a:latin typeface="+mn-lt"/>
+                <a:ea typeface="+mn-ea"/>
+                <a:cs typeface="+mn-cs"/>
+              </a:defRPr>
+            </a:lvl2pPr>
+            <a:lvl3pPr marL="1143000" indent="-228600" algn="l" defTabSz="914400" rtl="0" eaLnBrk="1" latinLnBrk="0" hangingPunct="1">
+              <a:lnSpc>
+                <a:spcPct val="90000"/>
+              </a:lnSpc>
+              <a:spcBef>
+                <a:spcPts val="500"/>
+              </a:spcBef>
+              <a:buClr>
+                <a:schemeClr val="accent2"/>
+              </a:buClr>
+              <a:buFont typeface="Arial" panose="020B0604020202020204" pitchFamily="34" charset="0"/>
+              <a:buChar char="•"/>
+              <a:defRPr sz="2000" kern="1200">
+                <a:solidFill>
+                  <a:schemeClr val="tx1"/>
+                </a:solidFill>
+                <a:latin typeface="+mn-lt"/>
+                <a:ea typeface="+mn-ea"/>
+                <a:cs typeface="+mn-cs"/>
+              </a:defRPr>
+            </a:lvl3pPr>
+            <a:lvl4pPr marL="1600200" indent="-228600" algn="l" defTabSz="914400" rtl="0" eaLnBrk="1" latinLnBrk="0" hangingPunct="1">
+              <a:lnSpc>
+                <a:spcPct val="90000"/>
+              </a:lnSpc>
+              <a:spcBef>
+                <a:spcPts val="500"/>
+              </a:spcBef>
+              <a:buClr>
+                <a:schemeClr val="accent2"/>
+              </a:buClr>
+              <a:buFont typeface="Arial" panose="020B0604020202020204" pitchFamily="34" charset="0"/>
+              <a:buChar char="•"/>
+              <a:defRPr sz="1800" kern="1200">
+                <a:solidFill>
+                  <a:schemeClr val="tx1"/>
+                </a:solidFill>
+                <a:latin typeface="+mn-lt"/>
+                <a:ea typeface="+mn-ea"/>
+                <a:cs typeface="+mn-cs"/>
+              </a:defRPr>
+            </a:lvl4pPr>
+            <a:lvl5pPr marL="2057400" indent="-228600" algn="l" defTabSz="914400" rtl="0" eaLnBrk="1" latinLnBrk="0" hangingPunct="1">
+              <a:lnSpc>
+                <a:spcPct val="90000"/>
+              </a:lnSpc>
+              <a:spcBef>
+                <a:spcPts val="500"/>
+              </a:spcBef>
+              <a:buClr>
+                <a:schemeClr val="accent2"/>
+              </a:buClr>
+              <a:buFont typeface="Arial" panose="020B0604020202020204" pitchFamily="34" charset="0"/>
+              <a:buChar char="•"/>
+              <a:defRPr sz="1800" kern="1200">
+                <a:solidFill>
+                  <a:schemeClr val="tx1"/>
+                </a:solidFill>
+                <a:latin typeface="+mn-lt"/>
+                <a:ea typeface="+mn-ea"/>
+                <a:cs typeface="+mn-cs"/>
+              </a:defRPr>
+            </a:lvl5pPr>
+            <a:lvl6pPr marL="2514600" indent="-228600" algn="l" defTabSz="914400" rtl="0" eaLnBrk="1" latinLnBrk="0" hangingPunct="1">
+              <a:lnSpc>
+                <a:spcPct val="90000"/>
+              </a:lnSpc>
+              <a:spcBef>
+                <a:spcPts val="500"/>
+              </a:spcBef>
+              <a:buFont typeface="Arial" panose="020B0604020202020204" pitchFamily="34" charset="0"/>
+              <a:buChar char="•"/>
+              <a:defRPr sz="1800" kern="1200">
+                <a:solidFill>
+                  <a:schemeClr val="tx1"/>
+                </a:solidFill>
+                <a:latin typeface="+mn-lt"/>
+                <a:ea typeface="+mn-ea"/>
+                <a:cs typeface="+mn-cs"/>
+              </a:defRPr>
+            </a:lvl6pPr>
+            <a:lvl7pPr marL="2971800" indent="-228600" algn="l" defTabSz="914400" rtl="0" eaLnBrk="1" latinLnBrk="0" hangingPunct="1">
+              <a:lnSpc>
+                <a:spcPct val="90000"/>
+              </a:lnSpc>
+              <a:spcBef>
+                <a:spcPts val="500"/>
+              </a:spcBef>
+              <a:buFont typeface="Arial" panose="020B0604020202020204" pitchFamily="34" charset="0"/>
+              <a:buChar char="•"/>
+              <a:defRPr sz="1800" kern="1200">
+                <a:solidFill>
+                  <a:schemeClr val="tx1"/>
+                </a:solidFill>
+                <a:latin typeface="+mn-lt"/>
+                <a:ea typeface="+mn-ea"/>
+                <a:cs typeface="+mn-cs"/>
+              </a:defRPr>
+            </a:lvl7pPr>
+            <a:lvl8pPr marL="3429000" indent="-228600" algn="l" defTabSz="914400" rtl="0" eaLnBrk="1" latinLnBrk="0" hangingPunct="1">
+              <a:lnSpc>
+                <a:spcPct val="90000"/>
+              </a:lnSpc>
+              <a:spcBef>
+                <a:spcPts val="500"/>
+              </a:spcBef>
+              <a:buFont typeface="Arial" panose="020B0604020202020204" pitchFamily="34" charset="0"/>
+              <a:buChar char="•"/>
+              <a:defRPr sz="1800" kern="1200">
+                <a:solidFill>
+                  <a:schemeClr val="tx1"/>
+                </a:solidFill>
+                <a:latin typeface="+mn-lt"/>
+                <a:ea typeface="+mn-ea"/>
+                <a:cs typeface="+mn-cs"/>
+              </a:defRPr>
+            </a:lvl8pPr>
+            <a:lvl9pPr marL="3886200" indent="-228600" algn="l" defTabSz="914400" rtl="0" eaLnBrk="1" latinLnBrk="0" hangingPunct="1">
+              <a:lnSpc>
+                <a:spcPct val="90000"/>
+              </a:lnSpc>
+              <a:spcBef>
+                <a:spcPts val="500"/>
+              </a:spcBef>
+              <a:buFont typeface="Arial" panose="020B0604020202020204" pitchFamily="34" charset="0"/>
+              <a:buChar char="•"/>
+              <a:defRPr sz="1800" kern="1200">
+                <a:solidFill>
+                  <a:schemeClr val="tx1"/>
+                </a:solidFill>
+                <a:latin typeface="+mn-lt"/>
+                <a:ea typeface="+mn-ea"/>
+                <a:cs typeface="+mn-cs"/>
+              </a:defRPr>
+            </a:lvl9pPr>
+          </a:lstStyle>
+          <a:p>
+            <a:pPr lvl="1"/>
+            <a:endParaRPr lang="fr-FR" dirty="0"/>
+          </a:p>
+        </p:txBody>
+      </p:sp>
+      <p:sp>
+        <p:nvSpPr>
+          <p:cNvPr id="8" name="Espace réservé du texte 9">
+            <a:extLst>
+              <a:ext uri="{FF2B5EF4-FFF2-40B4-BE49-F238E27FC236}">
+                <a16:creationId xmlns:a16="http://schemas.microsoft.com/office/drawing/2014/main" id="{3FCC2F92-6710-4E0A-94B9-D06A74721085}"/>
+              </a:ext>
+            </a:extLst>
+          </p:cNvPr>
+          <p:cNvSpPr txBox="1">
+            <a:spLocks/>
+          </p:cNvSpPr>
+          <p:nvPr/>
+        </p:nvSpPr>
+        <p:spPr>
+          <a:xfrm>
+            <a:off x="3060864" y="2030155"/>
+            <a:ext cx="7353503" cy="4093243"/>
+          </a:xfrm>
+          <a:prstGeom prst="rect">
+            <a:avLst/>
+          </a:prstGeom>
+        </p:spPr>
+        <p:txBody>
+          <a:bodyPr rtlCol="0"/>
+          <a:lstStyle>
+            <a:lvl1pPr marL="228600" indent="-228600" algn="l" defTabSz="914400" rtl="0" eaLnBrk="1" latinLnBrk="0" hangingPunct="1">
+              <a:lnSpc>
+                <a:spcPct val="90000"/>
+              </a:lnSpc>
+              <a:spcBef>
+                <a:spcPts val="1000"/>
+              </a:spcBef>
+              <a:buClr>
+                <a:schemeClr val="accent2"/>
+              </a:buClr>
+              <a:buFont typeface="Arial" panose="020B0604020202020204" pitchFamily="34" charset="0"/>
+              <a:buChar char="•"/>
+              <a:defRPr sz="2800" kern="1200">
+                <a:solidFill>
+                  <a:schemeClr val="tx1"/>
+                </a:solidFill>
+                <a:latin typeface="+mn-lt"/>
+                <a:ea typeface="+mn-ea"/>
+                <a:cs typeface="+mn-cs"/>
+              </a:defRPr>
+            </a:lvl1pPr>
+            <a:lvl2pPr marL="685800" indent="-228600" algn="l" defTabSz="914400" rtl="0" eaLnBrk="1" latinLnBrk="0" hangingPunct="1">
+              <a:lnSpc>
+                <a:spcPct val="90000"/>
+              </a:lnSpc>
+              <a:spcBef>
+                <a:spcPts val="500"/>
+              </a:spcBef>
+              <a:buClr>
+                <a:schemeClr val="accent2"/>
+              </a:buClr>
+              <a:buFont typeface="Arial" panose="020B0604020202020204" pitchFamily="34" charset="0"/>
+              <a:buChar char="•"/>
+              <a:defRPr sz="2400" kern="1200">
+                <a:solidFill>
+                  <a:schemeClr val="tx1"/>
+                </a:solidFill>
+                <a:latin typeface="+mn-lt"/>
+                <a:ea typeface="+mn-ea"/>
+                <a:cs typeface="+mn-cs"/>
+              </a:defRPr>
+            </a:lvl2pPr>
+            <a:lvl3pPr marL="1143000" indent="-228600" algn="l" defTabSz="914400" rtl="0" eaLnBrk="1" latinLnBrk="0" hangingPunct="1">
+              <a:lnSpc>
+                <a:spcPct val="90000"/>
+              </a:lnSpc>
+              <a:spcBef>
+                <a:spcPts val="500"/>
+              </a:spcBef>
+              <a:buClr>
+                <a:schemeClr val="accent2"/>
+              </a:buClr>
+              <a:buFont typeface="Arial" panose="020B0604020202020204" pitchFamily="34" charset="0"/>
+              <a:buChar char="•"/>
+              <a:defRPr sz="2000" kern="1200">
+                <a:solidFill>
+                  <a:schemeClr val="tx1"/>
+                </a:solidFill>
+                <a:latin typeface="+mn-lt"/>
+                <a:ea typeface="+mn-ea"/>
+                <a:cs typeface="+mn-cs"/>
+              </a:defRPr>
+            </a:lvl3pPr>
+            <a:lvl4pPr marL="1600200" indent="-228600" algn="l" defTabSz="914400" rtl="0" eaLnBrk="1" latinLnBrk="0" hangingPunct="1">
+              <a:lnSpc>
+                <a:spcPct val="90000"/>
+              </a:lnSpc>
+              <a:spcBef>
+                <a:spcPts val="500"/>
+              </a:spcBef>
+              <a:buClr>
+                <a:schemeClr val="accent2"/>
+              </a:buClr>
+              <a:buFont typeface="Arial" panose="020B0604020202020204" pitchFamily="34" charset="0"/>
+              <a:buChar char="•"/>
+              <a:defRPr sz="1800" kern="1200">
+                <a:solidFill>
+                  <a:schemeClr val="tx1"/>
+                </a:solidFill>
+                <a:latin typeface="+mn-lt"/>
+                <a:ea typeface="+mn-ea"/>
+                <a:cs typeface="+mn-cs"/>
+              </a:defRPr>
+            </a:lvl4pPr>
+            <a:lvl5pPr marL="2057400" indent="-228600" algn="l" defTabSz="914400" rtl="0" eaLnBrk="1" latinLnBrk="0" hangingPunct="1">
+              <a:lnSpc>
+                <a:spcPct val="90000"/>
+              </a:lnSpc>
+              <a:spcBef>
+                <a:spcPts val="500"/>
+              </a:spcBef>
+              <a:buClr>
+                <a:schemeClr val="accent2"/>
+              </a:buClr>
+              <a:buFont typeface="Arial" panose="020B0604020202020204" pitchFamily="34" charset="0"/>
+              <a:buChar char="•"/>
+              <a:defRPr sz="1800" kern="1200">
+                <a:solidFill>
+                  <a:schemeClr val="tx1"/>
+                </a:solidFill>
+                <a:latin typeface="+mn-lt"/>
+                <a:ea typeface="+mn-ea"/>
+                <a:cs typeface="+mn-cs"/>
+              </a:defRPr>
+            </a:lvl5pPr>
+            <a:lvl6pPr marL="2514600" indent="-228600" algn="l" defTabSz="914400" rtl="0" eaLnBrk="1" latinLnBrk="0" hangingPunct="1">
+              <a:lnSpc>
+                <a:spcPct val="90000"/>
+              </a:lnSpc>
+              <a:spcBef>
+                <a:spcPts val="500"/>
+              </a:spcBef>
+              <a:buFont typeface="Arial" panose="020B0604020202020204" pitchFamily="34" charset="0"/>
+              <a:buChar char="•"/>
+              <a:defRPr sz="1800" kern="1200">
+                <a:solidFill>
+                  <a:schemeClr val="tx1"/>
+                </a:solidFill>
+                <a:latin typeface="+mn-lt"/>
+                <a:ea typeface="+mn-ea"/>
+                <a:cs typeface="+mn-cs"/>
+              </a:defRPr>
+            </a:lvl6pPr>
+            <a:lvl7pPr marL="2971800" indent="-228600" algn="l" defTabSz="914400" rtl="0" eaLnBrk="1" latinLnBrk="0" hangingPunct="1">
+              <a:lnSpc>
+                <a:spcPct val="90000"/>
+              </a:lnSpc>
+              <a:spcBef>
+                <a:spcPts val="500"/>
+              </a:spcBef>
+              <a:buFont typeface="Arial" panose="020B0604020202020204" pitchFamily="34" charset="0"/>
+              <a:buChar char="•"/>
+              <a:defRPr sz="1800" kern="1200">
+                <a:solidFill>
+                  <a:schemeClr val="tx1"/>
+                </a:solidFill>
+                <a:latin typeface="+mn-lt"/>
+                <a:ea typeface="+mn-ea"/>
+                <a:cs typeface="+mn-cs"/>
+              </a:defRPr>
+            </a:lvl7pPr>
+            <a:lvl8pPr marL="3429000" indent="-228600" algn="l" defTabSz="914400" rtl="0" eaLnBrk="1" latinLnBrk="0" hangingPunct="1">
+              <a:lnSpc>
+                <a:spcPct val="90000"/>
+              </a:lnSpc>
+              <a:spcBef>
+                <a:spcPts val="500"/>
+              </a:spcBef>
+              <a:buFont typeface="Arial" panose="020B0604020202020204" pitchFamily="34" charset="0"/>
+              <a:buChar char="•"/>
+              <a:defRPr sz="1800" kern="1200">
+                <a:solidFill>
+                  <a:schemeClr val="tx1"/>
+                </a:solidFill>
+                <a:latin typeface="+mn-lt"/>
+                <a:ea typeface="+mn-ea"/>
+                <a:cs typeface="+mn-cs"/>
+              </a:defRPr>
+            </a:lvl8pPr>
+            <a:lvl9pPr marL="3886200" indent="-228600" algn="l" defTabSz="914400" rtl="0" eaLnBrk="1" latinLnBrk="0" hangingPunct="1">
+              <a:lnSpc>
+                <a:spcPct val="90000"/>
+              </a:lnSpc>
+              <a:spcBef>
+                <a:spcPts val="500"/>
+              </a:spcBef>
+              <a:buFont typeface="Arial" panose="020B0604020202020204" pitchFamily="34" charset="0"/>
+              <a:buChar char="•"/>
+              <a:defRPr sz="1800" kern="1200">
+                <a:solidFill>
+                  <a:schemeClr val="tx1"/>
+                </a:solidFill>
+                <a:latin typeface="+mn-lt"/>
+                <a:ea typeface="+mn-ea"/>
+                <a:cs typeface="+mn-cs"/>
+              </a:defRPr>
+            </a:lvl9pPr>
+          </a:lstStyle>
+          <a:p>
+            <a:pPr lvl="1"/>
+            <a:r>
+              <a:rPr lang="fr-FR" dirty="0">
+                <a:solidFill>
+                  <a:schemeClr val="bg1"/>
+                </a:solidFill>
+              </a:rPr>
+              <a:t>Rendre la page de connexion plus belle</a:t>
+            </a:r>
+          </a:p>
+          <a:p>
+            <a:pPr lvl="1"/>
+            <a:r>
+              <a:rPr lang="fr-FR" dirty="0">
+                <a:solidFill>
+                  <a:schemeClr val="bg1"/>
+                </a:solidFill>
+              </a:rPr>
+              <a:t>Empêcher de pouvoir rentrer 2 fois le même dieu</a:t>
+            </a:r>
+          </a:p>
+          <a:p>
+            <a:pPr lvl="1"/>
+            <a:r>
+              <a:rPr lang="fr-FR" dirty="0">
+                <a:solidFill>
+                  <a:schemeClr val="bg1"/>
+                </a:solidFill>
+              </a:rPr>
+              <a:t>Toute la partie CRUD sur les objets</a:t>
+            </a:r>
+          </a:p>
+          <a:p>
+            <a:pPr lvl="1"/>
+            <a:r>
+              <a:rPr lang="fr-FR" dirty="0">
+                <a:solidFill>
+                  <a:schemeClr val="bg1"/>
+                </a:solidFill>
+              </a:rPr>
+              <a:t>Limiter le nombre de dieux affichés et créer une pagination en AJAX</a:t>
+            </a:r>
+          </a:p>
+          <a:p>
+            <a:pPr lvl="1"/>
+            <a:endParaRPr lang="fr-FR" dirty="0">
+              <a:solidFill>
+                <a:schemeClr val="bg1"/>
+              </a:solidFill>
+            </a:endParaRPr>
+          </a:p>
+          <a:p>
+            <a:pPr lvl="1"/>
+            <a:endParaRPr lang="fr-FR" dirty="0">
+              <a:solidFill>
+                <a:schemeClr val="bg1"/>
+              </a:solidFill>
+            </a:endParaRPr>
+          </a:p>
+        </p:txBody>
+      </p:sp>
+    </p:spTree>
+    <p:extLst>
+      <p:ext uri="{BB962C8B-B14F-4D97-AF65-F5344CB8AC3E}">
+        <p14:creationId xmlns:p14="http://schemas.microsoft.com/office/powerpoint/2010/main" val="914134537"/>
+      </p:ext>
+    </p:extLst>
+  </p:cSld>
+  <p:clrMapOvr>
+    <a:masterClrMapping/>
+  </p:clrMapOvr>
+  <mc:AlternateContent xmlns:mc="http://schemas.openxmlformats.org/markup-compatibility/2006" xmlns:p14="http://schemas.microsoft.com/office/powerpoint/2010/main">
+    <mc:Choice Requires="p14">
+      <p:transition spd="med" p14:dur="700">
+        <p:fade/>
+      </p:transition>
+    </mc:Choice>
+    <mc:Fallback xmlns="">
+      <p:transition spd="med">
+        <p:fade/>
+      </p:transition>
+    </mc:Fallback>
+  </mc:AlternateContent>
+</p:sld>
+</file>
+
+<file path=ppt/slides/slide22.xml><?xml version="1.0" encoding="utf-8"?>
+<p:sld xmlns:a="http://schemas.openxmlformats.org/drawingml/2006/main" xmlns:r="http://schemas.openxmlformats.org/officeDocument/2006/relationships" xmlns:p="http://schemas.openxmlformats.org/presentationml/2006/main">
+  <p:cSld>
+    <p:spTree>
+      <p:nvGrpSpPr>
+        <p:cNvPr id="1" name=""/>
+        <p:cNvGrpSpPr/>
+        <p:nvPr/>
+      </p:nvGrpSpPr>
+      <p:grpSpPr>
+        <a:xfrm>
+          <a:off x="0" y="0"/>
+          <a:ext cx="0" cy="0"/>
+          <a:chOff x="0" y="0"/>
+          <a:chExt cx="0" cy="0"/>
+        </a:xfrm>
+      </p:grpSpPr>
+      <p:sp>
+        <p:nvSpPr>
+          <p:cNvPr id="2" name="Titre 1">
+            <a:extLst>
+              <a:ext uri="{FF2B5EF4-FFF2-40B4-BE49-F238E27FC236}">
+                <a16:creationId xmlns:a16="http://schemas.microsoft.com/office/drawing/2014/main" id="{632BE5BF-9922-45FB-8F3F-4446D40A051B}"/>
+              </a:ext>
+            </a:extLst>
+          </p:cNvPr>
+          <p:cNvSpPr>
+            <a:spLocks noGrp="1"/>
+          </p:cNvSpPr>
+          <p:nvPr>
+            <p:ph type="ctrTitle"/>
+          </p:nvPr>
+        </p:nvSpPr>
+        <p:spPr/>
+        <p:txBody>
+          <a:bodyPr rtlCol="0"/>
+          <a:lstStyle/>
+          <a:p>
+            <a:pPr rtl="0"/>
+            <a:r>
+              <a:rPr lang="fr-FR"/>
+              <a:t>Merci</a:t>
+            </a:r>
+          </a:p>
+        </p:txBody>
+      </p:sp>
+    </p:spTree>
+    <p:extLst>
+      <p:ext uri="{BB962C8B-B14F-4D97-AF65-F5344CB8AC3E}">
+        <p14:creationId xmlns:p14="http://schemas.microsoft.com/office/powerpoint/2010/main" val="44069682"/>
+      </p:ext>
+    </p:extLst>
+  </p:cSld>
+  <p:clrMapOvr>
+    <a:masterClrMapping/>
+  </p:clrMapOvr>
+  <p:transition spd="slow">
+    <p:wipe/>
+  </p:transition>
+</p:sld>
+</file>
+
 <file path=ppt/slides/slide3.xml><?xml version="1.0" encoding="utf-8"?>
 <p:sld xmlns:a="http://schemas.openxmlformats.org/drawingml/2006/main" xmlns:r="http://schemas.openxmlformats.org/officeDocument/2006/relationships" xmlns:p="http://schemas.openxmlformats.org/presentationml/2006/main">
   <p:cSld>
@@ -29117,19 +27240,26 @@
         </p:nvSpPr>
         <p:spPr>
           <a:xfrm>
-            <a:off x="1351229" y="843078"/>
-            <a:ext cx="7222185" cy="859055"/>
+            <a:off x="1470451" y="629093"/>
+            <a:ext cx="4625549" cy="631340"/>
           </a:xfrm>
         </p:spPr>
         <p:txBody>
-          <a:bodyPr rtlCol="0"/>
+          <a:bodyPr rtlCol="0">
+            <a:normAutofit fontScale="90000"/>
+          </a:bodyPr>
           <a:lstStyle/>
           <a:p>
             <a:pPr rtl="0"/>
             <a:r>
-              <a:rPr lang="fr-FR" dirty="0"/>
-              <a:t>Premier Projet</a:t>
+              <a:rPr lang="fr-FR" sz="4000" dirty="0"/>
+              <a:t>L’entreprise </a:t>
             </a:r>
+            <a:r>
+              <a:rPr lang="fr-FR" sz="4000" dirty="0" err="1"/>
+              <a:t>Ibloo</a:t>
+            </a:r>
+            <a:endParaRPr lang="fr-FR" sz="4000" dirty="0"/>
           </a:p>
         </p:txBody>
       </p:sp>
@@ -29149,13 +27279,32 @@
             <p:ph type="body" idx="1"/>
           </p:nvPr>
         </p:nvSpPr>
-        <p:spPr/>
+        <p:spPr>
+          <a:xfrm>
+            <a:off x="1470452" y="4422437"/>
+            <a:ext cx="6803136" cy="1490800"/>
+          </a:xfrm>
+        </p:spPr>
         <p:txBody>
           <a:bodyPr rtlCol="0"/>
           <a:lstStyle/>
           <a:p>
             <a:pPr rtl="0"/>
+            <a:r>
+              <a:rPr lang="fr-FR" dirty="0"/>
+              <a:t>Installeur de fibre optique par tout en France </a:t>
+            </a:r>
+          </a:p>
+          <a:p>
+            <a:pPr rtl="0"/>
             <a:endParaRPr lang="fr-FR" dirty="0"/>
+          </a:p>
+          <a:p>
+            <a:pPr rtl="0"/>
+            <a:r>
+              <a:rPr lang="fr-FR" dirty="0"/>
+              <a:t>Entreprise basé à Tours</a:t>
+            </a:r>
           </a:p>
         </p:txBody>
       </p:sp>
@@ -29190,6 +27339,36 @@
           </a:p>
         </p:txBody>
       </p:sp>
+      <p:pic>
+        <p:nvPicPr>
+          <p:cNvPr id="6" name="Image 5">
+            <a:extLst>
+              <a:ext uri="{FF2B5EF4-FFF2-40B4-BE49-F238E27FC236}">
+                <a16:creationId xmlns:a16="http://schemas.microsoft.com/office/drawing/2014/main" id="{3F3D3D63-FFA6-416D-8DFF-E7B99AB156FC}"/>
+              </a:ext>
+            </a:extLst>
+          </p:cNvPr>
+          <p:cNvPicPr>
+            <a:picLocks noChangeAspect="1"/>
+          </p:cNvPicPr>
+          <p:nvPr/>
+        </p:nvPicPr>
+        <p:blipFill>
+          <a:blip r:embed="rId3"/>
+          <a:stretch>
+            <a:fillRect/>
+          </a:stretch>
+        </p:blipFill>
+        <p:spPr>
+          <a:xfrm>
+            <a:off x="1470452" y="1690163"/>
+            <a:ext cx="4625548" cy="2294705"/>
+          </a:xfrm>
+          <a:prstGeom prst="rect">
+            <a:avLst/>
+          </a:prstGeom>
+        </p:spPr>
+      </p:pic>
     </p:spTree>
     <p:extLst>
       <p:ext uri="{BB962C8B-B14F-4D97-AF65-F5344CB8AC3E}">
@@ -29232,31 +27411,6 @@
           <a:chExt cx="0" cy="0"/>
         </a:xfrm>
       </p:grpSpPr>
-      <p:sp>
-        <p:nvSpPr>
-          <p:cNvPr id="2" name="Espace réservé du texte 1">
-            <a:extLst>
-              <a:ext uri="{FF2B5EF4-FFF2-40B4-BE49-F238E27FC236}">
-                <a16:creationId xmlns:a16="http://schemas.microsoft.com/office/drawing/2014/main" id="{CD21EFD2-D8F2-4D34-A11A-8D1B9FA60242}"/>
-              </a:ext>
-            </a:extLst>
-          </p:cNvPr>
-          <p:cNvSpPr>
-            <a:spLocks noGrp="1"/>
-          </p:cNvSpPr>
-          <p:nvPr>
-            <p:ph type="body" idx="1"/>
-          </p:nvPr>
-        </p:nvSpPr>
-        <p:spPr/>
-        <p:txBody>
-          <a:bodyPr/>
-          <a:lstStyle/>
-          <a:p>
-            <a:endParaRPr lang="fr-FR"/>
-          </a:p>
-        </p:txBody>
-      </p:sp>
       <p:sp>
         <p:nvSpPr>
           <p:cNvPr id="3" name="Espace réservé du numéro de diapositive 2">
@@ -29304,15 +27458,59 @@
             <p:ph type="title"/>
           </p:nvPr>
         </p:nvSpPr>
-        <p:spPr/>
+        <p:spPr>
+          <a:xfrm>
+            <a:off x="1248482" y="636816"/>
+            <a:ext cx="7781544" cy="1699976"/>
+          </a:xfrm>
+        </p:spPr>
         <p:txBody>
-          <a:bodyPr/>
+          <a:bodyPr>
+            <a:noAutofit/>
+          </a:bodyPr>
           <a:lstStyle/>
           <a:p>
-            <a:endParaRPr lang="fr-FR"/>
+            <a:r>
+              <a:rPr lang="fr-FR" sz="3600" dirty="0"/>
+              <a:t>Projet « Test de l’éligibilité via la géolocalisation »</a:t>
+            </a:r>
+            <a:br>
+              <a:rPr lang="fr-FR" sz="3200" dirty="0"/>
+            </a:br>
+            <a:endParaRPr lang="fr-FR" sz="3200" dirty="0"/>
           </a:p>
         </p:txBody>
       </p:sp>
+      <p:pic>
+        <p:nvPicPr>
+          <p:cNvPr id="6" name="Image 5">
+            <a:extLst>
+              <a:ext uri="{FF2B5EF4-FFF2-40B4-BE49-F238E27FC236}">
+                <a16:creationId xmlns:a16="http://schemas.microsoft.com/office/drawing/2014/main" id="{2D18C99F-5A48-4CAB-AC37-83EE35526A29}"/>
+              </a:ext>
+            </a:extLst>
+          </p:cNvPr>
+          <p:cNvPicPr>
+            <a:picLocks noChangeAspect="1"/>
+          </p:cNvPicPr>
+          <p:nvPr/>
+        </p:nvPicPr>
+        <p:blipFill>
+          <a:blip r:embed="rId2"/>
+          <a:stretch>
+            <a:fillRect/>
+          </a:stretch>
+        </p:blipFill>
+        <p:spPr>
+          <a:xfrm>
+            <a:off x="1367754" y="1951189"/>
+            <a:ext cx="7903028" cy="4729011"/>
+          </a:xfrm>
+          <a:prstGeom prst="rect">
+            <a:avLst/>
+          </a:prstGeom>
+        </p:spPr>
+      </p:pic>
     </p:spTree>
     <p:extLst>
       <p:ext uri="{BB962C8B-B14F-4D97-AF65-F5344CB8AC3E}">
@@ -29323,10 +27521,564 @@
   <p:clrMapOvr>
     <a:masterClrMapping/>
   </p:clrMapOvr>
+  <mc:AlternateContent xmlns:mc="http://schemas.openxmlformats.org/markup-compatibility/2006">
+    <mc:Choice xmlns:p14="http://schemas.microsoft.com/office/powerpoint/2010/main" Requires="p14">
+      <p:transition spd="med" p14:dur="700">
+        <p:fade/>
+      </p:transition>
+    </mc:Choice>
+    <mc:Fallback>
+      <p:transition spd="med">
+        <p:fade/>
+      </p:transition>
+    </mc:Fallback>
+  </mc:AlternateContent>
 </p:sld>
 </file>
 
 <file path=ppt/slides/slide5.xml><?xml version="1.0" encoding="utf-8"?>
+<p:sld xmlns:a="http://schemas.openxmlformats.org/drawingml/2006/main" xmlns:r="http://schemas.openxmlformats.org/officeDocument/2006/relationships" xmlns:p="http://schemas.openxmlformats.org/presentationml/2006/main">
+  <p:cSld>
+    <p:spTree>
+      <p:nvGrpSpPr>
+        <p:cNvPr id="1" name=""/>
+        <p:cNvGrpSpPr/>
+        <p:nvPr/>
+      </p:nvGrpSpPr>
+      <p:grpSpPr>
+        <a:xfrm>
+          <a:off x="0" y="0"/>
+          <a:ext cx="0" cy="0"/>
+          <a:chOff x="0" y="0"/>
+          <a:chExt cx="0" cy="0"/>
+        </a:xfrm>
+      </p:grpSpPr>
+      <p:sp>
+        <p:nvSpPr>
+          <p:cNvPr id="3" name="Espace réservé du numéro de diapositive 2">
+            <a:extLst>
+              <a:ext uri="{FF2B5EF4-FFF2-40B4-BE49-F238E27FC236}">
+                <a16:creationId xmlns:a16="http://schemas.microsoft.com/office/drawing/2014/main" id="{4A828734-B4CC-4BC8-A9EE-0E784ACDA51B}"/>
+              </a:ext>
+            </a:extLst>
+          </p:cNvPr>
+          <p:cNvSpPr>
+            <a:spLocks noGrp="1"/>
+          </p:cNvSpPr>
+          <p:nvPr>
+            <p:ph type="sldNum" sz="quarter" idx="12"/>
+          </p:nvPr>
+        </p:nvSpPr>
+        <p:spPr/>
+        <p:txBody>
+          <a:bodyPr/>
+          <a:lstStyle/>
+          <a:p>
+            <a:pPr rtl="0"/>
+            <a:fld id="{C263D6C4-4840-40CC-AC84-17E24B3B7BDE}" type="slidenum">
+              <a:rPr lang="fr-FR" noProof="0" smtClean="0"/>
+              <a:pPr rtl="0"/>
+              <a:t>5</a:t>
+            </a:fld>
+            <a:endParaRPr lang="fr-FR" noProof="0"/>
+          </a:p>
+        </p:txBody>
+      </p:sp>
+      <p:pic>
+        <p:nvPicPr>
+          <p:cNvPr id="6" name="Image 5">
+            <a:extLst>
+              <a:ext uri="{FF2B5EF4-FFF2-40B4-BE49-F238E27FC236}">
+                <a16:creationId xmlns:a16="http://schemas.microsoft.com/office/drawing/2014/main" id="{D330CF92-C28B-4CB5-86C4-E3DE1B1AF412}"/>
+              </a:ext>
+            </a:extLst>
+          </p:cNvPr>
+          <p:cNvPicPr>
+            <a:picLocks noChangeAspect="1"/>
+          </p:cNvPicPr>
+          <p:nvPr/>
+        </p:nvPicPr>
+        <p:blipFill>
+          <a:blip r:embed="rId2"/>
+          <a:stretch>
+            <a:fillRect/>
+          </a:stretch>
+        </p:blipFill>
+        <p:spPr>
+          <a:xfrm>
+            <a:off x="598714" y="472394"/>
+            <a:ext cx="10994572" cy="6025243"/>
+          </a:xfrm>
+          <a:prstGeom prst="rect">
+            <a:avLst/>
+          </a:prstGeom>
+        </p:spPr>
+      </p:pic>
+    </p:spTree>
+    <p:extLst>
+      <p:ext uri="{BB962C8B-B14F-4D97-AF65-F5344CB8AC3E}">
+        <p14:creationId xmlns:p14="http://schemas.microsoft.com/office/powerpoint/2010/main" val="1373549823"/>
+      </p:ext>
+    </p:extLst>
+  </p:cSld>
+  <p:clrMapOvr>
+    <a:masterClrMapping/>
+  </p:clrMapOvr>
+  <mc:AlternateContent xmlns:mc="http://schemas.openxmlformats.org/markup-compatibility/2006">
+    <mc:Choice xmlns:p14="http://schemas.microsoft.com/office/powerpoint/2010/main" Requires="p14">
+      <p:transition spd="med" p14:dur="700">
+        <p:fade/>
+      </p:transition>
+    </mc:Choice>
+    <mc:Fallback>
+      <p:transition spd="med">
+        <p:fade/>
+      </p:transition>
+    </mc:Fallback>
+  </mc:AlternateContent>
+</p:sld>
+</file>
+
+<file path=ppt/slides/slide6.xml><?xml version="1.0" encoding="utf-8"?>
+<p:sld xmlns:a="http://schemas.openxmlformats.org/drawingml/2006/main" xmlns:r="http://schemas.openxmlformats.org/officeDocument/2006/relationships" xmlns:p="http://schemas.openxmlformats.org/presentationml/2006/main">
+  <p:cSld>
+    <p:spTree>
+      <p:nvGrpSpPr>
+        <p:cNvPr id="1" name=""/>
+        <p:cNvGrpSpPr/>
+        <p:nvPr/>
+      </p:nvGrpSpPr>
+      <p:grpSpPr>
+        <a:xfrm>
+          <a:off x="0" y="0"/>
+          <a:ext cx="0" cy="0"/>
+          <a:chOff x="0" y="0"/>
+          <a:chExt cx="0" cy="0"/>
+        </a:xfrm>
+      </p:grpSpPr>
+      <p:sp>
+        <p:nvSpPr>
+          <p:cNvPr id="3" name="Espace réservé du numéro de diapositive 2">
+            <a:extLst>
+              <a:ext uri="{FF2B5EF4-FFF2-40B4-BE49-F238E27FC236}">
+                <a16:creationId xmlns:a16="http://schemas.microsoft.com/office/drawing/2014/main" id="{8A5649A4-3229-4CE3-BC2F-73C4FB5907C6}"/>
+              </a:ext>
+            </a:extLst>
+          </p:cNvPr>
+          <p:cNvSpPr>
+            <a:spLocks noGrp="1"/>
+          </p:cNvSpPr>
+          <p:nvPr>
+            <p:ph type="sldNum" sz="quarter" idx="12"/>
+          </p:nvPr>
+        </p:nvSpPr>
+        <p:spPr/>
+        <p:txBody>
+          <a:bodyPr/>
+          <a:lstStyle/>
+          <a:p>
+            <a:pPr rtl="0"/>
+            <a:fld id="{C263D6C4-4840-40CC-AC84-17E24B3B7BDE}" type="slidenum">
+              <a:rPr lang="fr-FR" noProof="0" smtClean="0"/>
+              <a:pPr rtl="0"/>
+              <a:t>6</a:t>
+            </a:fld>
+            <a:endParaRPr lang="fr-FR" noProof="0"/>
+          </a:p>
+        </p:txBody>
+      </p:sp>
+      <p:pic>
+        <p:nvPicPr>
+          <p:cNvPr id="6" name="Image 5">
+            <a:extLst>
+              <a:ext uri="{FF2B5EF4-FFF2-40B4-BE49-F238E27FC236}">
+                <a16:creationId xmlns:a16="http://schemas.microsoft.com/office/drawing/2014/main" id="{CCE3B036-2837-4736-A359-3FBD48CE2317}"/>
+              </a:ext>
+            </a:extLst>
+          </p:cNvPr>
+          <p:cNvPicPr>
+            <a:picLocks noChangeAspect="1"/>
+          </p:cNvPicPr>
+          <p:nvPr/>
+        </p:nvPicPr>
+        <p:blipFill>
+          <a:blip r:embed="rId2"/>
+          <a:stretch>
+            <a:fillRect/>
+          </a:stretch>
+        </p:blipFill>
+        <p:spPr>
+          <a:xfrm>
+            <a:off x="277798" y="1347384"/>
+            <a:ext cx="5818202" cy="4571723"/>
+          </a:xfrm>
+          <a:prstGeom prst="rect">
+            <a:avLst/>
+          </a:prstGeom>
+        </p:spPr>
+      </p:pic>
+      <p:pic>
+        <p:nvPicPr>
+          <p:cNvPr id="8" name="Image 7">
+            <a:extLst>
+              <a:ext uri="{FF2B5EF4-FFF2-40B4-BE49-F238E27FC236}">
+                <a16:creationId xmlns:a16="http://schemas.microsoft.com/office/drawing/2014/main" id="{DA28F833-5C22-42CE-B832-5A684796A10A}"/>
+              </a:ext>
+            </a:extLst>
+          </p:cNvPr>
+          <p:cNvPicPr>
+            <a:picLocks noChangeAspect="1"/>
+          </p:cNvPicPr>
+          <p:nvPr/>
+        </p:nvPicPr>
+        <p:blipFill>
+          <a:blip r:embed="rId3"/>
+          <a:stretch>
+            <a:fillRect/>
+          </a:stretch>
+        </p:blipFill>
+        <p:spPr>
+          <a:xfrm>
+            <a:off x="6324570" y="1347384"/>
+            <a:ext cx="5589632" cy="4571723"/>
+          </a:xfrm>
+          <a:prstGeom prst="rect">
+            <a:avLst/>
+          </a:prstGeom>
+        </p:spPr>
+      </p:pic>
+    </p:spTree>
+    <p:extLst>
+      <p:ext uri="{BB962C8B-B14F-4D97-AF65-F5344CB8AC3E}">
+        <p14:creationId xmlns:p14="http://schemas.microsoft.com/office/powerpoint/2010/main" val="3553068814"/>
+      </p:ext>
+    </p:extLst>
+  </p:cSld>
+  <p:clrMapOvr>
+    <a:masterClrMapping/>
+  </p:clrMapOvr>
+  <mc:AlternateContent xmlns:mc="http://schemas.openxmlformats.org/markup-compatibility/2006">
+    <mc:Choice xmlns:p14="http://schemas.microsoft.com/office/powerpoint/2010/main" Requires="p14">
+      <p:transition spd="med" p14:dur="700">
+        <p:fade/>
+      </p:transition>
+    </mc:Choice>
+    <mc:Fallback>
+      <p:transition spd="med">
+        <p:fade/>
+      </p:transition>
+    </mc:Fallback>
+  </mc:AlternateContent>
+</p:sld>
+</file>
+
+<file path=ppt/slides/slide7.xml><?xml version="1.0" encoding="utf-8"?>
+<p:sld xmlns:a="http://schemas.openxmlformats.org/drawingml/2006/main" xmlns:r="http://schemas.openxmlformats.org/officeDocument/2006/relationships" xmlns:p="http://schemas.openxmlformats.org/presentationml/2006/main">
+  <p:cSld>
+    <p:spTree>
+      <p:nvGrpSpPr>
+        <p:cNvPr id="1" name=""/>
+        <p:cNvGrpSpPr/>
+        <p:nvPr/>
+      </p:nvGrpSpPr>
+      <p:grpSpPr>
+        <a:xfrm>
+          <a:off x="0" y="0"/>
+          <a:ext cx="0" cy="0"/>
+          <a:chOff x="0" y="0"/>
+          <a:chExt cx="0" cy="0"/>
+        </a:xfrm>
+      </p:grpSpPr>
+      <p:sp>
+        <p:nvSpPr>
+          <p:cNvPr id="3" name="Espace réservé du numéro de diapositive 2">
+            <a:extLst>
+              <a:ext uri="{FF2B5EF4-FFF2-40B4-BE49-F238E27FC236}">
+                <a16:creationId xmlns:a16="http://schemas.microsoft.com/office/drawing/2014/main" id="{7E0DD641-4859-4605-9581-9D0B9FC1183D}"/>
+              </a:ext>
+            </a:extLst>
+          </p:cNvPr>
+          <p:cNvSpPr>
+            <a:spLocks noGrp="1"/>
+          </p:cNvSpPr>
+          <p:nvPr>
+            <p:ph type="sldNum" sz="quarter" idx="12"/>
+          </p:nvPr>
+        </p:nvSpPr>
+        <p:spPr/>
+        <p:txBody>
+          <a:bodyPr/>
+          <a:lstStyle/>
+          <a:p>
+            <a:pPr rtl="0"/>
+            <a:fld id="{C263D6C4-4840-40CC-AC84-17E24B3B7BDE}" type="slidenum">
+              <a:rPr lang="fr-FR" noProof="0" smtClean="0"/>
+              <a:pPr rtl="0"/>
+              <a:t>7</a:t>
+            </a:fld>
+            <a:endParaRPr lang="fr-FR" noProof="0"/>
+          </a:p>
+        </p:txBody>
+      </p:sp>
+      <p:sp>
+        <p:nvSpPr>
+          <p:cNvPr id="4" name="Titre 3">
+            <a:extLst>
+              <a:ext uri="{FF2B5EF4-FFF2-40B4-BE49-F238E27FC236}">
+                <a16:creationId xmlns:a16="http://schemas.microsoft.com/office/drawing/2014/main" id="{69BB6A77-2F1D-4F80-9BEE-77CF5BD8DEA0}"/>
+              </a:ext>
+            </a:extLst>
+          </p:cNvPr>
+          <p:cNvSpPr>
+            <a:spLocks noGrp="1"/>
+          </p:cNvSpPr>
+          <p:nvPr>
+            <p:ph type="title"/>
+          </p:nvPr>
+        </p:nvSpPr>
+        <p:spPr>
+          <a:xfrm>
+            <a:off x="1436262" y="767442"/>
+            <a:ext cx="4659738" cy="524319"/>
+          </a:xfrm>
+        </p:spPr>
+        <p:txBody>
+          <a:bodyPr>
+            <a:normAutofit/>
+          </a:bodyPr>
+          <a:lstStyle/>
+          <a:p>
+            <a:r>
+              <a:rPr lang="fr-FR" sz="2800" dirty="0"/>
+              <a:t>Documentation en anglais</a:t>
+            </a:r>
+          </a:p>
+        </p:txBody>
+      </p:sp>
+      <p:pic>
+        <p:nvPicPr>
+          <p:cNvPr id="8" name="Image 7">
+            <a:extLst>
+              <a:ext uri="{FF2B5EF4-FFF2-40B4-BE49-F238E27FC236}">
+                <a16:creationId xmlns:a16="http://schemas.microsoft.com/office/drawing/2014/main" id="{00C57203-4878-4B01-B347-BE38C0CB8E2E}"/>
+              </a:ext>
+            </a:extLst>
+          </p:cNvPr>
+          <p:cNvPicPr>
+            <a:picLocks noChangeAspect="1"/>
+          </p:cNvPicPr>
+          <p:nvPr/>
+        </p:nvPicPr>
+        <p:blipFill>
+          <a:blip r:embed="rId2"/>
+          <a:stretch>
+            <a:fillRect/>
+          </a:stretch>
+        </p:blipFill>
+        <p:spPr>
+          <a:xfrm>
+            <a:off x="373781" y="1291761"/>
+            <a:ext cx="6304606" cy="5427382"/>
+          </a:xfrm>
+          <a:prstGeom prst="rect">
+            <a:avLst/>
+          </a:prstGeom>
+        </p:spPr>
+      </p:pic>
+      <p:pic>
+        <p:nvPicPr>
+          <p:cNvPr id="10" name="Image 9">
+            <a:extLst>
+              <a:ext uri="{FF2B5EF4-FFF2-40B4-BE49-F238E27FC236}">
+                <a16:creationId xmlns:a16="http://schemas.microsoft.com/office/drawing/2014/main" id="{57FC80F8-CBE0-4DD2-AB53-175DD2F5B992}"/>
+              </a:ext>
+            </a:extLst>
+          </p:cNvPr>
+          <p:cNvPicPr>
+            <a:picLocks noChangeAspect="1"/>
+          </p:cNvPicPr>
+          <p:nvPr/>
+        </p:nvPicPr>
+        <p:blipFill>
+          <a:blip r:embed="rId3"/>
+          <a:stretch>
+            <a:fillRect/>
+          </a:stretch>
+        </p:blipFill>
+        <p:spPr>
+          <a:xfrm>
+            <a:off x="6723856" y="4163814"/>
+            <a:ext cx="5468144" cy="490578"/>
+          </a:xfrm>
+          <a:prstGeom prst="rect">
+            <a:avLst/>
+          </a:prstGeom>
+        </p:spPr>
+      </p:pic>
+      <p:pic>
+        <p:nvPicPr>
+          <p:cNvPr id="12" name="Image 11">
+            <a:extLst>
+              <a:ext uri="{FF2B5EF4-FFF2-40B4-BE49-F238E27FC236}">
+                <a16:creationId xmlns:a16="http://schemas.microsoft.com/office/drawing/2014/main" id="{A32577C9-68EB-4D3C-B861-D1583D7F0045}"/>
+              </a:ext>
+            </a:extLst>
+          </p:cNvPr>
+          <p:cNvPicPr>
+            <a:picLocks noChangeAspect="1"/>
+          </p:cNvPicPr>
+          <p:nvPr/>
+        </p:nvPicPr>
+        <p:blipFill>
+          <a:blip r:embed="rId4"/>
+          <a:stretch>
+            <a:fillRect/>
+          </a:stretch>
+        </p:blipFill>
+        <p:spPr>
+          <a:xfrm>
+            <a:off x="6723856" y="2843868"/>
+            <a:ext cx="5468144" cy="926758"/>
+          </a:xfrm>
+          <a:prstGeom prst="rect">
+            <a:avLst/>
+          </a:prstGeom>
+        </p:spPr>
+      </p:pic>
+    </p:spTree>
+    <p:extLst>
+      <p:ext uri="{BB962C8B-B14F-4D97-AF65-F5344CB8AC3E}">
+        <p14:creationId xmlns:p14="http://schemas.microsoft.com/office/powerpoint/2010/main" val="1231009325"/>
+      </p:ext>
+    </p:extLst>
+  </p:cSld>
+  <p:clrMapOvr>
+    <a:masterClrMapping/>
+  </p:clrMapOvr>
+  <mc:AlternateContent xmlns:mc="http://schemas.openxmlformats.org/markup-compatibility/2006">
+    <mc:Choice xmlns:p14="http://schemas.microsoft.com/office/powerpoint/2010/main" Requires="p14">
+      <p:transition spd="med" p14:dur="700">
+        <p:fade/>
+      </p:transition>
+    </mc:Choice>
+    <mc:Fallback>
+      <p:transition spd="med">
+        <p:fade/>
+      </p:transition>
+    </mc:Fallback>
+  </mc:AlternateContent>
+</p:sld>
+</file>
+
+<file path=ppt/slides/slide8.xml><?xml version="1.0" encoding="utf-8"?>
+<p:sld xmlns:a="http://schemas.openxmlformats.org/drawingml/2006/main" xmlns:r="http://schemas.openxmlformats.org/officeDocument/2006/relationships" xmlns:p="http://schemas.openxmlformats.org/presentationml/2006/main">
+  <p:cSld>
+    <p:spTree>
+      <p:nvGrpSpPr>
+        <p:cNvPr id="1" name=""/>
+        <p:cNvGrpSpPr/>
+        <p:nvPr/>
+      </p:nvGrpSpPr>
+      <p:grpSpPr>
+        <a:xfrm>
+          <a:off x="0" y="0"/>
+          <a:ext cx="0" cy="0"/>
+          <a:chOff x="0" y="0"/>
+          <a:chExt cx="0" cy="0"/>
+        </a:xfrm>
+      </p:grpSpPr>
+      <p:sp>
+        <p:nvSpPr>
+          <p:cNvPr id="3" name="Espace réservé du numéro de diapositive 2">
+            <a:extLst>
+              <a:ext uri="{FF2B5EF4-FFF2-40B4-BE49-F238E27FC236}">
+                <a16:creationId xmlns:a16="http://schemas.microsoft.com/office/drawing/2014/main" id="{A9725ADC-BCDD-4746-A1F1-ED99E6D5F991}"/>
+              </a:ext>
+            </a:extLst>
+          </p:cNvPr>
+          <p:cNvSpPr>
+            <a:spLocks noGrp="1"/>
+          </p:cNvSpPr>
+          <p:nvPr>
+            <p:ph type="sldNum" sz="quarter" idx="12"/>
+          </p:nvPr>
+        </p:nvSpPr>
+        <p:spPr/>
+        <p:txBody>
+          <a:bodyPr/>
+          <a:lstStyle/>
+          <a:p>
+            <a:pPr rtl="0"/>
+            <a:fld id="{C263D6C4-4840-40CC-AC84-17E24B3B7BDE}" type="slidenum">
+              <a:rPr lang="fr-FR" noProof="0" smtClean="0"/>
+              <a:pPr rtl="0"/>
+              <a:t>8</a:t>
+            </a:fld>
+            <a:endParaRPr lang="fr-FR" noProof="0"/>
+          </a:p>
+        </p:txBody>
+      </p:sp>
+      <p:sp>
+        <p:nvSpPr>
+          <p:cNvPr id="4" name="Titre 3">
+            <a:extLst>
+              <a:ext uri="{FF2B5EF4-FFF2-40B4-BE49-F238E27FC236}">
+                <a16:creationId xmlns:a16="http://schemas.microsoft.com/office/drawing/2014/main" id="{8B8A2BA7-3A5C-4A6A-930D-5F0EABFE4D7F}"/>
+              </a:ext>
+            </a:extLst>
+          </p:cNvPr>
+          <p:cNvSpPr>
+            <a:spLocks noGrp="1"/>
+          </p:cNvSpPr>
+          <p:nvPr>
+            <p:ph type="title"/>
+          </p:nvPr>
+        </p:nvSpPr>
+        <p:spPr>
+          <a:xfrm>
+            <a:off x="1632204" y="3020786"/>
+            <a:ext cx="5291111" cy="605962"/>
+          </a:xfrm>
+        </p:spPr>
+        <p:txBody>
+          <a:bodyPr>
+            <a:noAutofit/>
+          </a:bodyPr>
+          <a:lstStyle/>
+          <a:p>
+            <a:r>
+              <a:rPr lang="fr-FR" sz="4800" dirty="0"/>
+              <a:t>Démonstration</a:t>
+            </a:r>
+          </a:p>
+        </p:txBody>
+      </p:sp>
+    </p:spTree>
+    <p:extLst>
+      <p:ext uri="{BB962C8B-B14F-4D97-AF65-F5344CB8AC3E}">
+        <p14:creationId xmlns:p14="http://schemas.microsoft.com/office/powerpoint/2010/main" val="595969289"/>
+      </p:ext>
+    </p:extLst>
+  </p:cSld>
+  <p:clrMapOvr>
+    <a:masterClrMapping/>
+  </p:clrMapOvr>
+  <mc:AlternateContent xmlns:mc="http://schemas.openxmlformats.org/markup-compatibility/2006">
+    <mc:Choice xmlns:p14="http://schemas.microsoft.com/office/powerpoint/2010/main" Requires="p14">
+      <p:transition spd="slow" p14:dur="1500">
+        <p:split orient="vert"/>
+      </p:transition>
+    </mc:Choice>
+    <mc:Fallback>
+      <p:transition spd="slow">
+        <p:split orient="vert"/>
+      </p:transition>
+    </mc:Fallback>
+  </mc:AlternateContent>
+</p:sld>
+</file>
+
+<file path=ppt/slides/slide9.xml><?xml version="1.0" encoding="utf-8"?>
 <p:sld xmlns:a="http://schemas.openxmlformats.org/drawingml/2006/main" xmlns:r="http://schemas.openxmlformats.org/officeDocument/2006/relationships" xmlns:p="http://schemas.openxmlformats.org/presentationml/2006/main">
   <p:cSld>
     <p:spTree>
@@ -29359,15 +28111,29 @@
             <p:ph type="title"/>
           </p:nvPr>
         </p:nvSpPr>
-        <p:spPr/>
+        <p:spPr>
+          <a:xfrm>
+            <a:off x="998105" y="765958"/>
+            <a:ext cx="7088992" cy="686122"/>
+          </a:xfrm>
+        </p:spPr>
         <p:txBody>
-          <a:bodyPr rtlCol="0"/>
+          <a:bodyPr rtlCol="0">
+            <a:noAutofit/>
+          </a:bodyPr>
           <a:lstStyle/>
           <a:p>
-            <a:pPr rtl="0"/>
             <a:r>
-              <a:rPr lang="fr-FR"/>
-              <a:t>En-tête de section02</a:t>
+              <a:rPr lang="fr-FR" sz="3600" dirty="0"/>
+              <a:t>Projet « </a:t>
+            </a:r>
+            <a:r>
+              <a:rPr lang="fr-FR" sz="3600" dirty="0" err="1"/>
+              <a:t>Randomizer</a:t>
+            </a:r>
+            <a:r>
+              <a:rPr lang="fr-FR" sz="3600" dirty="0"/>
+              <a:t> SMITE »</a:t>
             </a:r>
           </a:p>
         </p:txBody>
@@ -29388,15 +28154,20 @@
             <p:ph type="body" idx="1"/>
           </p:nvPr>
         </p:nvSpPr>
-        <p:spPr/>
+        <p:spPr>
+          <a:xfrm>
+            <a:off x="1208150" y="1581941"/>
+            <a:ext cx="4327235" cy="365760"/>
+          </a:xfrm>
+        </p:spPr>
         <p:txBody>
           <a:bodyPr rtlCol="0"/>
           <a:lstStyle/>
           <a:p>
             <a:pPr rtl="0"/>
             <a:r>
-              <a:rPr lang="fr-FR"/>
-              <a:t>Sous-titre</a:t>
+              <a:rPr lang="fr-FR" dirty="0"/>
+              <a:t>Présentation du jeu et du projet</a:t>
             </a:r>
           </a:p>
         </p:txBody>
@@ -29426,9 +28197,263 @@
             <a:fld id="{C263D6C4-4840-40CC-AC84-17E24B3B7BDE}" type="slidenum">
               <a:rPr lang="fr-FR" smtClean="0"/>
               <a:pPr rtl="0"/>
-              <a:t>5</a:t>
+              <a:t>9</a:t>
             </a:fld>
             <a:endParaRPr lang="fr-FR"/>
+          </a:p>
+        </p:txBody>
+      </p:sp>
+      <p:sp>
+        <p:nvSpPr>
+          <p:cNvPr id="7" name="Espace réservé du texte 4">
+            <a:extLst>
+              <a:ext uri="{FF2B5EF4-FFF2-40B4-BE49-F238E27FC236}">
+                <a16:creationId xmlns:a16="http://schemas.microsoft.com/office/drawing/2014/main" id="{25C58FE1-266B-42A0-A434-F7A5D4672678}"/>
+              </a:ext>
+            </a:extLst>
+          </p:cNvPr>
+          <p:cNvSpPr txBox="1">
+            <a:spLocks/>
+          </p:cNvSpPr>
+          <p:nvPr/>
+        </p:nvSpPr>
+        <p:spPr>
+          <a:xfrm>
+            <a:off x="576778" y="2395648"/>
+            <a:ext cx="9718386" cy="2282488"/>
+          </a:xfrm>
+          <a:prstGeom prst="rect">
+            <a:avLst/>
+          </a:prstGeom>
+        </p:spPr>
+        <p:txBody>
+          <a:bodyPr vert="horz" lIns="91440" tIns="45720" rIns="91440" bIns="45720" rtlCol="0">
+            <a:normAutofit/>
+          </a:bodyPr>
+          <a:lstStyle>
+            <a:lvl1pPr marL="0" indent="0" algn="l" defTabSz="914400" rtl="0" eaLnBrk="1" latinLnBrk="0" hangingPunct="1">
+              <a:lnSpc>
+                <a:spcPct val="90000"/>
+              </a:lnSpc>
+              <a:spcBef>
+                <a:spcPts val="1000"/>
+              </a:spcBef>
+              <a:buClr>
+                <a:schemeClr val="accent2"/>
+              </a:buClr>
+              <a:buFont typeface="Arial" panose="020B0604020202020204" pitchFamily="34" charset="0"/>
+              <a:buNone/>
+              <a:defRPr lang="en-US" sz="1600" kern="1200" spc="300">
+                <a:solidFill>
+                  <a:schemeClr val="accent1">
+                    <a:lumMod val="20000"/>
+                    <a:lumOff val="80000"/>
+                  </a:schemeClr>
+                </a:solidFill>
+                <a:latin typeface="+mn-lt"/>
+                <a:ea typeface="+mn-ea"/>
+                <a:cs typeface="Arial" panose="020B0604020202020204" pitchFamily="34" charset="0"/>
+              </a:defRPr>
+            </a:lvl1pPr>
+            <a:lvl2pPr marL="685800" indent="-228600" algn="l" defTabSz="914400" rtl="0" eaLnBrk="1" latinLnBrk="0" hangingPunct="1">
+              <a:lnSpc>
+                <a:spcPct val="90000"/>
+              </a:lnSpc>
+              <a:spcBef>
+                <a:spcPts val="500"/>
+              </a:spcBef>
+              <a:buClr>
+                <a:schemeClr val="accent2"/>
+              </a:buClr>
+              <a:buFont typeface="Arial" panose="020B0604020202020204" pitchFamily="34" charset="0"/>
+              <a:buChar char="•"/>
+              <a:defRPr sz="2400" kern="1200">
+                <a:solidFill>
+                  <a:schemeClr val="tx1"/>
+                </a:solidFill>
+                <a:latin typeface="+mn-lt"/>
+                <a:ea typeface="+mn-ea"/>
+                <a:cs typeface="+mn-cs"/>
+              </a:defRPr>
+            </a:lvl2pPr>
+            <a:lvl3pPr marL="1143000" indent="-228600" algn="l" defTabSz="914400" rtl="0" eaLnBrk="1" latinLnBrk="0" hangingPunct="1">
+              <a:lnSpc>
+                <a:spcPct val="90000"/>
+              </a:lnSpc>
+              <a:spcBef>
+                <a:spcPts val="500"/>
+              </a:spcBef>
+              <a:buClr>
+                <a:schemeClr val="accent2"/>
+              </a:buClr>
+              <a:buFont typeface="Arial" panose="020B0604020202020204" pitchFamily="34" charset="0"/>
+              <a:buChar char="•"/>
+              <a:defRPr sz="2000" kern="1200">
+                <a:solidFill>
+                  <a:schemeClr val="tx1"/>
+                </a:solidFill>
+                <a:latin typeface="+mn-lt"/>
+                <a:ea typeface="+mn-ea"/>
+                <a:cs typeface="+mn-cs"/>
+              </a:defRPr>
+            </a:lvl3pPr>
+            <a:lvl4pPr marL="1600200" indent="-228600" algn="l" defTabSz="914400" rtl="0" eaLnBrk="1" latinLnBrk="0" hangingPunct="1">
+              <a:lnSpc>
+                <a:spcPct val="90000"/>
+              </a:lnSpc>
+              <a:spcBef>
+                <a:spcPts val="500"/>
+              </a:spcBef>
+              <a:buClr>
+                <a:schemeClr val="accent2"/>
+              </a:buClr>
+              <a:buFont typeface="Arial" panose="020B0604020202020204" pitchFamily="34" charset="0"/>
+              <a:buChar char="•"/>
+              <a:defRPr sz="1800" kern="1200">
+                <a:solidFill>
+                  <a:schemeClr val="tx1"/>
+                </a:solidFill>
+                <a:latin typeface="+mn-lt"/>
+                <a:ea typeface="+mn-ea"/>
+                <a:cs typeface="+mn-cs"/>
+              </a:defRPr>
+            </a:lvl4pPr>
+            <a:lvl5pPr marL="2057400" indent="-228600" algn="l" defTabSz="914400" rtl="0" eaLnBrk="1" latinLnBrk="0" hangingPunct="1">
+              <a:lnSpc>
+                <a:spcPct val="90000"/>
+              </a:lnSpc>
+              <a:spcBef>
+                <a:spcPts val="500"/>
+              </a:spcBef>
+              <a:buClr>
+                <a:schemeClr val="accent2"/>
+              </a:buClr>
+              <a:buFont typeface="Arial" panose="020B0604020202020204" pitchFamily="34" charset="0"/>
+              <a:buChar char="•"/>
+              <a:defRPr sz="1800" kern="1200">
+                <a:solidFill>
+                  <a:schemeClr val="tx1"/>
+                </a:solidFill>
+                <a:latin typeface="+mn-lt"/>
+                <a:ea typeface="+mn-ea"/>
+                <a:cs typeface="+mn-cs"/>
+              </a:defRPr>
+            </a:lvl5pPr>
+            <a:lvl6pPr marL="2514600" indent="-228600" algn="l" defTabSz="914400" rtl="0" eaLnBrk="1" latinLnBrk="0" hangingPunct="1">
+              <a:lnSpc>
+                <a:spcPct val="90000"/>
+              </a:lnSpc>
+              <a:spcBef>
+                <a:spcPts val="500"/>
+              </a:spcBef>
+              <a:buFont typeface="Arial" panose="020B0604020202020204" pitchFamily="34" charset="0"/>
+              <a:buChar char="•"/>
+              <a:defRPr sz="1800" kern="1200">
+                <a:solidFill>
+                  <a:schemeClr val="tx1"/>
+                </a:solidFill>
+                <a:latin typeface="+mn-lt"/>
+                <a:ea typeface="+mn-ea"/>
+                <a:cs typeface="+mn-cs"/>
+              </a:defRPr>
+            </a:lvl6pPr>
+            <a:lvl7pPr marL="2971800" indent="-228600" algn="l" defTabSz="914400" rtl="0" eaLnBrk="1" latinLnBrk="0" hangingPunct="1">
+              <a:lnSpc>
+                <a:spcPct val="90000"/>
+              </a:lnSpc>
+              <a:spcBef>
+                <a:spcPts val="500"/>
+              </a:spcBef>
+              <a:buFont typeface="Arial" panose="020B0604020202020204" pitchFamily="34" charset="0"/>
+              <a:buChar char="•"/>
+              <a:defRPr sz="1800" kern="1200">
+                <a:solidFill>
+                  <a:schemeClr val="tx1"/>
+                </a:solidFill>
+                <a:latin typeface="+mn-lt"/>
+                <a:ea typeface="+mn-ea"/>
+                <a:cs typeface="+mn-cs"/>
+              </a:defRPr>
+            </a:lvl7pPr>
+            <a:lvl8pPr marL="3429000" indent="-228600" algn="l" defTabSz="914400" rtl="0" eaLnBrk="1" latinLnBrk="0" hangingPunct="1">
+              <a:lnSpc>
+                <a:spcPct val="90000"/>
+              </a:lnSpc>
+              <a:spcBef>
+                <a:spcPts val="500"/>
+              </a:spcBef>
+              <a:buFont typeface="Arial" panose="020B0604020202020204" pitchFamily="34" charset="0"/>
+              <a:buChar char="•"/>
+              <a:defRPr sz="1800" kern="1200">
+                <a:solidFill>
+                  <a:schemeClr val="tx1"/>
+                </a:solidFill>
+                <a:latin typeface="+mn-lt"/>
+                <a:ea typeface="+mn-ea"/>
+                <a:cs typeface="+mn-cs"/>
+              </a:defRPr>
+            </a:lvl8pPr>
+            <a:lvl9pPr marL="3886200" indent="-228600" algn="l" defTabSz="914400" rtl="0" eaLnBrk="1" latinLnBrk="0" hangingPunct="1">
+              <a:lnSpc>
+                <a:spcPct val="90000"/>
+              </a:lnSpc>
+              <a:spcBef>
+                <a:spcPts val="500"/>
+              </a:spcBef>
+              <a:buFont typeface="Arial" panose="020B0604020202020204" pitchFamily="34" charset="0"/>
+              <a:buChar char="•"/>
+              <a:defRPr sz="1800" kern="1200">
+                <a:solidFill>
+                  <a:schemeClr val="tx1"/>
+                </a:solidFill>
+                <a:latin typeface="+mn-lt"/>
+                <a:ea typeface="+mn-ea"/>
+                <a:cs typeface="+mn-cs"/>
+              </a:defRPr>
+            </a:lvl9pPr>
+          </a:lstStyle>
+          <a:p>
+            <a:r>
+              <a:rPr lang="fr-FR" dirty="0">
+                <a:solidFill>
+                  <a:schemeClr val="bg1"/>
+                </a:solidFill>
+              </a:rPr>
+              <a:t>Smite est un MOBA (Multiplayer Online Battle Arena)</a:t>
+            </a:r>
+          </a:p>
+          <a:p>
+            <a:r>
+              <a:rPr lang="fr-FR" dirty="0">
+                <a:solidFill>
+                  <a:schemeClr val="bg1"/>
+                </a:solidFill>
+              </a:rPr>
+              <a:t>Développé et édité par Hi-</a:t>
+            </a:r>
+            <a:r>
+              <a:rPr lang="fr-FR" dirty="0" err="1">
+                <a:solidFill>
+                  <a:schemeClr val="bg1"/>
+                </a:solidFill>
+              </a:rPr>
+              <a:t>Rez</a:t>
+            </a:r>
+            <a:endParaRPr lang="fr-FR" dirty="0">
+              <a:solidFill>
+                <a:schemeClr val="bg1"/>
+              </a:solidFill>
+            </a:endParaRPr>
+          </a:p>
+          <a:p>
+            <a:r>
+              <a:rPr lang="fr-FR" dirty="0">
+                <a:solidFill>
+                  <a:schemeClr val="bg1"/>
+                </a:solidFill>
+              </a:rPr>
+              <a:t>Sortie en 2014</a:t>
+            </a:r>
           </a:p>
         </p:txBody>
       </p:sp>
@@ -29436,1064 +28461,6 @@
     <p:extLst>
       <p:ext uri="{BB962C8B-B14F-4D97-AF65-F5344CB8AC3E}">
         <p14:creationId xmlns:p14="http://schemas.microsoft.com/office/powerpoint/2010/main" val="709828751"/>
-      </p:ext>
-    </p:extLst>
-  </p:cSld>
-  <p:clrMapOvr>
-    <a:masterClrMapping/>
-  </p:clrMapOvr>
-  <mc:AlternateContent xmlns:mc="http://schemas.openxmlformats.org/markup-compatibility/2006" xmlns:p14="http://schemas.microsoft.com/office/powerpoint/2010/main">
-    <mc:Choice Requires="p14">
-      <p:transition spd="med" p14:dur="700">
-        <p:fade/>
-      </p:transition>
-    </mc:Choice>
-    <mc:Fallback xmlns="">
-      <p:transition spd="med">
-        <p:fade/>
-      </p:transition>
-    </mc:Fallback>
-  </mc:AlternateContent>
-</p:sld>
-</file>
-
-<file path=ppt/slides/slide6.xml><?xml version="1.0" encoding="utf-8"?>
-<p:sld xmlns:a="http://schemas.openxmlformats.org/drawingml/2006/main" xmlns:r="http://schemas.openxmlformats.org/officeDocument/2006/relationships" xmlns:p="http://schemas.openxmlformats.org/presentationml/2006/main">
-  <p:cSld>
-    <p:spTree>
-      <p:nvGrpSpPr>
-        <p:cNvPr id="1" name=""/>
-        <p:cNvGrpSpPr/>
-        <p:nvPr/>
-      </p:nvGrpSpPr>
-      <p:grpSpPr>
-        <a:xfrm>
-          <a:off x="0" y="0"/>
-          <a:ext cx="0" cy="0"/>
-          <a:chOff x="0" y="0"/>
-          <a:chExt cx="0" cy="0"/>
-        </a:xfrm>
-      </p:grpSpPr>
-      <p:sp>
-        <p:nvSpPr>
-          <p:cNvPr id="4" name="Titre 3">
-            <a:extLst>
-              <a:ext uri="{FF2B5EF4-FFF2-40B4-BE49-F238E27FC236}">
-                <a16:creationId xmlns:a16="http://schemas.microsoft.com/office/drawing/2014/main" id="{315E3981-F0D7-482C-A8E0-6A57700BECA7}"/>
-              </a:ext>
-            </a:extLst>
-          </p:cNvPr>
-          <p:cNvSpPr>
-            <a:spLocks noGrp="1"/>
-          </p:cNvSpPr>
-          <p:nvPr>
-            <p:ph type="title"/>
-          </p:nvPr>
-        </p:nvSpPr>
-        <p:spPr/>
-        <p:txBody>
-          <a:bodyPr rtlCol="0"/>
-          <a:lstStyle/>
-          <a:p>
-            <a:pPr rtl="0"/>
-            <a:r>
-              <a:rPr lang="fr-FR"/>
-              <a:t>Titre du contenu</a:t>
-            </a:r>
-          </a:p>
-        </p:txBody>
-      </p:sp>
-      <p:sp>
-        <p:nvSpPr>
-          <p:cNvPr id="2" name="Espace réservé du numéro de diapositive 1">
-            <a:extLst>
-              <a:ext uri="{FF2B5EF4-FFF2-40B4-BE49-F238E27FC236}">
-                <a16:creationId xmlns:a16="http://schemas.microsoft.com/office/drawing/2014/main" id="{520FC4EE-F318-4344-9E3C-B950ADB63865}"/>
-              </a:ext>
-            </a:extLst>
-          </p:cNvPr>
-          <p:cNvSpPr>
-            <a:spLocks noGrp="1"/>
-          </p:cNvSpPr>
-          <p:nvPr>
-            <p:ph type="sldNum" sz="quarter" idx="12"/>
-          </p:nvPr>
-        </p:nvSpPr>
-        <p:spPr/>
-        <p:txBody>
-          <a:bodyPr rtlCol="0"/>
-          <a:lstStyle/>
-          <a:p>
-            <a:pPr rtl="0"/>
-            <a:fld id="{C263D6C4-4840-40CC-AC84-17E24B3B7BDE}" type="slidenum">
-              <a:rPr lang="fr-FR" smtClean="0"/>
-              <a:pPr rtl="0"/>
-              <a:t>6</a:t>
-            </a:fld>
-            <a:endParaRPr lang="fr-FR"/>
-          </a:p>
-        </p:txBody>
-      </p:sp>
-      <p:sp>
-        <p:nvSpPr>
-          <p:cNvPr id="7" name="Espace réservé du texte 6">
-            <a:extLst>
-              <a:ext uri="{FF2B5EF4-FFF2-40B4-BE49-F238E27FC236}">
-                <a16:creationId xmlns:a16="http://schemas.microsoft.com/office/drawing/2014/main" id="{B74126B4-1E6C-4FFF-9282-40E18A85A07F}"/>
-              </a:ext>
-            </a:extLst>
-          </p:cNvPr>
-          <p:cNvSpPr>
-            <a:spLocks noGrp="1"/>
-          </p:cNvSpPr>
-          <p:nvPr>
-            <p:ph type="body" sz="quarter" idx="1"/>
-          </p:nvPr>
-        </p:nvSpPr>
-        <p:spPr/>
-        <p:txBody>
-          <a:bodyPr rtlCol="0"/>
-          <a:lstStyle/>
-          <a:p>
-            <a:pPr rtl="0"/>
-            <a:r>
-              <a:rPr lang="fr-FR"/>
-              <a:t>Lorem ipsum dolor sit amet</a:t>
-            </a:r>
-          </a:p>
-        </p:txBody>
-      </p:sp>
-      <p:sp>
-        <p:nvSpPr>
-          <p:cNvPr id="5" name="Espace réservé du texte 4">
-            <a:extLst>
-              <a:ext uri="{FF2B5EF4-FFF2-40B4-BE49-F238E27FC236}">
-                <a16:creationId xmlns:a16="http://schemas.microsoft.com/office/drawing/2014/main" id="{E0C87788-476B-4620-8002-A5C1177AD6C1}"/>
-              </a:ext>
-            </a:extLst>
-          </p:cNvPr>
-          <p:cNvSpPr>
-            <a:spLocks noGrp="1"/>
-          </p:cNvSpPr>
-          <p:nvPr>
-            <p:ph type="body" sz="quarter" idx="3"/>
-          </p:nvPr>
-        </p:nvSpPr>
-        <p:spPr/>
-        <p:txBody>
-          <a:bodyPr rtlCol="0"/>
-          <a:lstStyle/>
-          <a:p>
-            <a:pPr rtl="0"/>
-            <a:r>
-              <a:rPr lang="fr-FR"/>
-              <a:t>Lorem ipsum dolor sit amet</a:t>
-            </a:r>
-          </a:p>
-        </p:txBody>
-      </p:sp>
-      <p:sp>
-        <p:nvSpPr>
-          <p:cNvPr id="8" name="Espace réservé du texte 7">
-            <a:extLst>
-              <a:ext uri="{FF2B5EF4-FFF2-40B4-BE49-F238E27FC236}">
-                <a16:creationId xmlns:a16="http://schemas.microsoft.com/office/drawing/2014/main" id="{47DC4E62-1A34-4F98-A451-214F1808519C}"/>
-              </a:ext>
-            </a:extLst>
-          </p:cNvPr>
-          <p:cNvSpPr>
-            <a:spLocks noGrp="1"/>
-          </p:cNvSpPr>
-          <p:nvPr>
-            <p:ph type="body" sz="quarter" idx="2"/>
-          </p:nvPr>
-        </p:nvSpPr>
-        <p:spPr/>
-        <p:txBody>
-          <a:bodyPr rtlCol="0"/>
-          <a:lstStyle/>
-          <a:p>
-            <a:pPr rtl="0"/>
-            <a:r>
-              <a:rPr lang="fr-FR"/>
-              <a:t>Lorem ipsum dolor sit amet, consectetuer adipiscing elit. Maecenas porttitor congue massa. Fusce posuere, magna sed pulvinar ultricies, purus lectus malesuada libero, sit amet commodo magna eros quis urna. Nunc viverra imperdiet enim. Fusce est. Vivamus a tellus.</a:t>
-            </a:r>
-          </a:p>
-          <a:p>
-            <a:pPr rtl="0"/>
-            <a:r>
-              <a:rPr lang="fr-FR"/>
-              <a:t>Pellentesque habitant morbi tristique senectus et netus et malesuada fames ac turpis egestas. Proin pharetra nonummy pede. Mauris et orci.</a:t>
-            </a:r>
-          </a:p>
-          <a:p>
-            <a:pPr rtl="0"/>
-            <a:endParaRPr lang="fr-FR"/>
-          </a:p>
-          <a:p>
-            <a:pPr rtl="0"/>
-            <a:endParaRPr lang="fr-FR"/>
-          </a:p>
-        </p:txBody>
-      </p:sp>
-      <p:sp>
-        <p:nvSpPr>
-          <p:cNvPr id="6" name="Espace réservé du texte 5">
-            <a:extLst>
-              <a:ext uri="{FF2B5EF4-FFF2-40B4-BE49-F238E27FC236}">
-                <a16:creationId xmlns:a16="http://schemas.microsoft.com/office/drawing/2014/main" id="{000A9570-5EF6-4AFB-9FCA-7C8998E3FEB1}"/>
-              </a:ext>
-            </a:extLst>
-          </p:cNvPr>
-          <p:cNvSpPr>
-            <a:spLocks noGrp="1"/>
-          </p:cNvSpPr>
-          <p:nvPr>
-            <p:ph type="body" sz="quarter" idx="4"/>
-          </p:nvPr>
-        </p:nvSpPr>
-        <p:spPr/>
-        <p:txBody>
-          <a:bodyPr rtlCol="0"/>
-          <a:lstStyle/>
-          <a:p>
-            <a:pPr rtl="0"/>
-            <a:r>
-              <a:rPr lang="fr-FR"/>
-              <a:t>Lorem ipsum dolor sit amet, consectetuer adipiscing elit. Maecenas porttitor congue massa. Fusce posuere, magna sed pulvinar ultricies, purus lectus malesuada libero, sit amet commodo magna eros quis urna. Nunc viverra imperdiet enim. Fusce est. Vivamus a tellus.</a:t>
-            </a:r>
-          </a:p>
-          <a:p>
-            <a:pPr rtl="0"/>
-            <a:r>
-              <a:rPr lang="fr-FR"/>
-              <a:t>Pellentesque habitant morbi tristique senectus et netus et malesuada fames ac turpis egestas. Proin pharetra nonummy pede. Mauris et orci.</a:t>
-            </a:r>
-          </a:p>
-          <a:p>
-            <a:pPr rtl="0"/>
-            <a:endParaRPr lang="fr-FR"/>
-          </a:p>
-        </p:txBody>
-      </p:sp>
-    </p:spTree>
-    <p:extLst>
-      <p:ext uri="{BB962C8B-B14F-4D97-AF65-F5344CB8AC3E}">
-        <p14:creationId xmlns:p14="http://schemas.microsoft.com/office/powerpoint/2010/main" val="3607270498"/>
-      </p:ext>
-    </p:extLst>
-  </p:cSld>
-  <p:clrMapOvr>
-    <a:masterClrMapping/>
-  </p:clrMapOvr>
-  <mc:AlternateContent xmlns:mc="http://schemas.openxmlformats.org/markup-compatibility/2006" xmlns:p14="http://schemas.microsoft.com/office/powerpoint/2010/main">
-    <mc:Choice Requires="p14">
-      <p:transition spd="med" p14:dur="700">
-        <p:fade/>
-      </p:transition>
-    </mc:Choice>
-    <mc:Fallback xmlns="">
-      <p:transition spd="med">
-        <p:fade/>
-      </p:transition>
-    </mc:Fallback>
-  </mc:AlternateContent>
-</p:sld>
-</file>
-
-<file path=ppt/slides/slide7.xml><?xml version="1.0" encoding="utf-8"?>
-<p:sld xmlns:a="http://schemas.openxmlformats.org/drawingml/2006/main" xmlns:r="http://schemas.openxmlformats.org/officeDocument/2006/relationships" xmlns:p="http://schemas.openxmlformats.org/presentationml/2006/main">
-  <p:cSld>
-    <p:spTree>
-      <p:nvGrpSpPr>
-        <p:cNvPr id="1" name=""/>
-        <p:cNvGrpSpPr/>
-        <p:nvPr/>
-      </p:nvGrpSpPr>
-      <p:grpSpPr>
-        <a:xfrm>
-          <a:off x="0" y="0"/>
-          <a:ext cx="0" cy="0"/>
-          <a:chOff x="0" y="0"/>
-          <a:chExt cx="0" cy="0"/>
-        </a:xfrm>
-      </p:grpSpPr>
-      <p:sp>
-        <p:nvSpPr>
-          <p:cNvPr id="4" name="Titre 3">
-            <a:extLst>
-              <a:ext uri="{FF2B5EF4-FFF2-40B4-BE49-F238E27FC236}">
-                <a16:creationId xmlns:a16="http://schemas.microsoft.com/office/drawing/2014/main" id="{315E3981-F0D7-482C-A8E0-6A57700BECA7}"/>
-              </a:ext>
-            </a:extLst>
-          </p:cNvPr>
-          <p:cNvSpPr>
-            <a:spLocks noGrp="1"/>
-          </p:cNvSpPr>
-          <p:nvPr>
-            <p:ph type="title"/>
-          </p:nvPr>
-        </p:nvSpPr>
-        <p:spPr/>
-        <p:txBody>
-          <a:bodyPr rtlCol="0"/>
-          <a:lstStyle/>
-          <a:p>
-            <a:pPr rtl="0"/>
-            <a:r>
-              <a:rPr lang="fr-FR"/>
-              <a:t>Titre du contenu</a:t>
-            </a:r>
-          </a:p>
-        </p:txBody>
-      </p:sp>
-      <p:pic>
-        <p:nvPicPr>
-          <p:cNvPr id="25" name="Espace réservé d’image 24" descr="Graphique à barres">
-            <a:extLst>
-              <a:ext uri="{FF2B5EF4-FFF2-40B4-BE49-F238E27FC236}">
-                <a16:creationId xmlns:a16="http://schemas.microsoft.com/office/drawing/2014/main" id="{C03AAFA7-022A-47F8-9DA1-7DC3897D1E52}"/>
-              </a:ext>
-            </a:extLst>
-          </p:cNvPr>
-          <p:cNvPicPr>
-            <a:picLocks noGrp="1" noChangeAspect="1"/>
-          </p:cNvPicPr>
-          <p:nvPr>
-            <p:ph type="pic" sz="quarter" idx="13"/>
-          </p:nvPr>
-        </p:nvPicPr>
-        <p:blipFill>
-          <a:blip r:embed="rId3">
-            <a:extLst>
-              <a:ext uri="{28A0092B-C50C-407E-A947-70E740481C1C}">
-                <a14:useLocalDpi xmlns:a14="http://schemas.microsoft.com/office/drawing/2010/main"/>
-              </a:ext>
-              <a:ext uri="{96DAC541-7B7A-43D3-8B79-37D633B846F1}">
-                <asvg:svgBlip xmlns:asvg="http://schemas.microsoft.com/office/drawing/2016/SVG/main" r:embed="rId4"/>
-              </a:ext>
-            </a:extLst>
-          </a:blip>
-          <a:srcRect t="63" b="63"/>
-          <a:stretch>
-            <a:fillRect/>
-          </a:stretch>
-        </p:blipFill>
-        <p:spPr>
-          <a:xfrm>
-            <a:off x="978212" y="2096716"/>
-            <a:ext cx="1259505" cy="1259505"/>
-          </a:xfrm>
-        </p:spPr>
-      </p:pic>
-      <p:sp>
-        <p:nvSpPr>
-          <p:cNvPr id="19" name="Espace réservé du texte 18">
-            <a:extLst>
-              <a:ext uri="{FF2B5EF4-FFF2-40B4-BE49-F238E27FC236}">
-                <a16:creationId xmlns:a16="http://schemas.microsoft.com/office/drawing/2014/main" id="{782206B1-586F-4254-9B36-D06C4E294ACF}"/>
-              </a:ext>
-            </a:extLst>
-          </p:cNvPr>
-          <p:cNvSpPr>
-            <a:spLocks noGrp="1"/>
-          </p:cNvSpPr>
-          <p:nvPr>
-            <p:ph type="body" sz="quarter" idx="18"/>
-          </p:nvPr>
-        </p:nvSpPr>
-        <p:spPr/>
-        <p:txBody>
-          <a:bodyPr rtlCol="0"/>
-          <a:lstStyle/>
-          <a:p>
-            <a:pPr rtl="0"/>
-            <a:r>
-              <a:rPr lang="fr-FR"/>
-              <a:t>Caption01 s’affiche ici</a:t>
-            </a:r>
-          </a:p>
-        </p:txBody>
-      </p:sp>
-      <p:pic>
-        <p:nvPicPr>
-          <p:cNvPr id="27" name="Espace réservé d’image 26" descr="Horloge">
-            <a:extLst>
-              <a:ext uri="{FF2B5EF4-FFF2-40B4-BE49-F238E27FC236}">
-                <a16:creationId xmlns:a16="http://schemas.microsoft.com/office/drawing/2014/main" id="{6F737161-FE67-434D-A781-59EDB9EDCB23}"/>
-              </a:ext>
-            </a:extLst>
-          </p:cNvPr>
-          <p:cNvPicPr>
-            <a:picLocks noGrp="1" noChangeAspect="1"/>
-          </p:cNvPicPr>
-          <p:nvPr>
-            <p:ph type="pic" sz="quarter" idx="14"/>
-          </p:nvPr>
-        </p:nvPicPr>
-        <p:blipFill>
-          <a:blip r:embed="rId5">
-            <a:extLst>
-              <a:ext uri="{28A0092B-C50C-407E-A947-70E740481C1C}">
-                <a14:useLocalDpi xmlns:a14="http://schemas.microsoft.com/office/drawing/2010/main"/>
-              </a:ext>
-              <a:ext uri="{96DAC541-7B7A-43D3-8B79-37D633B846F1}">
-                <asvg:svgBlip xmlns:asvg="http://schemas.microsoft.com/office/drawing/2016/SVG/main" r:embed="rId6"/>
-              </a:ext>
-            </a:extLst>
-          </a:blip>
-          <a:srcRect/>
-          <a:stretch>
-            <a:fillRect/>
-          </a:stretch>
-        </p:blipFill>
-        <p:spPr/>
-      </p:pic>
-      <p:sp>
-        <p:nvSpPr>
-          <p:cNvPr id="20" name="Espace réservé du texte 19">
-            <a:extLst>
-              <a:ext uri="{FF2B5EF4-FFF2-40B4-BE49-F238E27FC236}">
-                <a16:creationId xmlns:a16="http://schemas.microsoft.com/office/drawing/2014/main" id="{CB924A29-3538-4A3F-82A6-D2A7538C2111}"/>
-              </a:ext>
-            </a:extLst>
-          </p:cNvPr>
-          <p:cNvSpPr>
-            <a:spLocks noGrp="1"/>
-          </p:cNvSpPr>
-          <p:nvPr>
-            <p:ph type="body" sz="quarter" idx="19"/>
-          </p:nvPr>
-        </p:nvSpPr>
-        <p:spPr/>
-        <p:txBody>
-          <a:bodyPr rtlCol="0"/>
-          <a:lstStyle/>
-          <a:p>
-            <a:pPr rtl="0"/>
-            <a:r>
-              <a:rPr lang="fr-FR"/>
-              <a:t>Caption02 s’affiche ici</a:t>
-            </a:r>
-          </a:p>
-        </p:txBody>
-      </p:sp>
-      <p:pic>
-        <p:nvPicPr>
-          <p:cNvPr id="29" name="Espace réservé d’image 28" descr="Microscope">
-            <a:extLst>
-              <a:ext uri="{FF2B5EF4-FFF2-40B4-BE49-F238E27FC236}">
-                <a16:creationId xmlns:a16="http://schemas.microsoft.com/office/drawing/2014/main" id="{9E5BF01B-21D6-4D43-9CAE-0298685C1A7B}"/>
-              </a:ext>
-            </a:extLst>
-          </p:cNvPr>
-          <p:cNvPicPr>
-            <a:picLocks noGrp="1" noChangeAspect="1"/>
-          </p:cNvPicPr>
-          <p:nvPr>
-            <p:ph type="pic" sz="quarter" idx="15"/>
-          </p:nvPr>
-        </p:nvPicPr>
-        <p:blipFill>
-          <a:blip r:embed="rId7">
-            <a:extLst>
-              <a:ext uri="{28A0092B-C50C-407E-A947-70E740481C1C}">
-                <a14:useLocalDpi xmlns:a14="http://schemas.microsoft.com/office/drawing/2010/main"/>
-              </a:ext>
-              <a:ext uri="{96DAC541-7B7A-43D3-8B79-37D633B846F1}">
-                <asvg:svgBlip xmlns:asvg="http://schemas.microsoft.com/office/drawing/2016/SVG/main" r:embed="rId8"/>
-              </a:ext>
-            </a:extLst>
-          </a:blip>
-          <a:srcRect t="63" b="63"/>
-          <a:stretch>
-            <a:fillRect/>
-          </a:stretch>
-        </p:blipFill>
-        <p:spPr/>
-      </p:pic>
-      <p:sp>
-        <p:nvSpPr>
-          <p:cNvPr id="21" name="Espace réservé du texte 20">
-            <a:extLst>
-              <a:ext uri="{FF2B5EF4-FFF2-40B4-BE49-F238E27FC236}">
-                <a16:creationId xmlns:a16="http://schemas.microsoft.com/office/drawing/2014/main" id="{1B8F0371-4F69-4131-91BF-9AB99E6EE89B}"/>
-              </a:ext>
-            </a:extLst>
-          </p:cNvPr>
-          <p:cNvSpPr>
-            <a:spLocks noGrp="1"/>
-          </p:cNvSpPr>
-          <p:nvPr>
-            <p:ph type="body" sz="quarter" idx="20"/>
-          </p:nvPr>
-        </p:nvSpPr>
-        <p:spPr/>
-        <p:txBody>
-          <a:bodyPr rtlCol="0"/>
-          <a:lstStyle/>
-          <a:p>
-            <a:pPr rtl="0"/>
-            <a:r>
-              <a:rPr lang="fr-FR"/>
-              <a:t>Caption03 s’affiche ici</a:t>
-            </a:r>
-          </a:p>
-        </p:txBody>
-      </p:sp>
-      <p:pic>
-        <p:nvPicPr>
-          <p:cNvPr id="31" name="Espace réservé d’image 30" descr="Loupe">
-            <a:extLst>
-              <a:ext uri="{FF2B5EF4-FFF2-40B4-BE49-F238E27FC236}">
-                <a16:creationId xmlns:a16="http://schemas.microsoft.com/office/drawing/2014/main" id="{089E8AB6-C16E-4752-810F-8F98DB929DB5}"/>
-              </a:ext>
-            </a:extLst>
-          </p:cNvPr>
-          <p:cNvPicPr>
-            <a:picLocks noGrp="1" noChangeAspect="1"/>
-          </p:cNvPicPr>
-          <p:nvPr>
-            <p:ph type="pic" sz="quarter" idx="16"/>
-          </p:nvPr>
-        </p:nvPicPr>
-        <p:blipFill>
-          <a:blip r:embed="rId9">
-            <a:extLst>
-              <a:ext uri="{28A0092B-C50C-407E-A947-70E740481C1C}">
-                <a14:useLocalDpi xmlns:a14="http://schemas.microsoft.com/office/drawing/2010/main"/>
-              </a:ext>
-              <a:ext uri="{96DAC541-7B7A-43D3-8B79-37D633B846F1}">
-                <asvg:svgBlip xmlns:asvg="http://schemas.microsoft.com/office/drawing/2016/SVG/main" r:embed="rId10"/>
-              </a:ext>
-            </a:extLst>
-          </a:blip>
-          <a:srcRect/>
-          <a:stretch>
-            <a:fillRect/>
-          </a:stretch>
-        </p:blipFill>
-        <p:spPr/>
-      </p:pic>
-      <p:sp>
-        <p:nvSpPr>
-          <p:cNvPr id="22" name="Espace réservé du texte 21">
-            <a:extLst>
-              <a:ext uri="{FF2B5EF4-FFF2-40B4-BE49-F238E27FC236}">
-                <a16:creationId xmlns:a16="http://schemas.microsoft.com/office/drawing/2014/main" id="{78CACAF1-61EA-4605-A8FE-2EEE752B49FF}"/>
-              </a:ext>
-            </a:extLst>
-          </p:cNvPr>
-          <p:cNvSpPr>
-            <a:spLocks noGrp="1"/>
-          </p:cNvSpPr>
-          <p:nvPr>
-            <p:ph type="body" sz="quarter" idx="21"/>
-          </p:nvPr>
-        </p:nvSpPr>
-        <p:spPr/>
-        <p:txBody>
-          <a:bodyPr rtlCol="0"/>
-          <a:lstStyle/>
-          <a:p>
-            <a:pPr rtl="0"/>
-            <a:r>
-              <a:rPr lang="fr-FR"/>
-              <a:t>Caption04 s’affiche ici</a:t>
-            </a:r>
-          </a:p>
-        </p:txBody>
-      </p:sp>
-      <p:pic>
-        <p:nvPicPr>
-          <p:cNvPr id="33" name="Espace réservé d’image 32" descr="Tête avec engrenages">
-            <a:extLst>
-              <a:ext uri="{FF2B5EF4-FFF2-40B4-BE49-F238E27FC236}">
-                <a16:creationId xmlns:a16="http://schemas.microsoft.com/office/drawing/2014/main" id="{CC9DBBE5-5AD0-41E8-A719-84509E5D9F9E}"/>
-              </a:ext>
-            </a:extLst>
-          </p:cNvPr>
-          <p:cNvPicPr>
-            <a:picLocks noGrp="1" noChangeAspect="1"/>
-          </p:cNvPicPr>
-          <p:nvPr>
-            <p:ph type="pic" sz="quarter" idx="17"/>
-          </p:nvPr>
-        </p:nvPicPr>
-        <p:blipFill>
-          <a:blip r:embed="rId11">
-            <a:extLst>
-              <a:ext uri="{28A0092B-C50C-407E-A947-70E740481C1C}">
-                <a14:useLocalDpi xmlns:a14="http://schemas.microsoft.com/office/drawing/2010/main"/>
-              </a:ext>
-              <a:ext uri="{96DAC541-7B7A-43D3-8B79-37D633B846F1}">
-                <asvg:svgBlip xmlns:asvg="http://schemas.microsoft.com/office/drawing/2016/SVG/main" r:embed="rId12"/>
-              </a:ext>
-            </a:extLst>
-          </a:blip>
-          <a:srcRect t="63" b="63"/>
-          <a:stretch>
-            <a:fillRect/>
-          </a:stretch>
-        </p:blipFill>
-        <p:spPr/>
-      </p:pic>
-      <p:sp>
-        <p:nvSpPr>
-          <p:cNvPr id="23" name="Espace réservé du texte 22">
-            <a:extLst>
-              <a:ext uri="{FF2B5EF4-FFF2-40B4-BE49-F238E27FC236}">
-                <a16:creationId xmlns:a16="http://schemas.microsoft.com/office/drawing/2014/main" id="{8D05A34F-7712-46DB-AB5B-272E294B62EE}"/>
-              </a:ext>
-            </a:extLst>
-          </p:cNvPr>
-          <p:cNvSpPr>
-            <a:spLocks noGrp="1"/>
-          </p:cNvSpPr>
-          <p:nvPr>
-            <p:ph type="body" sz="quarter" idx="22"/>
-          </p:nvPr>
-        </p:nvSpPr>
-        <p:spPr/>
-        <p:txBody>
-          <a:bodyPr rtlCol="0"/>
-          <a:lstStyle/>
-          <a:p>
-            <a:pPr rtl="0"/>
-            <a:r>
-              <a:rPr lang="fr-FR"/>
-              <a:t>Caption05 s’affiche ici</a:t>
-            </a:r>
-          </a:p>
-        </p:txBody>
-      </p:sp>
-      <p:sp>
-        <p:nvSpPr>
-          <p:cNvPr id="2" name="Espace réservé du numéro de diapositive 1">
-            <a:extLst>
-              <a:ext uri="{FF2B5EF4-FFF2-40B4-BE49-F238E27FC236}">
-                <a16:creationId xmlns:a16="http://schemas.microsoft.com/office/drawing/2014/main" id="{CC1F11E7-EDE5-4119-BA64-4FC57C285D19}"/>
-              </a:ext>
-            </a:extLst>
-          </p:cNvPr>
-          <p:cNvSpPr>
-            <a:spLocks noGrp="1"/>
-          </p:cNvSpPr>
-          <p:nvPr>
-            <p:ph type="sldNum" sz="quarter" idx="12"/>
-          </p:nvPr>
-        </p:nvSpPr>
-        <p:spPr/>
-        <p:txBody>
-          <a:bodyPr rtlCol="0"/>
-          <a:lstStyle/>
-          <a:p>
-            <a:pPr rtl="0"/>
-            <a:fld id="{C263D6C4-4840-40CC-AC84-17E24B3B7BDE}" type="slidenum">
-              <a:rPr lang="fr-FR" smtClean="0"/>
-              <a:pPr rtl="0"/>
-              <a:t>7</a:t>
-            </a:fld>
-            <a:endParaRPr lang="fr-FR"/>
-          </a:p>
-        </p:txBody>
-      </p:sp>
-    </p:spTree>
-    <p:extLst>
-      <p:ext uri="{BB962C8B-B14F-4D97-AF65-F5344CB8AC3E}">
-        <p14:creationId xmlns:p14="http://schemas.microsoft.com/office/powerpoint/2010/main" val="3892131414"/>
-      </p:ext>
-    </p:extLst>
-  </p:cSld>
-  <p:clrMapOvr>
-    <a:masterClrMapping/>
-  </p:clrMapOvr>
-  <mc:AlternateContent xmlns:mc="http://schemas.openxmlformats.org/markup-compatibility/2006" xmlns:p14="http://schemas.microsoft.com/office/powerpoint/2010/main">
-    <mc:Choice Requires="p14">
-      <p:transition spd="med" p14:dur="700">
-        <p:fade/>
-      </p:transition>
-    </mc:Choice>
-    <mc:Fallback xmlns="">
-      <p:transition spd="med">
-        <p:fade/>
-      </p:transition>
-    </mc:Fallback>
-  </mc:AlternateContent>
-</p:sld>
-</file>
-
-<file path=ppt/slides/slide8.xml><?xml version="1.0" encoding="utf-8"?>
-<p:sld xmlns:a="http://schemas.openxmlformats.org/drawingml/2006/main" xmlns:r="http://schemas.openxmlformats.org/officeDocument/2006/relationships" xmlns:p="http://schemas.openxmlformats.org/presentationml/2006/main">
-  <p:cSld>
-    <p:spTree>
-      <p:nvGrpSpPr>
-        <p:cNvPr id="1" name=""/>
-        <p:cNvGrpSpPr/>
-        <p:nvPr/>
-      </p:nvGrpSpPr>
-      <p:grpSpPr>
-        <a:xfrm>
-          <a:off x="0" y="0"/>
-          <a:ext cx="0" cy="0"/>
-          <a:chOff x="0" y="0"/>
-          <a:chExt cx="0" cy="0"/>
-        </a:xfrm>
-      </p:grpSpPr>
-      <p:sp>
-        <p:nvSpPr>
-          <p:cNvPr id="4" name="Titre 3">
-            <a:extLst>
-              <a:ext uri="{FF2B5EF4-FFF2-40B4-BE49-F238E27FC236}">
-                <a16:creationId xmlns:a16="http://schemas.microsoft.com/office/drawing/2014/main" id="{315E3981-F0D7-482C-A8E0-6A57700BECA7}"/>
-              </a:ext>
-            </a:extLst>
-          </p:cNvPr>
-          <p:cNvSpPr>
-            <a:spLocks noGrp="1"/>
-          </p:cNvSpPr>
-          <p:nvPr>
-            <p:ph type="title"/>
-          </p:nvPr>
-        </p:nvSpPr>
-        <p:spPr/>
-        <p:txBody>
-          <a:bodyPr rtlCol="0"/>
-          <a:lstStyle/>
-          <a:p>
-            <a:pPr rtl="0"/>
-            <a:r>
-              <a:rPr lang="fr-FR"/>
-              <a:t>Titre du contenu</a:t>
-            </a:r>
-          </a:p>
-        </p:txBody>
-      </p:sp>
-      <p:pic>
-        <p:nvPicPr>
-          <p:cNvPr id="20" name="Espace réservé d’image 19" descr="Création de modèle triangulaire avec la dimension">
-            <a:extLst>
-              <a:ext uri="{FF2B5EF4-FFF2-40B4-BE49-F238E27FC236}">
-                <a16:creationId xmlns:a16="http://schemas.microsoft.com/office/drawing/2014/main" id="{3DCA2B8E-64D3-7645-8DEB-688ED5756F52}"/>
-              </a:ext>
-            </a:extLst>
-          </p:cNvPr>
-          <p:cNvPicPr>
-            <a:picLocks noGrp="1" noChangeAspect="1"/>
-          </p:cNvPicPr>
-          <p:nvPr>
-            <p:ph type="pic" sz="quarter" idx="19"/>
-          </p:nvPr>
-        </p:nvPicPr>
-        <p:blipFill>
-          <a:blip r:embed="rId3">
-            <a:extLst>
-              <a:ext uri="{28A0092B-C50C-407E-A947-70E740481C1C}">
-                <a14:useLocalDpi xmlns:a14="http://schemas.microsoft.com/office/drawing/2010/main" val="0"/>
-              </a:ext>
-            </a:extLst>
-          </a:blip>
-          <a:srcRect/>
-          <a:stretch>
-            <a:fillRect/>
-          </a:stretch>
-        </p:blipFill>
-        <p:spPr/>
-      </p:pic>
-      <p:sp>
-        <p:nvSpPr>
-          <p:cNvPr id="19" name="Espace réservé du texte 18">
-            <a:extLst>
-              <a:ext uri="{FF2B5EF4-FFF2-40B4-BE49-F238E27FC236}">
-                <a16:creationId xmlns:a16="http://schemas.microsoft.com/office/drawing/2014/main" id="{782206B1-586F-4254-9B36-D06C4E294ACF}"/>
-              </a:ext>
-            </a:extLst>
-          </p:cNvPr>
-          <p:cNvSpPr>
-            <a:spLocks noGrp="1"/>
-          </p:cNvSpPr>
-          <p:nvPr>
-            <p:ph type="body" sz="quarter" idx="18"/>
-          </p:nvPr>
-        </p:nvSpPr>
-        <p:spPr/>
-        <p:txBody>
-          <a:bodyPr rtlCol="0"/>
-          <a:lstStyle/>
-          <a:p>
-            <a:pPr rtl="0"/>
-            <a:r>
-              <a:rPr lang="fr-FR"/>
-              <a:t>Caption01 s’affiche ici</a:t>
-            </a:r>
-          </a:p>
-        </p:txBody>
-      </p:sp>
-      <p:sp>
-        <p:nvSpPr>
-          <p:cNvPr id="21" name="Espace réservé du texte 20">
-            <a:extLst>
-              <a:ext uri="{FF2B5EF4-FFF2-40B4-BE49-F238E27FC236}">
-                <a16:creationId xmlns:a16="http://schemas.microsoft.com/office/drawing/2014/main" id="{1B8F0371-4F69-4131-91BF-9AB99E6EE89B}"/>
-              </a:ext>
-            </a:extLst>
-          </p:cNvPr>
-          <p:cNvSpPr>
-            <a:spLocks noGrp="1"/>
-          </p:cNvSpPr>
-          <p:nvPr>
-            <p:ph type="body" sz="quarter" idx="20"/>
-          </p:nvPr>
-        </p:nvSpPr>
-        <p:spPr/>
-        <p:txBody>
-          <a:bodyPr rtlCol="0"/>
-          <a:lstStyle/>
-          <a:p>
-            <a:pPr rtl="0"/>
-            <a:r>
-              <a:rPr lang="fr-FR"/>
-              <a:t>Caption02 s’affiche ici</a:t>
-            </a:r>
-          </a:p>
-        </p:txBody>
-      </p:sp>
-      <p:sp>
-        <p:nvSpPr>
-          <p:cNvPr id="22" name="Espace réservé du texte 21">
-            <a:extLst>
-              <a:ext uri="{FF2B5EF4-FFF2-40B4-BE49-F238E27FC236}">
-                <a16:creationId xmlns:a16="http://schemas.microsoft.com/office/drawing/2014/main" id="{78CACAF1-61EA-4605-A8FE-2EEE752B49FF}"/>
-              </a:ext>
-            </a:extLst>
-          </p:cNvPr>
-          <p:cNvSpPr>
-            <a:spLocks noGrp="1"/>
-          </p:cNvSpPr>
-          <p:nvPr>
-            <p:ph type="body" sz="quarter" idx="21"/>
-          </p:nvPr>
-        </p:nvSpPr>
-        <p:spPr/>
-        <p:txBody>
-          <a:bodyPr rtlCol="0"/>
-          <a:lstStyle/>
-          <a:p>
-            <a:pPr rtl="0"/>
-            <a:r>
-              <a:rPr lang="fr-FR"/>
-              <a:t>Caption03 s’affiche ici</a:t>
-            </a:r>
-          </a:p>
-        </p:txBody>
-      </p:sp>
-      <p:sp>
-        <p:nvSpPr>
-          <p:cNvPr id="2" name="Espace réservé du numéro de diapositive 1">
-            <a:extLst>
-              <a:ext uri="{FF2B5EF4-FFF2-40B4-BE49-F238E27FC236}">
-                <a16:creationId xmlns:a16="http://schemas.microsoft.com/office/drawing/2014/main" id="{2F478C69-0A1D-45FF-8600-ED903803FFE1}"/>
-              </a:ext>
-            </a:extLst>
-          </p:cNvPr>
-          <p:cNvSpPr>
-            <a:spLocks noGrp="1"/>
-          </p:cNvSpPr>
-          <p:nvPr>
-            <p:ph type="sldNum" sz="quarter" idx="12"/>
-          </p:nvPr>
-        </p:nvSpPr>
-        <p:spPr/>
-        <p:txBody>
-          <a:bodyPr rtlCol="0"/>
-          <a:lstStyle/>
-          <a:p>
-            <a:pPr rtl="0"/>
-            <a:fld id="{C263D6C4-4840-40CC-AC84-17E24B3B7BDE}" type="slidenum">
-              <a:rPr lang="fr-FR" smtClean="0"/>
-              <a:pPr rtl="0"/>
-              <a:t>8</a:t>
-            </a:fld>
-            <a:endParaRPr lang="fr-FR"/>
-          </a:p>
-        </p:txBody>
-      </p:sp>
-    </p:spTree>
-    <p:extLst>
-      <p:ext uri="{BB962C8B-B14F-4D97-AF65-F5344CB8AC3E}">
-        <p14:creationId xmlns:p14="http://schemas.microsoft.com/office/powerpoint/2010/main" val="451187730"/>
-      </p:ext>
-    </p:extLst>
-  </p:cSld>
-  <p:clrMapOvr>
-    <a:masterClrMapping/>
-  </p:clrMapOvr>
-  <mc:AlternateContent xmlns:mc="http://schemas.openxmlformats.org/markup-compatibility/2006" xmlns:p14="http://schemas.microsoft.com/office/powerpoint/2010/main">
-    <mc:Choice Requires="p14">
-      <p:transition spd="med" p14:dur="700">
-        <p:fade/>
-      </p:transition>
-    </mc:Choice>
-    <mc:Fallback xmlns="">
-      <p:transition spd="med">
-        <p:fade/>
-      </p:transition>
-    </mc:Fallback>
-  </mc:AlternateContent>
-</p:sld>
-</file>
-
-<file path=ppt/slides/slide9.xml><?xml version="1.0" encoding="utf-8"?>
-<p:sld xmlns:a="http://schemas.openxmlformats.org/drawingml/2006/main" xmlns:r="http://schemas.openxmlformats.org/officeDocument/2006/relationships" xmlns:p="http://schemas.openxmlformats.org/presentationml/2006/main">
-  <p:cSld>
-    <p:spTree>
-      <p:nvGrpSpPr>
-        <p:cNvPr id="1" name=""/>
-        <p:cNvGrpSpPr/>
-        <p:nvPr/>
-      </p:nvGrpSpPr>
-      <p:grpSpPr>
-        <a:xfrm>
-          <a:off x="0" y="0"/>
-          <a:ext cx="0" cy="0"/>
-          <a:chOff x="0" y="0"/>
-          <a:chExt cx="0" cy="0"/>
-        </a:xfrm>
-      </p:grpSpPr>
-      <p:sp>
-        <p:nvSpPr>
-          <p:cNvPr id="4" name="Titre 3">
-            <a:extLst>
-              <a:ext uri="{FF2B5EF4-FFF2-40B4-BE49-F238E27FC236}">
-                <a16:creationId xmlns:a16="http://schemas.microsoft.com/office/drawing/2014/main" id="{315E3981-F0D7-482C-A8E0-6A57700BECA7}"/>
-              </a:ext>
-            </a:extLst>
-          </p:cNvPr>
-          <p:cNvSpPr>
-            <a:spLocks noGrp="1"/>
-          </p:cNvSpPr>
-          <p:nvPr>
-            <p:ph type="title"/>
-          </p:nvPr>
-        </p:nvSpPr>
-        <p:spPr/>
-        <p:txBody>
-          <a:bodyPr rtlCol="0"/>
-          <a:lstStyle/>
-          <a:p>
-            <a:pPr rtl="0"/>
-            <a:r>
-              <a:rPr lang="fr-FR"/>
-              <a:t>Titre du contenu</a:t>
-            </a:r>
-          </a:p>
-        </p:txBody>
-      </p:sp>
-      <p:pic>
-        <p:nvPicPr>
-          <p:cNvPr id="8" name="Espace réservé d’image 7" descr="Création de modèle triangulaire avec la dimension">
-            <a:extLst>
-              <a:ext uri="{FF2B5EF4-FFF2-40B4-BE49-F238E27FC236}">
-                <a16:creationId xmlns:a16="http://schemas.microsoft.com/office/drawing/2014/main" id="{2301248D-7370-7643-9BE6-F8CDCFF4D460}"/>
-              </a:ext>
-            </a:extLst>
-          </p:cNvPr>
-          <p:cNvPicPr>
-            <a:picLocks noGrp="1" noChangeAspect="1"/>
-          </p:cNvPicPr>
-          <p:nvPr>
-            <p:ph type="pic" sz="quarter" idx="19"/>
-          </p:nvPr>
-        </p:nvPicPr>
-        <p:blipFill rotWithShape="1">
-          <a:blip r:embed="rId3">
-            <a:extLst>
-              <a:ext uri="{28A0092B-C50C-407E-A947-70E740481C1C}">
-                <a14:useLocalDpi xmlns:a14="http://schemas.microsoft.com/office/drawing/2010/main" val="0"/>
-              </a:ext>
-            </a:extLst>
-          </a:blip>
-          <a:srcRect/>
-          <a:stretch/>
-        </p:blipFill>
-        <p:spPr>
-          <a:xfrm>
-            <a:off x="-2" y="1352575"/>
-            <a:ext cx="12192002" cy="2289897"/>
-          </a:xfrm>
-        </p:spPr>
-      </p:pic>
-      <p:sp>
-        <p:nvSpPr>
-          <p:cNvPr id="19" name="Espace réservé du texte 18">
-            <a:extLst>
-              <a:ext uri="{FF2B5EF4-FFF2-40B4-BE49-F238E27FC236}">
-                <a16:creationId xmlns:a16="http://schemas.microsoft.com/office/drawing/2014/main" id="{782206B1-586F-4254-9B36-D06C4E294ACF}"/>
-              </a:ext>
-            </a:extLst>
-          </p:cNvPr>
-          <p:cNvSpPr>
-            <a:spLocks noGrp="1"/>
-          </p:cNvSpPr>
-          <p:nvPr>
-            <p:ph type="body" sz="quarter" idx="18"/>
-          </p:nvPr>
-        </p:nvSpPr>
-        <p:spPr/>
-        <p:txBody>
-          <a:bodyPr rtlCol="0"/>
-          <a:lstStyle/>
-          <a:p>
-            <a:pPr rtl="0"/>
-            <a:r>
-              <a:rPr lang="fr-FR"/>
-              <a:t>Lorem ipsum dolor sit amet, consectetuer adipiscing elit. Maecenas porttitor congue massa. Fusce posuere, magna sed pulvinar ultricies, purus lectus malesuada libero, sit amet commodo magna eros quis urna. Nunc viverra imperdiet enim. Fusce est. Vivamus a tellus.</a:t>
-            </a:r>
-          </a:p>
-          <a:p>
-            <a:pPr rtl="0"/>
-            <a:r>
-              <a:rPr lang="fr-FR"/>
-              <a:t>Pellentesque habitant morbi tristique senectus et netus et malesuada fames ac turpis egestas. Proin pharetra nonummy pede. Mauris et orci.</a:t>
-            </a:r>
-          </a:p>
-        </p:txBody>
-      </p:sp>
-      <p:sp>
-        <p:nvSpPr>
-          <p:cNvPr id="2" name="Espace réservé du numéro de diapositive 1">
-            <a:extLst>
-              <a:ext uri="{FF2B5EF4-FFF2-40B4-BE49-F238E27FC236}">
-                <a16:creationId xmlns:a16="http://schemas.microsoft.com/office/drawing/2014/main" id="{FAC2D367-2A6E-41FE-A9EA-24FF17BCAA97}"/>
-              </a:ext>
-            </a:extLst>
-          </p:cNvPr>
-          <p:cNvSpPr>
-            <a:spLocks noGrp="1"/>
-          </p:cNvSpPr>
-          <p:nvPr>
-            <p:ph type="sldNum" sz="quarter" idx="12"/>
-          </p:nvPr>
-        </p:nvSpPr>
-        <p:spPr/>
-        <p:txBody>
-          <a:bodyPr rtlCol="0"/>
-          <a:lstStyle/>
-          <a:p>
-            <a:pPr rtl="0"/>
-            <a:fld id="{C263D6C4-4840-40CC-AC84-17E24B3B7BDE}" type="slidenum">
-              <a:rPr lang="fr-FR" smtClean="0"/>
-              <a:pPr rtl="0"/>
-              <a:t>9</a:t>
-            </a:fld>
-            <a:endParaRPr lang="fr-FR"/>
-          </a:p>
-        </p:txBody>
-      </p:sp>
-    </p:spTree>
-    <p:extLst>
-      <p:ext uri="{BB962C8B-B14F-4D97-AF65-F5344CB8AC3E}">
-        <p14:creationId xmlns:p14="http://schemas.microsoft.com/office/powerpoint/2010/main" val="663103393"/>
       </p:ext>
     </p:extLst>
   </p:cSld>
@@ -31307,24 +29274,6 @@
 </file>
 
 <file path=customXml/item1.xml><?xml version="1.0" encoding="utf-8"?>
-<p:properties xmlns:p="http://schemas.microsoft.com/office/2006/metadata/properties" xmlns:xsi="http://www.w3.org/2001/XMLSchema-instance" xmlns:pc="http://schemas.microsoft.com/office/infopath/2007/PartnerControls">
-  <documentManagement>
-    <_ip_UnifiedCompliancePolicyUIAction xmlns="http://schemas.microsoft.com/sharepoint/v3" xsi:nil="true"/>
-    <_ip_UnifiedCompliancePolicyProperties xmlns="http://schemas.microsoft.com/sharepoint/v3" xsi:nil="true"/>
-  </documentManagement>
-</p:properties>
-</file>
-
-<file path=customXml/item2.xml><?xml version="1.0" encoding="utf-8"?>
-<?mso-contentType ?>
-<FormTemplates xmlns="http://schemas.microsoft.com/sharepoint/v3/contenttype/forms">
-  <Display>DocumentLibraryForm</Display>
-  <Edit>DocumentLibraryForm</Edit>
-  <New>DocumentLibraryForm</New>
-</FormTemplates>
-</file>
-
-<file path=customXml/item3.xml><?xml version="1.0" encoding="utf-8"?>
 <ct:contentTypeSchema xmlns:ct="http://schemas.microsoft.com/office/2006/metadata/contentType" xmlns:ma="http://schemas.microsoft.com/office/2006/metadata/properties/metaAttributes" ct:_="" ma:_="" ma:contentTypeName="Document" ma:contentTypeID="0x010100DEEA25CC0A0AC24199CDC46C25B8B0BC" ma:contentTypeVersion="10" ma:contentTypeDescription="Create a new document." ma:contentTypeScope="" ma:versionID="e3b47856d4cf355c0dacb39e1084d14f">
   <xsd:schema xmlns:xsd="http://www.w3.org/2001/XMLSchema" xmlns:xs="http://www.w3.org/2001/XMLSchema" xmlns:p="http://schemas.microsoft.com/office/2006/metadata/properties" xmlns:ns1="http://schemas.microsoft.com/sharepoint/v3" xmlns:ns2="6dc4bcd6-49db-4c07-9060-8acfc67cef9f" xmlns:ns3="fb0879af-3eba-417a-a55a-ffe6dcd6ca77" targetNamespace="http://schemas.microsoft.com/office/2006/metadata/properties" ma:root="true" ma:fieldsID="a845a615265fdb1f7b12cc65ac20ecbd" ns1:_="" ns2:_="" ns3:_="">
     <xsd:import namespace="http://schemas.microsoft.com/sharepoint/v3"/>
@@ -31532,33 +29481,25 @@
 </ct:contentTypeSchema>
 </file>
 
-<file path=customXml/itemProps1.xml><?xml version="1.0" encoding="utf-8"?>
-<ds:datastoreItem xmlns:ds="http://schemas.openxmlformats.org/officeDocument/2006/customXml" ds:itemID="{F8992231-163D-4428-A2B8-DA1FE0274129}">
-  <ds:schemaRefs>
-    <ds:schemaRef ds:uri="http://schemas.microsoft.com/office/2006/metadata/properties"/>
-    <ds:schemaRef ds:uri="http://purl.org/dc/dcmitype/"/>
-    <ds:schemaRef ds:uri="http://schemas.microsoft.com/sharepoint/v3"/>
-    <ds:schemaRef ds:uri="http://purl.org/dc/elements/1.1/"/>
-    <ds:schemaRef ds:uri="http://schemas.openxmlformats.org/package/2006/metadata/core-properties"/>
-    <ds:schemaRef ds:uri="6dc4bcd6-49db-4c07-9060-8acfc67cef9f"/>
-    <ds:schemaRef ds:uri="http://schemas.microsoft.com/office/2006/documentManagement/types"/>
-    <ds:schemaRef ds:uri="http://schemas.microsoft.com/office/infopath/2007/PartnerControls"/>
-    <ds:schemaRef ds:uri="http://purl.org/dc/terms/"/>
-    <ds:schemaRef ds:uri="fb0879af-3eba-417a-a55a-ffe6dcd6ca77"/>
-    <ds:schemaRef ds:uri="http://www.w3.org/XML/1998/namespace"/>
-  </ds:schemaRefs>
-</ds:datastoreItem>
+<file path=customXml/item2.xml><?xml version="1.0" encoding="utf-8"?>
+<?mso-contentType ?>
+<FormTemplates xmlns="http://schemas.microsoft.com/sharepoint/v3/contenttype/forms">
+  <Display>DocumentLibraryForm</Display>
+  <Edit>DocumentLibraryForm</Edit>
+  <New>DocumentLibraryForm</New>
+</FormTemplates>
 </file>
 
-<file path=customXml/itemProps2.xml><?xml version="1.0" encoding="utf-8"?>
-<ds:datastoreItem xmlns:ds="http://schemas.openxmlformats.org/officeDocument/2006/customXml" ds:itemID="{8A95DE24-D6C3-4A00-9085-D9594C193AE1}">
-  <ds:schemaRefs>
-    <ds:schemaRef ds:uri="http://schemas.microsoft.com/sharepoint/v3/contenttype/forms"/>
-  </ds:schemaRefs>
-</ds:datastoreItem>
+<file path=customXml/item3.xml><?xml version="1.0" encoding="utf-8"?>
+<p:properties xmlns:p="http://schemas.microsoft.com/office/2006/metadata/properties" xmlns:xsi="http://www.w3.org/2001/XMLSchema-instance" xmlns:pc="http://schemas.microsoft.com/office/infopath/2007/PartnerControls">
+  <documentManagement>
+    <_ip_UnifiedCompliancePolicyUIAction xmlns="http://schemas.microsoft.com/sharepoint/v3" xsi:nil="true"/>
+    <_ip_UnifiedCompliancePolicyProperties xmlns="http://schemas.microsoft.com/sharepoint/v3" xsi:nil="true"/>
+  </documentManagement>
+</p:properties>
 </file>
 
-<file path=customXml/itemProps3.xml><?xml version="1.0" encoding="utf-8"?>
+<file path=customXml/itemProps1.xml><?xml version="1.0" encoding="utf-8"?>
 <ds:datastoreItem xmlns:ds="http://schemas.openxmlformats.org/officeDocument/2006/customXml" ds:itemID="{6B67ACAB-C3DC-429D-A23C-0723C084FEE5}">
   <ds:schemaRefs>
     <ds:schemaRef ds:uri="http://schemas.microsoft.com/office/2006/metadata/contentType"/>
@@ -31576,4 +29517,30 @@
     <ds:schemaRef ds:uri="http://schemas.microsoft.com/internal/obd"/>
   </ds:schemaRefs>
 </ds:datastoreItem>
+</file>
+
+<file path=customXml/itemProps2.xml><?xml version="1.0" encoding="utf-8"?>
+<ds:datastoreItem xmlns:ds="http://schemas.openxmlformats.org/officeDocument/2006/customXml" ds:itemID="{8A95DE24-D6C3-4A00-9085-D9594C193AE1}">
+  <ds:schemaRefs>
+    <ds:schemaRef ds:uri="http://schemas.microsoft.com/sharepoint/v3/contenttype/forms"/>
+  </ds:schemaRefs>
+</ds:datastoreItem>
+</file>
+
+<file path=customXml/itemProps3.xml><?xml version="1.0" encoding="utf-8"?>
+<ds:datastoreItem xmlns:ds="http://schemas.openxmlformats.org/officeDocument/2006/customXml" ds:itemID="{F8992231-163D-4428-A2B8-DA1FE0274129}">
+  <ds:schemaRefs>
+    <ds:schemaRef ds:uri="http://schemas.microsoft.com/office/2006/metadata/properties"/>
+    <ds:schemaRef ds:uri="http://purl.org/dc/dcmitype/"/>
+    <ds:schemaRef ds:uri="http://schemas.microsoft.com/sharepoint/v3"/>
+    <ds:schemaRef ds:uri="http://purl.org/dc/elements/1.1/"/>
+    <ds:schemaRef ds:uri="http://schemas.openxmlformats.org/package/2006/metadata/core-properties"/>
+    <ds:schemaRef ds:uri="6dc4bcd6-49db-4c07-9060-8acfc67cef9f"/>
+    <ds:schemaRef ds:uri="http://schemas.microsoft.com/office/2006/documentManagement/types"/>
+    <ds:schemaRef ds:uri="http://schemas.microsoft.com/office/infopath/2007/PartnerControls"/>
+    <ds:schemaRef ds:uri="http://purl.org/dc/terms/"/>
+    <ds:schemaRef ds:uri="fb0879af-3eba-417a-a55a-ffe6dcd6ca77"/>
+    <ds:schemaRef ds:uri="http://www.w3.org/XML/1998/namespace"/>
+  </ds:schemaRefs>
+</ds:datastoreItem>
 </file>